--- a/Document/slide/Database.pptx
+++ b/Document/slide/Database.pptx
@@ -246,7 +246,7 @@
           <a:p>
             <a:fld id="{5F6ED6E0-D8FB-42FD-A3DC-22CC4FD63A42}" type="datetimeFigureOut">
               <a:rPr lang="en-US" smtClean="0"/>
-              <a:t>01/10/2015</a:t>
+              <a:t>01-Oct-15</a:t>
             </a:fld>
             <a:endParaRPr lang="en-US"/>
           </a:p>
@@ -416,7 +416,7 @@
           <a:p>
             <a:fld id="{5F6ED6E0-D8FB-42FD-A3DC-22CC4FD63A42}" type="datetimeFigureOut">
               <a:rPr lang="en-US" smtClean="0"/>
-              <a:t>01/10/2015</a:t>
+              <a:t>01-Oct-15</a:t>
             </a:fld>
             <a:endParaRPr lang="en-US"/>
           </a:p>
@@ -596,7 +596,7 @@
           <a:p>
             <a:fld id="{5F6ED6E0-D8FB-42FD-A3DC-22CC4FD63A42}" type="datetimeFigureOut">
               <a:rPr lang="en-US" smtClean="0"/>
-              <a:t>01/10/2015</a:t>
+              <a:t>01-Oct-15</a:t>
             </a:fld>
             <a:endParaRPr lang="en-US"/>
           </a:p>
@@ -766,7 +766,7 @@
           <a:p>
             <a:fld id="{5F6ED6E0-D8FB-42FD-A3DC-22CC4FD63A42}" type="datetimeFigureOut">
               <a:rPr lang="en-US" smtClean="0"/>
-              <a:t>01/10/2015</a:t>
+              <a:t>01-Oct-15</a:t>
             </a:fld>
             <a:endParaRPr lang="en-US"/>
           </a:p>
@@ -1012,7 +1012,7 @@
           <a:p>
             <a:fld id="{5F6ED6E0-D8FB-42FD-A3DC-22CC4FD63A42}" type="datetimeFigureOut">
               <a:rPr lang="en-US" smtClean="0"/>
-              <a:t>01/10/2015</a:t>
+              <a:t>01-Oct-15</a:t>
             </a:fld>
             <a:endParaRPr lang="en-US"/>
           </a:p>
@@ -1244,7 +1244,7 @@
           <a:p>
             <a:fld id="{5F6ED6E0-D8FB-42FD-A3DC-22CC4FD63A42}" type="datetimeFigureOut">
               <a:rPr lang="en-US" smtClean="0"/>
-              <a:t>01/10/2015</a:t>
+              <a:t>01-Oct-15</a:t>
             </a:fld>
             <a:endParaRPr lang="en-US"/>
           </a:p>
@@ -1611,7 +1611,7 @@
           <a:p>
             <a:fld id="{5F6ED6E0-D8FB-42FD-A3DC-22CC4FD63A42}" type="datetimeFigureOut">
               <a:rPr lang="en-US" smtClean="0"/>
-              <a:t>01/10/2015</a:t>
+              <a:t>01-Oct-15</a:t>
             </a:fld>
             <a:endParaRPr lang="en-US"/>
           </a:p>
@@ -1729,7 +1729,7 @@
           <a:p>
             <a:fld id="{5F6ED6E0-D8FB-42FD-A3DC-22CC4FD63A42}" type="datetimeFigureOut">
               <a:rPr lang="en-US" smtClean="0"/>
-              <a:t>01/10/2015</a:t>
+              <a:t>01-Oct-15</a:t>
             </a:fld>
             <a:endParaRPr lang="en-US"/>
           </a:p>
@@ -1824,7 +1824,7 @@
           <a:p>
             <a:fld id="{5F6ED6E0-D8FB-42FD-A3DC-22CC4FD63A42}" type="datetimeFigureOut">
               <a:rPr lang="en-US" smtClean="0"/>
-              <a:t>01/10/2015</a:t>
+              <a:t>01-Oct-15</a:t>
             </a:fld>
             <a:endParaRPr lang="en-US"/>
           </a:p>
@@ -2101,7 +2101,7 @@
           <a:p>
             <a:fld id="{5F6ED6E0-D8FB-42FD-A3DC-22CC4FD63A42}" type="datetimeFigureOut">
               <a:rPr lang="en-US" smtClean="0"/>
-              <a:t>01/10/2015</a:t>
+              <a:t>01-Oct-15</a:t>
             </a:fld>
             <a:endParaRPr lang="en-US"/>
           </a:p>
@@ -2354,7 +2354,7 @@
           <a:p>
             <a:fld id="{5F6ED6E0-D8FB-42FD-A3DC-22CC4FD63A42}" type="datetimeFigureOut">
               <a:rPr lang="en-US" smtClean="0"/>
-              <a:t>01/10/2015</a:t>
+              <a:t>01-Oct-15</a:t>
             </a:fld>
             <a:endParaRPr lang="en-US"/>
           </a:p>
@@ -2567,7 +2567,7 @@
           <a:p>
             <a:fld id="{5F6ED6E0-D8FB-42FD-A3DC-22CC4FD63A42}" type="datetimeFigureOut">
               <a:rPr lang="en-US" smtClean="0"/>
-              <a:t>01/10/2015</a:t>
+              <a:t>01-Oct-15</a:t>
             </a:fld>
             <a:endParaRPr lang="en-US"/>
           </a:p>
@@ -3139,6 +3139,8 @@
                     <a:lumMod val="75000"/>
                   </a:schemeClr>
                 </a:solidFill>
+                <a:latin typeface="Times New Roman" panose="02020603050405020304" pitchFamily="18" charset="0"/>
+                <a:cs typeface="Times New Roman" panose="02020603050405020304" pitchFamily="18" charset="0"/>
               </a:rPr>
               <a:t>Danh</a:t>
             </a:r>
@@ -3149,6 +3151,8 @@
                     <a:lumMod val="75000"/>
                   </a:schemeClr>
                 </a:solidFill>
+                <a:latin typeface="Times New Roman" panose="02020603050405020304" pitchFamily="18" charset="0"/>
+                <a:cs typeface="Times New Roman" panose="02020603050405020304" pitchFamily="18" charset="0"/>
               </a:rPr>
               <a:t> </a:t>
             </a:r>
@@ -3159,6 +3163,8 @@
                     <a:lumMod val="75000"/>
                   </a:schemeClr>
                 </a:solidFill>
+                <a:latin typeface="Times New Roman" panose="02020603050405020304" pitchFamily="18" charset="0"/>
+                <a:cs typeface="Times New Roman" panose="02020603050405020304" pitchFamily="18" charset="0"/>
               </a:rPr>
               <a:t>sách</a:t>
             </a:r>
@@ -3169,6 +3175,8 @@
                     <a:lumMod val="75000"/>
                   </a:schemeClr>
                 </a:solidFill>
+                <a:latin typeface="Times New Roman" panose="02020603050405020304" pitchFamily="18" charset="0"/>
+                <a:cs typeface="Times New Roman" panose="02020603050405020304" pitchFamily="18" charset="0"/>
               </a:rPr>
               <a:t> </a:t>
             </a:r>
@@ -3179,6 +3187,8 @@
                     <a:lumMod val="75000"/>
                   </a:schemeClr>
                 </a:solidFill>
+                <a:latin typeface="Times New Roman" panose="02020603050405020304" pitchFamily="18" charset="0"/>
+                <a:cs typeface="Times New Roman" panose="02020603050405020304" pitchFamily="18" charset="0"/>
               </a:rPr>
               <a:t>các</a:t>
             </a:r>
@@ -3189,6 +3199,8 @@
                     <a:lumMod val="75000"/>
                   </a:schemeClr>
                 </a:solidFill>
+                <a:latin typeface="Times New Roman" panose="02020603050405020304" pitchFamily="18" charset="0"/>
+                <a:cs typeface="Times New Roman" panose="02020603050405020304" pitchFamily="18" charset="0"/>
               </a:rPr>
               <a:t> </a:t>
             </a:r>
@@ -3199,6 +3211,8 @@
                     <a:lumMod val="75000"/>
                   </a:schemeClr>
                 </a:solidFill>
+                <a:latin typeface="Times New Roman" panose="02020603050405020304" pitchFamily="18" charset="0"/>
+                <a:cs typeface="Times New Roman" panose="02020603050405020304" pitchFamily="18" charset="0"/>
               </a:rPr>
               <a:t>bảng</a:t>
             </a:r>
@@ -3209,6 +3223,8 @@
                     <a:lumMod val="75000"/>
                   </a:schemeClr>
                 </a:solidFill>
+                <a:latin typeface="Times New Roman" panose="02020603050405020304" pitchFamily="18" charset="0"/>
+                <a:cs typeface="Times New Roman" panose="02020603050405020304" pitchFamily="18" charset="0"/>
               </a:rPr>
               <a:t> </a:t>
             </a:r>
@@ -3219,8 +3235,10 @@
                     <a:lumMod val="75000"/>
                   </a:schemeClr>
                 </a:solidFill>
+                <a:latin typeface="Times New Roman" panose="02020603050405020304" pitchFamily="18" charset="0"/>
+                <a:cs typeface="Times New Roman" panose="02020603050405020304" pitchFamily="18" charset="0"/>
               </a:rPr>
-              <a:t>dư</a:t>
+              <a:t>dữ</a:t>
             </a:r>
             <a:r>
               <a:rPr lang="en-US" b="1" dirty="0" smtClean="0">
@@ -3229,8 +3247,10 @@
                     <a:lumMod val="75000"/>
                   </a:schemeClr>
                 </a:solidFill>
+                <a:latin typeface="Times New Roman" panose="02020603050405020304" pitchFamily="18" charset="0"/>
+                <a:cs typeface="Times New Roman" panose="02020603050405020304" pitchFamily="18" charset="0"/>
               </a:rPr>
-              <a:t>̃ </a:t>
+              <a:t> </a:t>
             </a:r>
             <a:r>
               <a:rPr lang="en-US" b="1" dirty="0" err="1" smtClean="0">
@@ -3239,6 +3259,8 @@
                     <a:lumMod val="75000"/>
                   </a:schemeClr>
                 </a:solidFill>
+                <a:latin typeface="Times New Roman" panose="02020603050405020304" pitchFamily="18" charset="0"/>
+                <a:cs typeface="Times New Roman" panose="02020603050405020304" pitchFamily="18" charset="0"/>
               </a:rPr>
               <a:t>liệu</a:t>
             </a:r>
@@ -3248,6 +3270,8 @@
                   <a:lumMod val="75000"/>
                 </a:schemeClr>
               </a:solidFill>
+              <a:latin typeface="Times New Roman" panose="02020603050405020304" pitchFamily="18" charset="0"/>
+              <a:cs typeface="Times New Roman" panose="02020603050405020304" pitchFamily="18" charset="0"/>
             </a:endParaRPr>
           </a:p>
         </p:txBody>
@@ -3273,53 +3297,75 @@
           <a:lstStyle/>
           <a:p>
             <a:r>
-              <a:rPr lang="en-US" dirty="0" smtClean="0"/>
+              <a:rPr lang="en-US" dirty="0" smtClean="0">
+                <a:latin typeface="Times New Roman" panose="02020603050405020304" pitchFamily="18" charset="0"/>
+                <a:cs typeface="Times New Roman" panose="02020603050405020304" pitchFamily="18" charset="0"/>
+              </a:rPr>
               <a:t>Resume</a:t>
             </a:r>
-            <a:endParaRPr lang="en-US" dirty="0" smtClean="0"/>
-          </a:p>
-          <a:p>
-            <a:r>
-              <a:rPr lang="en-US" dirty="0" smtClean="0"/>
+          </a:p>
+          <a:p>
+            <a:r>
+              <a:rPr lang="en-US" dirty="0" smtClean="0">
+                <a:latin typeface="Times New Roman" panose="02020603050405020304" pitchFamily="18" charset="0"/>
+                <a:cs typeface="Times New Roman" panose="02020603050405020304" pitchFamily="18" charset="0"/>
+              </a:rPr>
               <a:t>School</a:t>
             </a:r>
           </a:p>
           <a:p>
             <a:r>
-              <a:rPr lang="en-US" dirty="0" smtClean="0"/>
+              <a:rPr lang="en-US" dirty="0" smtClean="0">
+                <a:latin typeface="Times New Roman" panose="02020603050405020304" pitchFamily="18" charset="0"/>
+                <a:cs typeface="Times New Roman" panose="02020603050405020304" pitchFamily="18" charset="0"/>
+              </a:rPr>
               <a:t>Education</a:t>
             </a:r>
           </a:p>
           <a:p>
             <a:r>
-              <a:rPr lang="en-US" dirty="0" smtClean="0"/>
+              <a:rPr lang="en-US" dirty="0" smtClean="0">
+                <a:latin typeface="Times New Roman" panose="02020603050405020304" pitchFamily="18" charset="0"/>
+                <a:cs typeface="Times New Roman" panose="02020603050405020304" pitchFamily="18" charset="0"/>
+              </a:rPr>
               <a:t>Skill</a:t>
             </a:r>
           </a:p>
           <a:p>
             <a:r>
-              <a:rPr lang="en-US" dirty="0" smtClean="0"/>
+              <a:rPr lang="en-US" dirty="0" smtClean="0">
+                <a:latin typeface="Times New Roman" panose="02020603050405020304" pitchFamily="18" charset="0"/>
+                <a:cs typeface="Times New Roman" panose="02020603050405020304" pitchFamily="18" charset="0"/>
+              </a:rPr>
               <a:t>Language</a:t>
             </a:r>
           </a:p>
           <a:p>
             <a:r>
-              <a:rPr lang="en-US" dirty="0" smtClean="0"/>
+              <a:rPr lang="en-US" dirty="0" smtClean="0">
+                <a:latin typeface="Times New Roman" panose="02020603050405020304" pitchFamily="18" charset="0"/>
+                <a:cs typeface="Times New Roman" panose="02020603050405020304" pitchFamily="18" charset="0"/>
+              </a:rPr>
               <a:t>Career Object</a:t>
             </a:r>
           </a:p>
           <a:p>
             <a:r>
-              <a:rPr lang="en-US" dirty="0" smtClean="0"/>
+              <a:rPr lang="en-US" dirty="0" smtClean="0">
+                <a:latin typeface="Times New Roman" panose="02020603050405020304" pitchFamily="18" charset="0"/>
+                <a:cs typeface="Times New Roman" panose="02020603050405020304" pitchFamily="18" charset="0"/>
+              </a:rPr>
               <a:t>Experiment</a:t>
             </a:r>
           </a:p>
           <a:p>
             <a:r>
-              <a:rPr lang="en-US" dirty="0" smtClean="0"/>
+              <a:rPr lang="en-US" dirty="0" smtClean="0">
+                <a:latin typeface="Times New Roman" panose="02020603050405020304" pitchFamily="18" charset="0"/>
+                <a:cs typeface="Times New Roman" panose="02020603050405020304" pitchFamily="18" charset="0"/>
+              </a:rPr>
               <a:t>Reference</a:t>
             </a:r>
-            <a:endParaRPr lang="en-US" dirty="0" smtClean="0"/>
           </a:p>
           <a:p>
             <a:endParaRPr lang="en-US" dirty="0"/>
@@ -3337,7 +3383,7 @@
         <p:spPr>
           <a:xfrm>
             <a:off x="6096000" y="1719044"/>
-            <a:ext cx="2866697" cy="4351338"/>
+            <a:ext cx="3408608" cy="4351338"/>
           </a:xfrm>
           <a:prstGeom prst="rect">
             <a:avLst/>
@@ -3345,7 +3391,7 @@
         </p:spPr>
         <p:txBody>
           <a:bodyPr vert="horz" lIns="91440" tIns="45720" rIns="91440" bIns="45720" rtlCol="0">
-            <a:normAutofit lnSpcReduction="10000"/>
+            <a:normAutofit/>
           </a:bodyPr>
           <a:lstStyle>
             <a:lvl1pPr marL="228600" indent="-228600" algn="l" defTabSz="914400" rtl="0" eaLnBrk="1" latinLnBrk="0" hangingPunct="1">
@@ -3513,54 +3559,84 @@
           </a:lstStyle>
           <a:p>
             <a:r>
-              <a:rPr lang="en-US" dirty="0" smtClean="0"/>
+              <a:rPr lang="en-US" dirty="0" smtClean="0">
+                <a:latin typeface="Times New Roman" panose="02020603050405020304" pitchFamily="18" charset="0"/>
+                <a:cs typeface="Times New Roman" panose="02020603050405020304" pitchFamily="18" charset="0"/>
+              </a:rPr>
               <a:t>Account</a:t>
             </a:r>
           </a:p>
           <a:p>
             <a:r>
-              <a:rPr lang="en-US" dirty="0" smtClean="0"/>
+              <a:rPr lang="en-US" dirty="0" smtClean="0">
+                <a:latin typeface="Times New Roman" panose="02020603050405020304" pitchFamily="18" charset="0"/>
+                <a:cs typeface="Times New Roman" panose="02020603050405020304" pitchFamily="18" charset="0"/>
+              </a:rPr>
               <a:t>Company</a:t>
             </a:r>
           </a:p>
           <a:p>
             <a:r>
-              <a:rPr lang="en-US" dirty="0" smtClean="0"/>
+              <a:rPr lang="en-US" dirty="0" smtClean="0">
+                <a:latin typeface="Times New Roman" panose="02020603050405020304" pitchFamily="18" charset="0"/>
+                <a:cs typeface="Times New Roman" panose="02020603050405020304" pitchFamily="18" charset="0"/>
+              </a:rPr>
               <a:t>Job</a:t>
             </a:r>
           </a:p>
           <a:p>
             <a:r>
-              <a:rPr lang="en-US" dirty="0" smtClean="0"/>
+              <a:rPr lang="en-US" dirty="0" smtClean="0">
+                <a:latin typeface="Times New Roman" panose="02020603050405020304" pitchFamily="18" charset="0"/>
+                <a:cs typeface="Times New Roman" panose="02020603050405020304" pitchFamily="18" charset="0"/>
+              </a:rPr>
               <a:t>Category</a:t>
             </a:r>
           </a:p>
           <a:p>
             <a:r>
-              <a:rPr lang="en-US" dirty="0" err="1" smtClean="0"/>
+              <a:rPr lang="en-US" dirty="0" err="1" smtClean="0">
+                <a:latin typeface="Times New Roman" panose="02020603050405020304" pitchFamily="18" charset="0"/>
+                <a:cs typeface="Times New Roman" panose="02020603050405020304" pitchFamily="18" charset="0"/>
+              </a:rPr>
               <a:t>Xpath</a:t>
             </a:r>
-            <a:endParaRPr lang="en-US" dirty="0" smtClean="0"/>
-          </a:p>
-          <a:p>
-            <a:r>
-              <a:rPr lang="en-US" dirty="0" smtClean="0"/>
+            <a:endParaRPr lang="en-US" dirty="0" smtClean="0">
+              <a:latin typeface="Times New Roman" panose="02020603050405020304" pitchFamily="18" charset="0"/>
+              <a:cs typeface="Times New Roman" panose="02020603050405020304" pitchFamily="18" charset="0"/>
+            </a:endParaRPr>
+          </a:p>
+          <a:p>
+            <a:r>
+              <a:rPr lang="en-US" dirty="0" smtClean="0">
+                <a:latin typeface="Times New Roman" panose="02020603050405020304" pitchFamily="18" charset="0"/>
+                <a:cs typeface="Times New Roman" panose="02020603050405020304" pitchFamily="18" charset="0"/>
+              </a:rPr>
               <a:t>Care</a:t>
             </a:r>
           </a:p>
           <a:p>
             <a:r>
-              <a:rPr lang="en-US" dirty="0" err="1" smtClean="0"/>
+              <a:rPr lang="en-US" dirty="0" err="1" smtClean="0">
+                <a:latin typeface="Times New Roman" panose="02020603050405020304" pitchFamily="18" charset="0"/>
+                <a:cs typeface="Times New Roman" panose="02020603050405020304" pitchFamily="18" charset="0"/>
+              </a:rPr>
               <a:t>Job_Recommended</a:t>
             </a:r>
             <a:r>
-              <a:rPr lang="en-US" dirty="0" smtClean="0"/>
+              <a:rPr lang="en-US" dirty="0" smtClean="0">
+                <a:latin typeface="Times New Roman" panose="02020603050405020304" pitchFamily="18" charset="0"/>
+                <a:cs typeface="Times New Roman" panose="02020603050405020304" pitchFamily="18" charset="0"/>
+              </a:rPr>
               <a:t>.</a:t>
             </a:r>
           </a:p>
           <a:p>
             <a:r>
-              <a:rPr lang="en-US" dirty="0" smtClean="0"/>
+              <a:rPr lang="en-US" dirty="0" smtClean="0">
+                <a:latin typeface="Times New Roman" panose="02020603050405020304" pitchFamily="18" charset="0"/>
+                <a:cs typeface="Times New Roman" panose="02020603050405020304" pitchFamily="18" charset="0"/>
+              </a:rPr>
               <a:t>Reference</a:t>
             </a:r>
           </a:p>
@@ -3787,10 +3863,16 @@
           <a:p>
             <a:pPr algn="ctr"/>
             <a:r>
-              <a:rPr lang="en-US" b="1" dirty="0" smtClean="0"/>
+              <a:rPr lang="en-US" b="1" dirty="0" smtClean="0">
+                <a:latin typeface="Times New Roman" panose="02020603050405020304" pitchFamily="18" charset="0"/>
+                <a:cs typeface="Times New Roman" panose="02020603050405020304" pitchFamily="18" charset="0"/>
+              </a:rPr>
               <a:t>The end</a:t>
             </a:r>
-            <a:endParaRPr lang="en-US" b="1" dirty="0"/>
+            <a:endParaRPr lang="en-US" b="1" dirty="0">
+              <a:latin typeface="Times New Roman" panose="02020603050405020304" pitchFamily="18" charset="0"/>
+              <a:cs typeface="Times New Roman" panose="02020603050405020304" pitchFamily="18" charset="0"/>
+            </a:endParaRPr>
           </a:p>
         </p:txBody>
       </p:sp>

--- a/Document/slide/Database.pptx
+++ b/Document/slide/Database.pptx
@@ -2,13 +2,21 @@
 <file path=ppt/presentation.xml><?xml version="1.0" encoding="utf-8"?>
 <p:presentation xmlns:a="http://schemas.openxmlformats.org/drawingml/2006/main" xmlns:r="http://schemas.openxmlformats.org/officeDocument/2006/relationships" xmlns:p="http://schemas.openxmlformats.org/presentationml/2006/main" saveSubsetFonts="1">
   <p:sldMasterIdLst>
-    <p:sldMasterId id="2147483779" r:id="rId1"/>
+    <p:sldMasterId id="2147483839" r:id="rId1"/>
+    <p:sldMasterId id="2147483851" r:id="rId2"/>
   </p:sldMasterIdLst>
+  <p:notesMasterIdLst>
+    <p:notesMasterId r:id="rId11"/>
+  </p:notesMasterIdLst>
   <p:sldIdLst>
-    <p:sldId id="256" r:id="rId2"/>
-    <p:sldId id="257" r:id="rId3"/>
-    <p:sldId id="261" r:id="rId4"/>
-    <p:sldId id="262" r:id="rId5"/>
+    <p:sldId id="256" r:id="rId3"/>
+    <p:sldId id="257" r:id="rId4"/>
+    <p:sldId id="261" r:id="rId5"/>
+    <p:sldId id="263" r:id="rId6"/>
+    <p:sldId id="265" r:id="rId7"/>
+    <p:sldId id="264" r:id="rId8"/>
+    <p:sldId id="266" r:id="rId9"/>
+    <p:sldId id="262" r:id="rId10"/>
   </p:sldIdLst>
   <p:sldSz cx="12192000" cy="6858000"/>
   <p:notesSz cx="6858000" cy="9144000"/>
@@ -115,9 +123,14 @@
 </p:presentation>
 </file>
 
-<file path=ppt/slideLayouts/slideLayout1.xml><?xml version="1.0" encoding="utf-8"?>
-<p:sldLayout xmlns:a="http://schemas.openxmlformats.org/drawingml/2006/main" xmlns:r="http://schemas.openxmlformats.org/officeDocument/2006/relationships" xmlns:p="http://schemas.openxmlformats.org/presentationml/2006/main" type="title" preserve="1">
-  <p:cSld name="Title Slide">
+<file path=ppt/notesMasters/notesMaster1.xml><?xml version="1.0" encoding="utf-8"?>
+<p:notesMaster xmlns:a="http://schemas.openxmlformats.org/drawingml/2006/main" xmlns:r="http://schemas.openxmlformats.org/officeDocument/2006/relationships" xmlns:p="http://schemas.openxmlformats.org/presentationml/2006/main">
+  <p:cSld>
+    <p:bg>
+      <p:bgRef idx="1001">
+        <a:schemeClr val="bg1"/>
+      </p:bgRef>
+    </p:bg>
     <p:spTree>
       <p:nvGrpSpPr>
         <p:cNvPr id="1" name=""/>
@@ -134,119 +147,65 @@
       </p:grpSpPr>
       <p:sp>
         <p:nvSpPr>
-          <p:cNvPr id="2" name="Title 1"/>
-          <p:cNvSpPr>
-            <a:spLocks noGrp="1"/>
-          </p:cNvSpPr>
-          <p:nvPr>
-            <p:ph type="ctrTitle"/>
+          <p:cNvPr id="2" name="Header Placeholder 1"/>
+          <p:cNvSpPr>
+            <a:spLocks noGrp="1"/>
+          </p:cNvSpPr>
+          <p:nvPr>
+            <p:ph type="hdr" sz="quarter"/>
           </p:nvPr>
         </p:nvSpPr>
         <p:spPr>
           <a:xfrm>
-            <a:off x="1524000" y="1122363"/>
-            <a:ext cx="9144000" cy="2387600"/>
+            <a:off x="0" y="0"/>
+            <a:ext cx="2971800" cy="458788"/>
           </a:xfrm>
+          <a:prstGeom prst="rect">
+            <a:avLst/>
+          </a:prstGeom>
         </p:spPr>
         <p:txBody>
-          <a:bodyPr anchor="b"/>
-          <a:lstStyle>
-            <a:lvl1pPr algn="ctr">
-              <a:defRPr sz="6000"/>
-            </a:lvl1pPr>
-          </a:lstStyle>
-          <a:p>
-            <a:r>
-              <a:rPr lang="en-US" smtClean="0"/>
-              <a:t>Click to edit Master title style</a:t>
-            </a:r>
+          <a:bodyPr vert="horz" lIns="91440" tIns="45720" rIns="91440" bIns="45720" rtlCol="0"/>
+          <a:lstStyle>
+            <a:lvl1pPr algn="l">
+              <a:defRPr sz="1200"/>
+            </a:lvl1pPr>
+          </a:lstStyle>
+          <a:p>
             <a:endParaRPr lang="en-US"/>
           </a:p>
         </p:txBody>
       </p:sp>
       <p:sp>
         <p:nvSpPr>
-          <p:cNvPr id="3" name="Subtitle 2"/>
-          <p:cNvSpPr>
-            <a:spLocks noGrp="1"/>
-          </p:cNvSpPr>
-          <p:nvPr>
-            <p:ph type="subTitle" idx="1"/>
+          <p:cNvPr id="3" name="Date Placeholder 2"/>
+          <p:cNvSpPr>
+            <a:spLocks noGrp="1"/>
+          </p:cNvSpPr>
+          <p:nvPr>
+            <p:ph type="dt" idx="1"/>
           </p:nvPr>
         </p:nvSpPr>
         <p:spPr>
           <a:xfrm>
-            <a:off x="1524000" y="3602038"/>
-            <a:ext cx="9144000" cy="1655762"/>
+            <a:off x="3884613" y="0"/>
+            <a:ext cx="2971800" cy="458788"/>
           </a:xfrm>
+          <a:prstGeom prst="rect">
+            <a:avLst/>
+          </a:prstGeom>
         </p:spPr>
         <p:txBody>
-          <a:bodyPr/>
-          <a:lstStyle>
-            <a:lvl1pPr marL="0" indent="0" algn="ctr">
-              <a:buNone/>
-              <a:defRPr sz="2400"/>
-            </a:lvl1pPr>
-            <a:lvl2pPr marL="457200" indent="0" algn="ctr">
-              <a:buNone/>
-              <a:defRPr sz="2000"/>
-            </a:lvl2pPr>
-            <a:lvl3pPr marL="914400" indent="0" algn="ctr">
-              <a:buNone/>
-              <a:defRPr sz="1800"/>
-            </a:lvl3pPr>
-            <a:lvl4pPr marL="1371600" indent="0" algn="ctr">
-              <a:buNone/>
-              <a:defRPr sz="1600"/>
-            </a:lvl4pPr>
-            <a:lvl5pPr marL="1828800" indent="0" algn="ctr">
-              <a:buNone/>
-              <a:defRPr sz="1600"/>
-            </a:lvl5pPr>
-            <a:lvl6pPr marL="2286000" indent="0" algn="ctr">
-              <a:buNone/>
-              <a:defRPr sz="1600"/>
-            </a:lvl6pPr>
-            <a:lvl7pPr marL="2743200" indent="0" algn="ctr">
-              <a:buNone/>
-              <a:defRPr sz="1600"/>
-            </a:lvl7pPr>
-            <a:lvl8pPr marL="3200400" indent="0" algn="ctr">
-              <a:buNone/>
-              <a:defRPr sz="1600"/>
-            </a:lvl8pPr>
-            <a:lvl9pPr marL="3657600" indent="0" algn="ctr">
-              <a:buNone/>
-              <a:defRPr sz="1600"/>
-            </a:lvl9pPr>
-          </a:lstStyle>
-          <a:p>
-            <a:r>
-              <a:rPr lang="en-US" smtClean="0"/>
-              <a:t>Click to edit Master subtitle style</a:t>
-            </a:r>
-            <a:endParaRPr lang="en-US"/>
-          </a:p>
-        </p:txBody>
-      </p:sp>
-      <p:sp>
-        <p:nvSpPr>
-          <p:cNvPr id="4" name="Date Placeholder 3"/>
-          <p:cNvSpPr>
-            <a:spLocks noGrp="1"/>
-          </p:cNvSpPr>
-          <p:nvPr>
-            <p:ph type="dt" sz="half" idx="10"/>
-          </p:nvPr>
-        </p:nvSpPr>
-        <p:spPr/>
-        <p:txBody>
-          <a:bodyPr/>
-          <a:lstStyle/>
-          <a:p>
-            <a:fld id="{5F6ED6E0-D8FB-42FD-A3DC-22CC4FD63A42}" type="datetimeFigureOut">
-              <a:rPr lang="en-US" smtClean="0"/>
-              <a:t>01-Oct-15</a:t>
+          <a:bodyPr vert="horz" lIns="91440" tIns="45720" rIns="91440" bIns="45720" rtlCol="0"/>
+          <a:lstStyle>
+            <a:lvl1pPr algn="r">
+              <a:defRPr sz="1200"/>
+            </a:lvl1pPr>
+          </a:lstStyle>
+          <a:p>
+            <a:fld id="{8775B81B-2B51-42B8-8BAF-600E938677EC}" type="datetimeFigureOut">
+              <a:rPr lang="en-US" smtClean="0"/>
+              <a:t>02/10/2015</a:t>
             </a:fld>
             <a:endParaRPr lang="en-US"/>
           </a:p>
@@ -254,17 +213,31 @@
       </p:sp>
       <p:sp>
         <p:nvSpPr>
-          <p:cNvPr id="5" name="Footer Placeholder 4"/>
-          <p:cNvSpPr>
-            <a:spLocks noGrp="1"/>
-          </p:cNvSpPr>
-          <p:nvPr>
-            <p:ph type="ftr" sz="quarter" idx="11"/>
-          </p:nvPr>
-        </p:nvSpPr>
-        <p:spPr/>
-        <p:txBody>
-          <a:bodyPr/>
+          <p:cNvPr id="4" name="Slide Image Placeholder 3"/>
+          <p:cNvSpPr>
+            <a:spLocks noGrp="1" noRot="1" noChangeAspect="1"/>
+          </p:cNvSpPr>
+          <p:nvPr>
+            <p:ph type="sldImg" idx="2"/>
+          </p:nvPr>
+        </p:nvSpPr>
+        <p:spPr>
+          <a:xfrm>
+            <a:off x="685800" y="1143000"/>
+            <a:ext cx="5486400" cy="3086100"/>
+          </a:xfrm>
+          <a:prstGeom prst="rect">
+            <a:avLst/>
+          </a:prstGeom>
+          <a:noFill/>
+          <a:ln w="12700">
+            <a:solidFill>
+              <a:prstClr val="black"/>
+            </a:solidFill>
+          </a:ln>
+        </p:spPr>
+        <p:txBody>
+          <a:bodyPr vert="horz" lIns="91440" tIns="45720" rIns="91440" bIns="45720" rtlCol="0" anchor="ctr"/>
           <a:lstStyle/>
           <a:p>
             <a:endParaRPr lang="en-US"/>
@@ -273,20 +246,123 @@
       </p:sp>
       <p:sp>
         <p:nvSpPr>
-          <p:cNvPr id="6" name="Slide Number Placeholder 5"/>
-          <p:cNvSpPr>
-            <a:spLocks noGrp="1"/>
-          </p:cNvSpPr>
-          <p:nvPr>
-            <p:ph type="sldNum" sz="quarter" idx="12"/>
-          </p:nvPr>
-        </p:nvSpPr>
-        <p:spPr/>
-        <p:txBody>
-          <a:bodyPr/>
+          <p:cNvPr id="5" name="Notes Placeholder 4"/>
+          <p:cNvSpPr>
+            <a:spLocks noGrp="1"/>
+          </p:cNvSpPr>
+          <p:nvPr>
+            <p:ph type="body" sz="quarter" idx="3"/>
+          </p:nvPr>
+        </p:nvSpPr>
+        <p:spPr>
+          <a:xfrm>
+            <a:off x="685800" y="4400550"/>
+            <a:ext cx="5486400" cy="3600450"/>
+          </a:xfrm>
+          <a:prstGeom prst="rect">
+            <a:avLst/>
+          </a:prstGeom>
+        </p:spPr>
+        <p:txBody>
+          <a:bodyPr vert="horz" lIns="91440" tIns="45720" rIns="91440" bIns="45720" rtlCol="0"/>
           <a:lstStyle/>
           <a:p>
-            <a:fld id="{045B3F0B-CC05-4723-8CC3-CA1B0DF3ABD8}" type="slidenum">
+            <a:pPr lvl="0"/>
+            <a:r>
+              <a:rPr lang="en-US" smtClean="0"/>
+              <a:t>Click to edit Master text styles</a:t>
+            </a:r>
+          </a:p>
+          <a:p>
+            <a:pPr lvl="1"/>
+            <a:r>
+              <a:rPr lang="en-US" smtClean="0"/>
+              <a:t>Second level</a:t>
+            </a:r>
+          </a:p>
+          <a:p>
+            <a:pPr lvl="2"/>
+            <a:r>
+              <a:rPr lang="en-US" smtClean="0"/>
+              <a:t>Third level</a:t>
+            </a:r>
+          </a:p>
+          <a:p>
+            <a:pPr lvl="3"/>
+            <a:r>
+              <a:rPr lang="en-US" smtClean="0"/>
+              <a:t>Fourth level</a:t>
+            </a:r>
+          </a:p>
+          <a:p>
+            <a:pPr lvl="4"/>
+            <a:r>
+              <a:rPr lang="en-US" smtClean="0"/>
+              <a:t>Fifth level</a:t>
+            </a:r>
+            <a:endParaRPr lang="en-US"/>
+          </a:p>
+        </p:txBody>
+      </p:sp>
+      <p:sp>
+        <p:nvSpPr>
+          <p:cNvPr id="6" name="Footer Placeholder 5"/>
+          <p:cNvSpPr>
+            <a:spLocks noGrp="1"/>
+          </p:cNvSpPr>
+          <p:nvPr>
+            <p:ph type="ftr" sz="quarter" idx="4"/>
+          </p:nvPr>
+        </p:nvSpPr>
+        <p:spPr>
+          <a:xfrm>
+            <a:off x="0" y="8685213"/>
+            <a:ext cx="2971800" cy="458787"/>
+          </a:xfrm>
+          <a:prstGeom prst="rect">
+            <a:avLst/>
+          </a:prstGeom>
+        </p:spPr>
+        <p:txBody>
+          <a:bodyPr vert="horz" lIns="91440" tIns="45720" rIns="91440" bIns="45720" rtlCol="0" anchor="b"/>
+          <a:lstStyle>
+            <a:lvl1pPr algn="l">
+              <a:defRPr sz="1200"/>
+            </a:lvl1pPr>
+          </a:lstStyle>
+          <a:p>
+            <a:endParaRPr lang="en-US"/>
+          </a:p>
+        </p:txBody>
+      </p:sp>
+      <p:sp>
+        <p:nvSpPr>
+          <p:cNvPr id="7" name="Slide Number Placeholder 6"/>
+          <p:cNvSpPr>
+            <a:spLocks noGrp="1"/>
+          </p:cNvSpPr>
+          <p:nvPr>
+            <p:ph type="sldNum" sz="quarter" idx="5"/>
+          </p:nvPr>
+        </p:nvSpPr>
+        <p:spPr>
+          <a:xfrm>
+            <a:off x="3884613" y="8685213"/>
+            <a:ext cx="2971800" cy="458787"/>
+          </a:xfrm>
+          <a:prstGeom prst="rect">
+            <a:avLst/>
+          </a:prstGeom>
+        </p:spPr>
+        <p:txBody>
+          <a:bodyPr vert="horz" lIns="91440" tIns="45720" rIns="91440" bIns="45720" rtlCol="0" anchor="b"/>
+          <a:lstStyle>
+            <a:lvl1pPr algn="r">
+              <a:defRPr sz="1200"/>
+            </a:lvl1pPr>
+          </a:lstStyle>
+          <a:p>
+            <a:fld id="{64AC6396-B6F2-452D-B89A-2A73078D6E49}" type="slidenum">
               <a:rPr lang="en-US" smtClean="0"/>
               <a:t>‹#›</a:t>
             </a:fld>
@@ -297,7 +373,208 @@
     </p:spTree>
     <p:extLst>
       <p:ext uri="{BB962C8B-B14F-4D97-AF65-F5344CB8AC3E}">
-        <p14:creationId xmlns:p14="http://schemas.microsoft.com/office/powerpoint/2010/main" val="895010509"/>
+        <p14:creationId xmlns:p14="http://schemas.microsoft.com/office/powerpoint/2010/main" val="3490157080"/>
+      </p:ext>
+    </p:extLst>
+  </p:cSld>
+  <p:clrMap bg1="lt1" tx1="dk1" bg2="lt2" tx2="dk2" accent1="accent1" accent2="accent2" accent3="accent3" accent4="accent4" accent5="accent5" accent6="accent6" hlink="hlink" folHlink="folHlink"/>
+  <p:notesStyle>
+    <a:lvl1pPr marL="0" algn="l" defTabSz="914400" rtl="0" eaLnBrk="1" latinLnBrk="0" hangingPunct="1">
+      <a:defRPr sz="1200" kern="1200">
+        <a:solidFill>
+          <a:schemeClr val="tx1"/>
+        </a:solidFill>
+        <a:latin typeface="+mn-lt"/>
+        <a:ea typeface="+mn-ea"/>
+        <a:cs typeface="+mn-cs"/>
+      </a:defRPr>
+    </a:lvl1pPr>
+    <a:lvl2pPr marL="457200" algn="l" defTabSz="914400" rtl="0" eaLnBrk="1" latinLnBrk="0" hangingPunct="1">
+      <a:defRPr sz="1200" kern="1200">
+        <a:solidFill>
+          <a:schemeClr val="tx1"/>
+        </a:solidFill>
+        <a:latin typeface="+mn-lt"/>
+        <a:ea typeface="+mn-ea"/>
+        <a:cs typeface="+mn-cs"/>
+      </a:defRPr>
+    </a:lvl2pPr>
+    <a:lvl3pPr marL="914400" algn="l" defTabSz="914400" rtl="0" eaLnBrk="1" latinLnBrk="0" hangingPunct="1">
+      <a:defRPr sz="1200" kern="1200">
+        <a:solidFill>
+          <a:schemeClr val="tx1"/>
+        </a:solidFill>
+        <a:latin typeface="+mn-lt"/>
+        <a:ea typeface="+mn-ea"/>
+        <a:cs typeface="+mn-cs"/>
+      </a:defRPr>
+    </a:lvl3pPr>
+    <a:lvl4pPr marL="1371600" algn="l" defTabSz="914400" rtl="0" eaLnBrk="1" latinLnBrk="0" hangingPunct="1">
+      <a:defRPr sz="1200" kern="1200">
+        <a:solidFill>
+          <a:schemeClr val="tx1"/>
+        </a:solidFill>
+        <a:latin typeface="+mn-lt"/>
+        <a:ea typeface="+mn-ea"/>
+        <a:cs typeface="+mn-cs"/>
+      </a:defRPr>
+    </a:lvl4pPr>
+    <a:lvl5pPr marL="1828800" algn="l" defTabSz="914400" rtl="0" eaLnBrk="1" latinLnBrk="0" hangingPunct="1">
+      <a:defRPr sz="1200" kern="1200">
+        <a:solidFill>
+          <a:schemeClr val="tx1"/>
+        </a:solidFill>
+        <a:latin typeface="+mn-lt"/>
+        <a:ea typeface="+mn-ea"/>
+        <a:cs typeface="+mn-cs"/>
+      </a:defRPr>
+    </a:lvl5pPr>
+    <a:lvl6pPr marL="2286000" algn="l" defTabSz="914400" rtl="0" eaLnBrk="1" latinLnBrk="0" hangingPunct="1">
+      <a:defRPr sz="1200" kern="1200">
+        <a:solidFill>
+          <a:schemeClr val="tx1"/>
+        </a:solidFill>
+        <a:latin typeface="+mn-lt"/>
+        <a:ea typeface="+mn-ea"/>
+        <a:cs typeface="+mn-cs"/>
+      </a:defRPr>
+    </a:lvl6pPr>
+    <a:lvl7pPr marL="2743200" algn="l" defTabSz="914400" rtl="0" eaLnBrk="1" latinLnBrk="0" hangingPunct="1">
+      <a:defRPr sz="1200" kern="1200">
+        <a:solidFill>
+          <a:schemeClr val="tx1"/>
+        </a:solidFill>
+        <a:latin typeface="+mn-lt"/>
+        <a:ea typeface="+mn-ea"/>
+        <a:cs typeface="+mn-cs"/>
+      </a:defRPr>
+    </a:lvl7pPr>
+    <a:lvl8pPr marL="3200400" algn="l" defTabSz="914400" rtl="0" eaLnBrk="1" latinLnBrk="0" hangingPunct="1">
+      <a:defRPr sz="1200" kern="1200">
+        <a:solidFill>
+          <a:schemeClr val="tx1"/>
+        </a:solidFill>
+        <a:latin typeface="+mn-lt"/>
+        <a:ea typeface="+mn-ea"/>
+        <a:cs typeface="+mn-cs"/>
+      </a:defRPr>
+    </a:lvl8pPr>
+    <a:lvl9pPr marL="3657600" algn="l" defTabSz="914400" rtl="0" eaLnBrk="1" latinLnBrk="0" hangingPunct="1">
+      <a:defRPr sz="1200" kern="1200">
+        <a:solidFill>
+          <a:schemeClr val="tx1"/>
+        </a:solidFill>
+        <a:latin typeface="+mn-lt"/>
+        <a:ea typeface="+mn-ea"/>
+        <a:cs typeface="+mn-cs"/>
+      </a:defRPr>
+    </a:lvl9pPr>
+  </p:notesStyle>
+</p:notesMaster>
+</file>
+
+<file path=ppt/slideLayouts/slideLayout1.xml><?xml version="1.0" encoding="utf-8"?>
+<p:sldLayout xmlns:a="http://schemas.openxmlformats.org/drawingml/2006/main" xmlns:r="http://schemas.openxmlformats.org/officeDocument/2006/relationships" xmlns:p="http://schemas.openxmlformats.org/presentationml/2006/main" showMasterSp="0" type="title" preserve="1">
+  <p:cSld name="Title Slide">
+    <p:bg bwMode="auto">
+      <p:bgPr>
+        <a:blipFill dpi="0" rotWithShape="0">
+          <a:blip r:embed="rId2"/>
+          <a:srcRect/>
+          <a:stretch>
+            <a:fillRect/>
+          </a:stretch>
+        </a:blipFill>
+        <a:effectLst/>
+      </p:bgPr>
+    </p:bg>
+    <p:spTree>
+      <p:nvGrpSpPr>
+        <p:cNvPr id="1" name=""/>
+        <p:cNvGrpSpPr/>
+        <p:nvPr/>
+      </p:nvGrpSpPr>
+      <p:grpSpPr>
+        <a:xfrm>
+          <a:off x="0" y="0"/>
+          <a:ext cx="0" cy="0"/>
+          <a:chOff x="0" y="0"/>
+          <a:chExt cx="0" cy="0"/>
+        </a:xfrm>
+      </p:grpSpPr>
+      <p:sp>
+        <p:nvSpPr>
+          <p:cNvPr id="2050" name="Rectangle 2"/>
+          <p:cNvSpPr>
+            <a:spLocks noChangeArrowheads="1"/>
+          </p:cNvSpPr>
+          <p:nvPr>
+            <p:ph type="ctrTitle"/>
+          </p:nvPr>
+        </p:nvSpPr>
+        <p:spPr>
+          <a:xfrm>
+            <a:off x="3378201" y="4521200"/>
+            <a:ext cx="8032751" cy="806450"/>
+          </a:xfrm>
+        </p:spPr>
+        <p:txBody>
+          <a:bodyPr/>
+          <a:lstStyle>
+            <a:lvl1pPr algn="r">
+              <a:lnSpc>
+                <a:spcPct val="110000"/>
+              </a:lnSpc>
+              <a:defRPr sz="3200"/>
+            </a:lvl1pPr>
+          </a:lstStyle>
+          <a:p>
+            <a:pPr lvl="0"/>
+            <a:r>
+              <a:rPr lang="en-US" altLang="en-US" noProof="0" smtClean="0"/>
+              <a:t>Click to edit Master title style</a:t>
+            </a:r>
+          </a:p>
+        </p:txBody>
+      </p:sp>
+      <p:sp>
+        <p:nvSpPr>
+          <p:cNvPr id="2051" name="Rectangle 3"/>
+          <p:cNvSpPr>
+            <a:spLocks noChangeArrowheads="1"/>
+          </p:cNvSpPr>
+          <p:nvPr>
+            <p:ph type="subTitle" idx="1"/>
+          </p:nvPr>
+        </p:nvSpPr>
+        <p:spPr>
+          <a:xfrm>
+            <a:off x="3382434" y="5359400"/>
+            <a:ext cx="8039100" cy="541338"/>
+          </a:xfrm>
+        </p:spPr>
+        <p:txBody>
+          <a:bodyPr/>
+          <a:lstStyle>
+            <a:lvl1pPr marL="0" indent="0" algn="r">
+              <a:buFont typeface="Wingdings" panose="05000000000000000000" pitchFamily="2" charset="2"/>
+              <a:buNone/>
+              <a:defRPr/>
+            </a:lvl1pPr>
+          </a:lstStyle>
+          <a:p>
+            <a:pPr lvl="0"/>
+            <a:r>
+              <a:rPr lang="en-US" altLang="en-US" noProof="0" smtClean="0"/>
+              <a:t>Click to edit Master subtitle style</a:t>
+            </a:r>
+          </a:p>
+        </p:txBody>
+      </p:sp>
+    </p:spTree>
+    <p:extLst>
+      <p:ext uri="{BB962C8B-B14F-4D97-AF65-F5344CB8AC3E}">
+        <p14:creationId xmlns:p14="http://schemas.microsoft.com/office/powerpoint/2010/main" val="454211421"/>
       </p:ext>
     </p:extLst>
   </p:cSld>
@@ -401,22 +678,49 @@
       </p:sp>
       <p:sp>
         <p:nvSpPr>
-          <p:cNvPr id="4" name="Date Placeholder 3"/>
-          <p:cNvSpPr>
-            <a:spLocks noGrp="1"/>
-          </p:cNvSpPr>
-          <p:nvPr>
-            <p:ph type="dt" sz="half" idx="10"/>
+          <p:cNvPr id="4" name="Footer Placeholder 3"/>
+          <p:cNvSpPr>
+            <a:spLocks noGrp="1"/>
+          </p:cNvSpPr>
+          <p:nvPr>
+            <p:ph type="ftr" sz="quarter" idx="10"/>
           </p:nvPr>
         </p:nvSpPr>
         <p:spPr/>
         <p:txBody>
           <a:bodyPr/>
-          <a:lstStyle/>
+          <a:lstStyle>
+            <a:lvl1pPr>
+              <a:defRPr/>
+            </a:lvl1pPr>
+          </a:lstStyle>
+          <a:p>
+            <a:endParaRPr lang="en-US"/>
+          </a:p>
+        </p:txBody>
+      </p:sp>
+      <p:sp>
+        <p:nvSpPr>
+          <p:cNvPr id="5" name="Date Placeholder 4"/>
+          <p:cNvSpPr>
+            <a:spLocks noGrp="1"/>
+          </p:cNvSpPr>
+          <p:nvPr>
+            <p:ph type="dt" sz="half" idx="11"/>
+          </p:nvPr>
+        </p:nvSpPr>
+        <p:spPr/>
+        <p:txBody>
+          <a:bodyPr/>
+          <a:lstStyle>
+            <a:lvl1pPr>
+              <a:defRPr/>
+            </a:lvl1pPr>
+          </a:lstStyle>
           <a:p>
             <a:fld id="{5F6ED6E0-D8FB-42FD-A3DC-22CC4FD63A42}" type="datetimeFigureOut">
               <a:rPr lang="en-US" smtClean="0"/>
-              <a:t>01-Oct-15</a:t>
+              <a:t>02/10/2015</a:t>
             </a:fld>
             <a:endParaRPr lang="en-US"/>
           </a:p>
@@ -424,37 +728,22 @@
       </p:sp>
       <p:sp>
         <p:nvSpPr>
-          <p:cNvPr id="5" name="Footer Placeholder 4"/>
-          <p:cNvSpPr>
-            <a:spLocks noGrp="1"/>
-          </p:cNvSpPr>
-          <p:nvPr>
-            <p:ph type="ftr" sz="quarter" idx="11"/>
+          <p:cNvPr id="6" name="Slide Number Placeholder 5"/>
+          <p:cNvSpPr>
+            <a:spLocks noGrp="1"/>
+          </p:cNvSpPr>
+          <p:nvPr>
+            <p:ph type="sldNum" sz="quarter" idx="12"/>
           </p:nvPr>
         </p:nvSpPr>
         <p:spPr/>
         <p:txBody>
           <a:bodyPr/>
-          <a:lstStyle/>
-          <a:p>
-            <a:endParaRPr lang="en-US"/>
-          </a:p>
-        </p:txBody>
-      </p:sp>
-      <p:sp>
-        <p:nvSpPr>
-          <p:cNvPr id="6" name="Slide Number Placeholder 5"/>
-          <p:cNvSpPr>
-            <a:spLocks noGrp="1"/>
-          </p:cNvSpPr>
-          <p:nvPr>
-            <p:ph type="sldNum" sz="quarter" idx="12"/>
-          </p:nvPr>
-        </p:nvSpPr>
-        <p:spPr/>
-        <p:txBody>
-          <a:bodyPr/>
-          <a:lstStyle/>
+          <a:lstStyle>
+            <a:lvl1pPr>
+              <a:defRPr/>
+            </a:lvl1pPr>
+          </a:lstStyle>
           <a:p>
             <a:fld id="{045B3F0B-CC05-4723-8CC3-CA1B0DF3ABD8}" type="slidenum">
               <a:rPr lang="en-US" smtClean="0"/>
@@ -467,7 +756,7 @@
     </p:spTree>
     <p:extLst>
       <p:ext uri="{BB962C8B-B14F-4D97-AF65-F5344CB8AC3E}">
-        <p14:creationId xmlns:p14="http://schemas.microsoft.com/office/powerpoint/2010/main" val="179051376"/>
+        <p14:creationId xmlns:p14="http://schemas.microsoft.com/office/powerpoint/2010/main" val="270998159"/>
       </p:ext>
     </p:extLst>
   </p:cSld>
@@ -506,8 +795,8 @@
         </p:nvSpPr>
         <p:spPr>
           <a:xfrm>
-            <a:off x="8724900" y="365125"/>
-            <a:ext cx="2628900" cy="5811838"/>
+            <a:off x="8830733" y="176213"/>
+            <a:ext cx="2751667" cy="5842000"/>
           </a:xfrm>
         </p:spPr>
         <p:txBody>
@@ -534,8 +823,8 @@
         </p:nvSpPr>
         <p:spPr>
           <a:xfrm>
-            <a:off x="838200" y="365125"/>
-            <a:ext cx="7734300" cy="5811838"/>
+            <a:off x="575733" y="176213"/>
+            <a:ext cx="8051800" cy="5842000"/>
           </a:xfrm>
         </p:spPr>
         <p:txBody>
@@ -581,22 +870,49 @@
       </p:sp>
       <p:sp>
         <p:nvSpPr>
-          <p:cNvPr id="4" name="Date Placeholder 3"/>
-          <p:cNvSpPr>
-            <a:spLocks noGrp="1"/>
-          </p:cNvSpPr>
-          <p:nvPr>
-            <p:ph type="dt" sz="half" idx="10"/>
+          <p:cNvPr id="4" name="Footer Placeholder 3"/>
+          <p:cNvSpPr>
+            <a:spLocks noGrp="1"/>
+          </p:cNvSpPr>
+          <p:nvPr>
+            <p:ph type="ftr" sz="quarter" idx="10"/>
           </p:nvPr>
         </p:nvSpPr>
         <p:spPr/>
         <p:txBody>
           <a:bodyPr/>
-          <a:lstStyle/>
+          <a:lstStyle>
+            <a:lvl1pPr>
+              <a:defRPr/>
+            </a:lvl1pPr>
+          </a:lstStyle>
+          <a:p>
+            <a:endParaRPr lang="en-US"/>
+          </a:p>
+        </p:txBody>
+      </p:sp>
+      <p:sp>
+        <p:nvSpPr>
+          <p:cNvPr id="5" name="Date Placeholder 4"/>
+          <p:cNvSpPr>
+            <a:spLocks noGrp="1"/>
+          </p:cNvSpPr>
+          <p:nvPr>
+            <p:ph type="dt" sz="half" idx="11"/>
+          </p:nvPr>
+        </p:nvSpPr>
+        <p:spPr/>
+        <p:txBody>
+          <a:bodyPr/>
+          <a:lstStyle>
+            <a:lvl1pPr>
+              <a:defRPr/>
+            </a:lvl1pPr>
+          </a:lstStyle>
           <a:p>
             <a:fld id="{5F6ED6E0-D8FB-42FD-A3DC-22CC4FD63A42}" type="datetimeFigureOut">
               <a:rPr lang="en-US" smtClean="0"/>
-              <a:t>01-Oct-15</a:t>
+              <a:t>02/10/2015</a:t>
             </a:fld>
             <a:endParaRPr lang="en-US"/>
           </a:p>
@@ -604,37 +920,22 @@
       </p:sp>
       <p:sp>
         <p:nvSpPr>
-          <p:cNvPr id="5" name="Footer Placeholder 4"/>
-          <p:cNvSpPr>
-            <a:spLocks noGrp="1"/>
-          </p:cNvSpPr>
-          <p:nvPr>
-            <p:ph type="ftr" sz="quarter" idx="11"/>
+          <p:cNvPr id="6" name="Slide Number Placeholder 5"/>
+          <p:cNvSpPr>
+            <a:spLocks noGrp="1"/>
+          </p:cNvSpPr>
+          <p:nvPr>
+            <p:ph type="sldNum" sz="quarter" idx="12"/>
           </p:nvPr>
         </p:nvSpPr>
         <p:spPr/>
         <p:txBody>
           <a:bodyPr/>
-          <a:lstStyle/>
-          <a:p>
-            <a:endParaRPr lang="en-US"/>
-          </a:p>
-        </p:txBody>
-      </p:sp>
-      <p:sp>
-        <p:nvSpPr>
-          <p:cNvPr id="6" name="Slide Number Placeholder 5"/>
-          <p:cNvSpPr>
-            <a:spLocks noGrp="1"/>
-          </p:cNvSpPr>
-          <p:nvPr>
-            <p:ph type="sldNum" sz="quarter" idx="12"/>
-          </p:nvPr>
-        </p:nvSpPr>
-        <p:spPr/>
-        <p:txBody>
-          <a:bodyPr/>
-          <a:lstStyle/>
+          <a:lstStyle>
+            <a:lvl1pPr>
+              <a:defRPr/>
+            </a:lvl1pPr>
+          </a:lstStyle>
           <a:p>
             <a:fld id="{045B3F0B-CC05-4723-8CC3-CA1B0DF3ABD8}" type="slidenum">
               <a:rPr lang="en-US" smtClean="0"/>
@@ -647,7 +948,1722 @@
     </p:spTree>
     <p:extLst>
       <p:ext uri="{BB962C8B-B14F-4D97-AF65-F5344CB8AC3E}">
-        <p14:creationId xmlns:p14="http://schemas.microsoft.com/office/powerpoint/2010/main" val="3128816342"/>
+        <p14:creationId xmlns:p14="http://schemas.microsoft.com/office/powerpoint/2010/main" val="4012542654"/>
+      </p:ext>
+    </p:extLst>
+  </p:cSld>
+  <p:clrMapOvr>
+    <a:masterClrMapping/>
+  </p:clrMapOvr>
+</p:sldLayout>
+</file>
+
+<file path=ppt/slideLayouts/slideLayout12.xml><?xml version="1.0" encoding="utf-8"?>
+<p:sldLayout xmlns:a="http://schemas.openxmlformats.org/drawingml/2006/main" xmlns:r="http://schemas.openxmlformats.org/officeDocument/2006/relationships" xmlns:p="http://schemas.openxmlformats.org/presentationml/2006/main" type="title" preserve="1">
+  <p:cSld name="Title Slide">
+    <p:spTree>
+      <p:nvGrpSpPr>
+        <p:cNvPr id="1" name=""/>
+        <p:cNvGrpSpPr/>
+        <p:nvPr/>
+      </p:nvGrpSpPr>
+      <p:grpSpPr>
+        <a:xfrm>
+          <a:off x="0" y="0"/>
+          <a:ext cx="0" cy="0"/>
+          <a:chOff x="0" y="0"/>
+          <a:chExt cx="0" cy="0"/>
+        </a:xfrm>
+      </p:grpSpPr>
+      <p:sp>
+        <p:nvSpPr>
+          <p:cNvPr id="2" name="Title 1"/>
+          <p:cNvSpPr>
+            <a:spLocks noGrp="1"/>
+          </p:cNvSpPr>
+          <p:nvPr>
+            <p:ph type="ctrTitle"/>
+          </p:nvPr>
+        </p:nvSpPr>
+        <p:spPr>
+          <a:xfrm>
+            <a:off x="1524000" y="1122363"/>
+            <a:ext cx="9144000" cy="2387600"/>
+          </a:xfrm>
+        </p:spPr>
+        <p:txBody>
+          <a:bodyPr anchor="b"/>
+          <a:lstStyle>
+            <a:lvl1pPr algn="ctr">
+              <a:defRPr sz="6000"/>
+            </a:lvl1pPr>
+          </a:lstStyle>
+          <a:p>
+            <a:r>
+              <a:rPr lang="en-US" smtClean="0"/>
+              <a:t>Click to edit Master title style</a:t>
+            </a:r>
+            <a:endParaRPr lang="en-US"/>
+          </a:p>
+        </p:txBody>
+      </p:sp>
+      <p:sp>
+        <p:nvSpPr>
+          <p:cNvPr id="3" name="Subtitle 2"/>
+          <p:cNvSpPr>
+            <a:spLocks noGrp="1"/>
+          </p:cNvSpPr>
+          <p:nvPr>
+            <p:ph type="subTitle" idx="1"/>
+          </p:nvPr>
+        </p:nvSpPr>
+        <p:spPr>
+          <a:xfrm>
+            <a:off x="1524000" y="3602038"/>
+            <a:ext cx="9144000" cy="1655762"/>
+          </a:xfrm>
+        </p:spPr>
+        <p:txBody>
+          <a:bodyPr/>
+          <a:lstStyle>
+            <a:lvl1pPr marL="0" indent="0" algn="ctr">
+              <a:buNone/>
+              <a:defRPr sz="2400"/>
+            </a:lvl1pPr>
+            <a:lvl2pPr marL="457200" indent="0" algn="ctr">
+              <a:buNone/>
+              <a:defRPr sz="2000"/>
+            </a:lvl2pPr>
+            <a:lvl3pPr marL="914400" indent="0" algn="ctr">
+              <a:buNone/>
+              <a:defRPr sz="1800"/>
+            </a:lvl3pPr>
+            <a:lvl4pPr marL="1371600" indent="0" algn="ctr">
+              <a:buNone/>
+              <a:defRPr sz="1600"/>
+            </a:lvl4pPr>
+            <a:lvl5pPr marL="1828800" indent="0" algn="ctr">
+              <a:buNone/>
+              <a:defRPr sz="1600"/>
+            </a:lvl5pPr>
+            <a:lvl6pPr marL="2286000" indent="0" algn="ctr">
+              <a:buNone/>
+              <a:defRPr sz="1600"/>
+            </a:lvl6pPr>
+            <a:lvl7pPr marL="2743200" indent="0" algn="ctr">
+              <a:buNone/>
+              <a:defRPr sz="1600"/>
+            </a:lvl7pPr>
+            <a:lvl8pPr marL="3200400" indent="0" algn="ctr">
+              <a:buNone/>
+              <a:defRPr sz="1600"/>
+            </a:lvl8pPr>
+            <a:lvl9pPr marL="3657600" indent="0" algn="ctr">
+              <a:buNone/>
+              <a:defRPr sz="1600"/>
+            </a:lvl9pPr>
+          </a:lstStyle>
+          <a:p>
+            <a:r>
+              <a:rPr lang="en-US" smtClean="0"/>
+              <a:t>Click to edit Master subtitle style</a:t>
+            </a:r>
+            <a:endParaRPr lang="en-US"/>
+          </a:p>
+        </p:txBody>
+      </p:sp>
+      <p:sp>
+        <p:nvSpPr>
+          <p:cNvPr id="4" name="Date Placeholder 3"/>
+          <p:cNvSpPr>
+            <a:spLocks noGrp="1"/>
+          </p:cNvSpPr>
+          <p:nvPr>
+            <p:ph type="dt" sz="half" idx="10"/>
+          </p:nvPr>
+        </p:nvSpPr>
+        <p:spPr/>
+        <p:txBody>
+          <a:bodyPr/>
+          <a:lstStyle>
+            <a:lvl1pPr>
+              <a:defRPr/>
+            </a:lvl1pPr>
+          </a:lstStyle>
+          <a:p>
+            <a:endParaRPr lang="en-US" altLang="en-US"/>
+          </a:p>
+        </p:txBody>
+      </p:sp>
+      <p:sp>
+        <p:nvSpPr>
+          <p:cNvPr id="5" name="Footer Placeholder 4"/>
+          <p:cNvSpPr>
+            <a:spLocks noGrp="1"/>
+          </p:cNvSpPr>
+          <p:nvPr>
+            <p:ph type="ftr" sz="quarter" idx="11"/>
+          </p:nvPr>
+        </p:nvSpPr>
+        <p:spPr/>
+        <p:txBody>
+          <a:bodyPr/>
+          <a:lstStyle>
+            <a:lvl1pPr>
+              <a:defRPr/>
+            </a:lvl1pPr>
+          </a:lstStyle>
+          <a:p>
+            <a:endParaRPr lang="en-US" altLang="en-US"/>
+          </a:p>
+        </p:txBody>
+      </p:sp>
+      <p:sp>
+        <p:nvSpPr>
+          <p:cNvPr id="6" name="Slide Number Placeholder 5"/>
+          <p:cNvSpPr>
+            <a:spLocks noGrp="1"/>
+          </p:cNvSpPr>
+          <p:nvPr>
+            <p:ph type="sldNum" sz="quarter" idx="12"/>
+          </p:nvPr>
+        </p:nvSpPr>
+        <p:spPr/>
+        <p:txBody>
+          <a:bodyPr/>
+          <a:lstStyle>
+            <a:lvl1pPr>
+              <a:defRPr/>
+            </a:lvl1pPr>
+          </a:lstStyle>
+          <a:p>
+            <a:fld id="{86B371A0-A16A-441B-9CBF-EA166C98F1B7}" type="slidenum">
+              <a:rPr lang="en-US" altLang="en-US"/>
+              <a:pPr/>
+              <a:t>‹#›</a:t>
+            </a:fld>
+            <a:endParaRPr lang="en-US" altLang="en-US"/>
+          </a:p>
+        </p:txBody>
+      </p:sp>
+    </p:spTree>
+    <p:extLst>
+      <p:ext uri="{BB962C8B-B14F-4D97-AF65-F5344CB8AC3E}">
+        <p14:creationId xmlns:p14="http://schemas.microsoft.com/office/powerpoint/2010/main" val="1288027617"/>
+      </p:ext>
+    </p:extLst>
+  </p:cSld>
+  <p:clrMapOvr>
+    <a:masterClrMapping/>
+  </p:clrMapOvr>
+</p:sldLayout>
+</file>
+
+<file path=ppt/slideLayouts/slideLayout13.xml><?xml version="1.0" encoding="utf-8"?>
+<p:sldLayout xmlns:a="http://schemas.openxmlformats.org/drawingml/2006/main" xmlns:r="http://schemas.openxmlformats.org/officeDocument/2006/relationships" xmlns:p="http://schemas.openxmlformats.org/presentationml/2006/main" type="obj" preserve="1">
+  <p:cSld name="Title and Content">
+    <p:spTree>
+      <p:nvGrpSpPr>
+        <p:cNvPr id="1" name=""/>
+        <p:cNvGrpSpPr/>
+        <p:nvPr/>
+      </p:nvGrpSpPr>
+      <p:grpSpPr>
+        <a:xfrm>
+          <a:off x="0" y="0"/>
+          <a:ext cx="0" cy="0"/>
+          <a:chOff x="0" y="0"/>
+          <a:chExt cx="0" cy="0"/>
+        </a:xfrm>
+      </p:grpSpPr>
+      <p:sp>
+        <p:nvSpPr>
+          <p:cNvPr id="2" name="Title 1"/>
+          <p:cNvSpPr>
+            <a:spLocks noGrp="1"/>
+          </p:cNvSpPr>
+          <p:nvPr>
+            <p:ph type="title"/>
+          </p:nvPr>
+        </p:nvSpPr>
+        <p:spPr/>
+        <p:txBody>
+          <a:bodyPr/>
+          <a:lstStyle/>
+          <a:p>
+            <a:r>
+              <a:rPr lang="en-US" smtClean="0"/>
+              <a:t>Click to edit Master title style</a:t>
+            </a:r>
+            <a:endParaRPr lang="en-US"/>
+          </a:p>
+        </p:txBody>
+      </p:sp>
+      <p:sp>
+        <p:nvSpPr>
+          <p:cNvPr id="3" name="Content Placeholder 2"/>
+          <p:cNvSpPr>
+            <a:spLocks noGrp="1"/>
+          </p:cNvSpPr>
+          <p:nvPr>
+            <p:ph idx="1"/>
+          </p:nvPr>
+        </p:nvSpPr>
+        <p:spPr/>
+        <p:txBody>
+          <a:bodyPr/>
+          <a:lstStyle/>
+          <a:p>
+            <a:pPr lvl="0"/>
+            <a:r>
+              <a:rPr lang="en-US" smtClean="0"/>
+              <a:t>Click to edit Master text styles</a:t>
+            </a:r>
+          </a:p>
+          <a:p>
+            <a:pPr lvl="1"/>
+            <a:r>
+              <a:rPr lang="en-US" smtClean="0"/>
+              <a:t>Second level</a:t>
+            </a:r>
+          </a:p>
+          <a:p>
+            <a:pPr lvl="2"/>
+            <a:r>
+              <a:rPr lang="en-US" smtClean="0"/>
+              <a:t>Third level</a:t>
+            </a:r>
+          </a:p>
+          <a:p>
+            <a:pPr lvl="3"/>
+            <a:r>
+              <a:rPr lang="en-US" smtClean="0"/>
+              <a:t>Fourth level</a:t>
+            </a:r>
+          </a:p>
+          <a:p>
+            <a:pPr lvl="4"/>
+            <a:r>
+              <a:rPr lang="en-US" smtClean="0"/>
+              <a:t>Fifth level</a:t>
+            </a:r>
+            <a:endParaRPr lang="en-US"/>
+          </a:p>
+        </p:txBody>
+      </p:sp>
+      <p:sp>
+        <p:nvSpPr>
+          <p:cNvPr id="4" name="Date Placeholder 3"/>
+          <p:cNvSpPr>
+            <a:spLocks noGrp="1"/>
+          </p:cNvSpPr>
+          <p:nvPr>
+            <p:ph type="dt" sz="half" idx="10"/>
+          </p:nvPr>
+        </p:nvSpPr>
+        <p:spPr/>
+        <p:txBody>
+          <a:bodyPr/>
+          <a:lstStyle>
+            <a:lvl1pPr>
+              <a:defRPr/>
+            </a:lvl1pPr>
+          </a:lstStyle>
+          <a:p>
+            <a:endParaRPr lang="en-US" altLang="en-US"/>
+          </a:p>
+        </p:txBody>
+      </p:sp>
+      <p:sp>
+        <p:nvSpPr>
+          <p:cNvPr id="5" name="Footer Placeholder 4"/>
+          <p:cNvSpPr>
+            <a:spLocks noGrp="1"/>
+          </p:cNvSpPr>
+          <p:nvPr>
+            <p:ph type="ftr" sz="quarter" idx="11"/>
+          </p:nvPr>
+        </p:nvSpPr>
+        <p:spPr/>
+        <p:txBody>
+          <a:bodyPr/>
+          <a:lstStyle>
+            <a:lvl1pPr>
+              <a:defRPr/>
+            </a:lvl1pPr>
+          </a:lstStyle>
+          <a:p>
+            <a:endParaRPr lang="en-US" altLang="en-US"/>
+          </a:p>
+        </p:txBody>
+      </p:sp>
+      <p:sp>
+        <p:nvSpPr>
+          <p:cNvPr id="6" name="Slide Number Placeholder 5"/>
+          <p:cNvSpPr>
+            <a:spLocks noGrp="1"/>
+          </p:cNvSpPr>
+          <p:nvPr>
+            <p:ph type="sldNum" sz="quarter" idx="12"/>
+          </p:nvPr>
+        </p:nvSpPr>
+        <p:spPr/>
+        <p:txBody>
+          <a:bodyPr/>
+          <a:lstStyle>
+            <a:lvl1pPr>
+              <a:defRPr/>
+            </a:lvl1pPr>
+          </a:lstStyle>
+          <a:p>
+            <a:fld id="{52BE87F4-82AF-4ADA-8772-8E5CEF912BE6}" type="slidenum">
+              <a:rPr lang="en-US" altLang="en-US"/>
+              <a:pPr/>
+              <a:t>‹#›</a:t>
+            </a:fld>
+            <a:endParaRPr lang="en-US" altLang="en-US"/>
+          </a:p>
+        </p:txBody>
+      </p:sp>
+    </p:spTree>
+    <p:extLst>
+      <p:ext uri="{BB962C8B-B14F-4D97-AF65-F5344CB8AC3E}">
+        <p14:creationId xmlns:p14="http://schemas.microsoft.com/office/powerpoint/2010/main" val="2812066272"/>
+      </p:ext>
+    </p:extLst>
+  </p:cSld>
+  <p:clrMapOvr>
+    <a:masterClrMapping/>
+  </p:clrMapOvr>
+</p:sldLayout>
+</file>
+
+<file path=ppt/slideLayouts/slideLayout14.xml><?xml version="1.0" encoding="utf-8"?>
+<p:sldLayout xmlns:a="http://schemas.openxmlformats.org/drawingml/2006/main" xmlns:r="http://schemas.openxmlformats.org/officeDocument/2006/relationships" xmlns:p="http://schemas.openxmlformats.org/presentationml/2006/main" type="secHead" preserve="1">
+  <p:cSld name="Section Header">
+    <p:spTree>
+      <p:nvGrpSpPr>
+        <p:cNvPr id="1" name=""/>
+        <p:cNvGrpSpPr/>
+        <p:nvPr/>
+      </p:nvGrpSpPr>
+      <p:grpSpPr>
+        <a:xfrm>
+          <a:off x="0" y="0"/>
+          <a:ext cx="0" cy="0"/>
+          <a:chOff x="0" y="0"/>
+          <a:chExt cx="0" cy="0"/>
+        </a:xfrm>
+      </p:grpSpPr>
+      <p:sp>
+        <p:nvSpPr>
+          <p:cNvPr id="2" name="Title 1"/>
+          <p:cNvSpPr>
+            <a:spLocks noGrp="1"/>
+          </p:cNvSpPr>
+          <p:nvPr>
+            <p:ph type="title"/>
+          </p:nvPr>
+        </p:nvSpPr>
+        <p:spPr>
+          <a:xfrm>
+            <a:off x="831851" y="1709739"/>
+            <a:ext cx="10515600" cy="2852737"/>
+          </a:xfrm>
+        </p:spPr>
+        <p:txBody>
+          <a:bodyPr anchor="b"/>
+          <a:lstStyle>
+            <a:lvl1pPr>
+              <a:defRPr sz="6000"/>
+            </a:lvl1pPr>
+          </a:lstStyle>
+          <a:p>
+            <a:r>
+              <a:rPr lang="en-US" smtClean="0"/>
+              <a:t>Click to edit Master title style</a:t>
+            </a:r>
+            <a:endParaRPr lang="en-US"/>
+          </a:p>
+        </p:txBody>
+      </p:sp>
+      <p:sp>
+        <p:nvSpPr>
+          <p:cNvPr id="3" name="Text Placeholder 2"/>
+          <p:cNvSpPr>
+            <a:spLocks noGrp="1"/>
+          </p:cNvSpPr>
+          <p:nvPr>
+            <p:ph type="body" idx="1"/>
+          </p:nvPr>
+        </p:nvSpPr>
+        <p:spPr>
+          <a:xfrm>
+            <a:off x="831851" y="4589464"/>
+            <a:ext cx="10515600" cy="1500187"/>
+          </a:xfrm>
+        </p:spPr>
+        <p:txBody>
+          <a:bodyPr/>
+          <a:lstStyle>
+            <a:lvl1pPr marL="0" indent="0">
+              <a:buNone/>
+              <a:defRPr sz="2400"/>
+            </a:lvl1pPr>
+            <a:lvl2pPr marL="457200" indent="0">
+              <a:buNone/>
+              <a:defRPr sz="2000"/>
+            </a:lvl2pPr>
+            <a:lvl3pPr marL="914400" indent="0">
+              <a:buNone/>
+              <a:defRPr sz="1800"/>
+            </a:lvl3pPr>
+            <a:lvl4pPr marL="1371600" indent="0">
+              <a:buNone/>
+              <a:defRPr sz="1600"/>
+            </a:lvl4pPr>
+            <a:lvl5pPr marL="1828800" indent="0">
+              <a:buNone/>
+              <a:defRPr sz="1600"/>
+            </a:lvl5pPr>
+            <a:lvl6pPr marL="2286000" indent="0">
+              <a:buNone/>
+              <a:defRPr sz="1600"/>
+            </a:lvl6pPr>
+            <a:lvl7pPr marL="2743200" indent="0">
+              <a:buNone/>
+              <a:defRPr sz="1600"/>
+            </a:lvl7pPr>
+            <a:lvl8pPr marL="3200400" indent="0">
+              <a:buNone/>
+              <a:defRPr sz="1600"/>
+            </a:lvl8pPr>
+            <a:lvl9pPr marL="3657600" indent="0">
+              <a:buNone/>
+              <a:defRPr sz="1600"/>
+            </a:lvl9pPr>
+          </a:lstStyle>
+          <a:p>
+            <a:pPr lvl="0"/>
+            <a:r>
+              <a:rPr lang="en-US" smtClean="0"/>
+              <a:t>Click to edit Master text styles</a:t>
+            </a:r>
+          </a:p>
+        </p:txBody>
+      </p:sp>
+      <p:sp>
+        <p:nvSpPr>
+          <p:cNvPr id="4" name="Date Placeholder 3"/>
+          <p:cNvSpPr>
+            <a:spLocks noGrp="1"/>
+          </p:cNvSpPr>
+          <p:nvPr>
+            <p:ph type="dt" sz="half" idx="10"/>
+          </p:nvPr>
+        </p:nvSpPr>
+        <p:spPr/>
+        <p:txBody>
+          <a:bodyPr/>
+          <a:lstStyle>
+            <a:lvl1pPr>
+              <a:defRPr/>
+            </a:lvl1pPr>
+          </a:lstStyle>
+          <a:p>
+            <a:endParaRPr lang="en-US" altLang="en-US"/>
+          </a:p>
+        </p:txBody>
+      </p:sp>
+      <p:sp>
+        <p:nvSpPr>
+          <p:cNvPr id="5" name="Footer Placeholder 4"/>
+          <p:cNvSpPr>
+            <a:spLocks noGrp="1"/>
+          </p:cNvSpPr>
+          <p:nvPr>
+            <p:ph type="ftr" sz="quarter" idx="11"/>
+          </p:nvPr>
+        </p:nvSpPr>
+        <p:spPr/>
+        <p:txBody>
+          <a:bodyPr/>
+          <a:lstStyle>
+            <a:lvl1pPr>
+              <a:defRPr/>
+            </a:lvl1pPr>
+          </a:lstStyle>
+          <a:p>
+            <a:endParaRPr lang="en-US" altLang="en-US"/>
+          </a:p>
+        </p:txBody>
+      </p:sp>
+      <p:sp>
+        <p:nvSpPr>
+          <p:cNvPr id="6" name="Slide Number Placeholder 5"/>
+          <p:cNvSpPr>
+            <a:spLocks noGrp="1"/>
+          </p:cNvSpPr>
+          <p:nvPr>
+            <p:ph type="sldNum" sz="quarter" idx="12"/>
+          </p:nvPr>
+        </p:nvSpPr>
+        <p:spPr/>
+        <p:txBody>
+          <a:bodyPr/>
+          <a:lstStyle>
+            <a:lvl1pPr>
+              <a:defRPr/>
+            </a:lvl1pPr>
+          </a:lstStyle>
+          <a:p>
+            <a:fld id="{17822B64-9C0B-4DF0-955D-C3EBC4833C95}" type="slidenum">
+              <a:rPr lang="en-US" altLang="en-US"/>
+              <a:pPr/>
+              <a:t>‹#›</a:t>
+            </a:fld>
+            <a:endParaRPr lang="en-US" altLang="en-US"/>
+          </a:p>
+        </p:txBody>
+      </p:sp>
+    </p:spTree>
+    <p:extLst>
+      <p:ext uri="{BB962C8B-B14F-4D97-AF65-F5344CB8AC3E}">
+        <p14:creationId xmlns:p14="http://schemas.microsoft.com/office/powerpoint/2010/main" val="4226097280"/>
+      </p:ext>
+    </p:extLst>
+  </p:cSld>
+  <p:clrMapOvr>
+    <a:masterClrMapping/>
+  </p:clrMapOvr>
+</p:sldLayout>
+</file>
+
+<file path=ppt/slideLayouts/slideLayout15.xml><?xml version="1.0" encoding="utf-8"?>
+<p:sldLayout xmlns:a="http://schemas.openxmlformats.org/drawingml/2006/main" xmlns:r="http://schemas.openxmlformats.org/officeDocument/2006/relationships" xmlns:p="http://schemas.openxmlformats.org/presentationml/2006/main" type="twoObj" preserve="1">
+  <p:cSld name="Two Content">
+    <p:spTree>
+      <p:nvGrpSpPr>
+        <p:cNvPr id="1" name=""/>
+        <p:cNvGrpSpPr/>
+        <p:nvPr/>
+      </p:nvGrpSpPr>
+      <p:grpSpPr>
+        <a:xfrm>
+          <a:off x="0" y="0"/>
+          <a:ext cx="0" cy="0"/>
+          <a:chOff x="0" y="0"/>
+          <a:chExt cx="0" cy="0"/>
+        </a:xfrm>
+      </p:grpSpPr>
+      <p:sp>
+        <p:nvSpPr>
+          <p:cNvPr id="2" name="Title 1"/>
+          <p:cNvSpPr>
+            <a:spLocks noGrp="1"/>
+          </p:cNvSpPr>
+          <p:nvPr>
+            <p:ph type="title"/>
+          </p:nvPr>
+        </p:nvSpPr>
+        <p:spPr/>
+        <p:txBody>
+          <a:bodyPr/>
+          <a:lstStyle/>
+          <a:p>
+            <a:r>
+              <a:rPr lang="en-US" smtClean="0"/>
+              <a:t>Click to edit Master title style</a:t>
+            </a:r>
+            <a:endParaRPr lang="en-US"/>
+          </a:p>
+        </p:txBody>
+      </p:sp>
+      <p:sp>
+        <p:nvSpPr>
+          <p:cNvPr id="3" name="Content Placeholder 2"/>
+          <p:cNvSpPr>
+            <a:spLocks noGrp="1"/>
+          </p:cNvSpPr>
+          <p:nvPr>
+            <p:ph sz="half" idx="1"/>
+          </p:nvPr>
+        </p:nvSpPr>
+        <p:spPr>
+          <a:xfrm>
+            <a:off x="609600" y="1600201"/>
+            <a:ext cx="5384800" cy="4525963"/>
+          </a:xfrm>
+        </p:spPr>
+        <p:txBody>
+          <a:bodyPr/>
+          <a:lstStyle/>
+          <a:p>
+            <a:pPr lvl="0"/>
+            <a:r>
+              <a:rPr lang="en-US" smtClean="0"/>
+              <a:t>Click to edit Master text styles</a:t>
+            </a:r>
+          </a:p>
+          <a:p>
+            <a:pPr lvl="1"/>
+            <a:r>
+              <a:rPr lang="en-US" smtClean="0"/>
+              <a:t>Second level</a:t>
+            </a:r>
+          </a:p>
+          <a:p>
+            <a:pPr lvl="2"/>
+            <a:r>
+              <a:rPr lang="en-US" smtClean="0"/>
+              <a:t>Third level</a:t>
+            </a:r>
+          </a:p>
+          <a:p>
+            <a:pPr lvl="3"/>
+            <a:r>
+              <a:rPr lang="en-US" smtClean="0"/>
+              <a:t>Fourth level</a:t>
+            </a:r>
+          </a:p>
+          <a:p>
+            <a:pPr lvl="4"/>
+            <a:r>
+              <a:rPr lang="en-US" smtClean="0"/>
+              <a:t>Fifth level</a:t>
+            </a:r>
+            <a:endParaRPr lang="en-US"/>
+          </a:p>
+        </p:txBody>
+      </p:sp>
+      <p:sp>
+        <p:nvSpPr>
+          <p:cNvPr id="4" name="Content Placeholder 3"/>
+          <p:cNvSpPr>
+            <a:spLocks noGrp="1"/>
+          </p:cNvSpPr>
+          <p:nvPr>
+            <p:ph sz="half" idx="2"/>
+          </p:nvPr>
+        </p:nvSpPr>
+        <p:spPr>
+          <a:xfrm>
+            <a:off x="6197600" y="1600201"/>
+            <a:ext cx="5384800" cy="4525963"/>
+          </a:xfrm>
+        </p:spPr>
+        <p:txBody>
+          <a:bodyPr/>
+          <a:lstStyle/>
+          <a:p>
+            <a:pPr lvl="0"/>
+            <a:r>
+              <a:rPr lang="en-US" smtClean="0"/>
+              <a:t>Click to edit Master text styles</a:t>
+            </a:r>
+          </a:p>
+          <a:p>
+            <a:pPr lvl="1"/>
+            <a:r>
+              <a:rPr lang="en-US" smtClean="0"/>
+              <a:t>Second level</a:t>
+            </a:r>
+          </a:p>
+          <a:p>
+            <a:pPr lvl="2"/>
+            <a:r>
+              <a:rPr lang="en-US" smtClean="0"/>
+              <a:t>Third level</a:t>
+            </a:r>
+          </a:p>
+          <a:p>
+            <a:pPr lvl="3"/>
+            <a:r>
+              <a:rPr lang="en-US" smtClean="0"/>
+              <a:t>Fourth level</a:t>
+            </a:r>
+          </a:p>
+          <a:p>
+            <a:pPr lvl="4"/>
+            <a:r>
+              <a:rPr lang="en-US" smtClean="0"/>
+              <a:t>Fifth level</a:t>
+            </a:r>
+            <a:endParaRPr lang="en-US"/>
+          </a:p>
+        </p:txBody>
+      </p:sp>
+      <p:sp>
+        <p:nvSpPr>
+          <p:cNvPr id="5" name="Date Placeholder 4"/>
+          <p:cNvSpPr>
+            <a:spLocks noGrp="1"/>
+          </p:cNvSpPr>
+          <p:nvPr>
+            <p:ph type="dt" sz="half" idx="10"/>
+          </p:nvPr>
+        </p:nvSpPr>
+        <p:spPr/>
+        <p:txBody>
+          <a:bodyPr/>
+          <a:lstStyle>
+            <a:lvl1pPr>
+              <a:defRPr/>
+            </a:lvl1pPr>
+          </a:lstStyle>
+          <a:p>
+            <a:endParaRPr lang="en-US" altLang="en-US"/>
+          </a:p>
+        </p:txBody>
+      </p:sp>
+      <p:sp>
+        <p:nvSpPr>
+          <p:cNvPr id="6" name="Footer Placeholder 5"/>
+          <p:cNvSpPr>
+            <a:spLocks noGrp="1"/>
+          </p:cNvSpPr>
+          <p:nvPr>
+            <p:ph type="ftr" sz="quarter" idx="11"/>
+          </p:nvPr>
+        </p:nvSpPr>
+        <p:spPr/>
+        <p:txBody>
+          <a:bodyPr/>
+          <a:lstStyle>
+            <a:lvl1pPr>
+              <a:defRPr/>
+            </a:lvl1pPr>
+          </a:lstStyle>
+          <a:p>
+            <a:endParaRPr lang="en-US" altLang="en-US"/>
+          </a:p>
+        </p:txBody>
+      </p:sp>
+      <p:sp>
+        <p:nvSpPr>
+          <p:cNvPr id="7" name="Slide Number Placeholder 6"/>
+          <p:cNvSpPr>
+            <a:spLocks noGrp="1"/>
+          </p:cNvSpPr>
+          <p:nvPr>
+            <p:ph type="sldNum" sz="quarter" idx="12"/>
+          </p:nvPr>
+        </p:nvSpPr>
+        <p:spPr/>
+        <p:txBody>
+          <a:bodyPr/>
+          <a:lstStyle>
+            <a:lvl1pPr>
+              <a:defRPr/>
+            </a:lvl1pPr>
+          </a:lstStyle>
+          <a:p>
+            <a:fld id="{1A80AAC5-2A24-4592-A865-5F1F2BFB6422}" type="slidenum">
+              <a:rPr lang="en-US" altLang="en-US"/>
+              <a:pPr/>
+              <a:t>‹#›</a:t>
+            </a:fld>
+            <a:endParaRPr lang="en-US" altLang="en-US"/>
+          </a:p>
+        </p:txBody>
+      </p:sp>
+    </p:spTree>
+    <p:extLst>
+      <p:ext uri="{BB962C8B-B14F-4D97-AF65-F5344CB8AC3E}">
+        <p14:creationId xmlns:p14="http://schemas.microsoft.com/office/powerpoint/2010/main" val="1132656419"/>
+      </p:ext>
+    </p:extLst>
+  </p:cSld>
+  <p:clrMapOvr>
+    <a:masterClrMapping/>
+  </p:clrMapOvr>
+</p:sldLayout>
+</file>
+
+<file path=ppt/slideLayouts/slideLayout16.xml><?xml version="1.0" encoding="utf-8"?>
+<p:sldLayout xmlns:a="http://schemas.openxmlformats.org/drawingml/2006/main" xmlns:r="http://schemas.openxmlformats.org/officeDocument/2006/relationships" xmlns:p="http://schemas.openxmlformats.org/presentationml/2006/main" type="twoTxTwoObj" preserve="1">
+  <p:cSld name="Comparison">
+    <p:spTree>
+      <p:nvGrpSpPr>
+        <p:cNvPr id="1" name=""/>
+        <p:cNvGrpSpPr/>
+        <p:nvPr/>
+      </p:nvGrpSpPr>
+      <p:grpSpPr>
+        <a:xfrm>
+          <a:off x="0" y="0"/>
+          <a:ext cx="0" cy="0"/>
+          <a:chOff x="0" y="0"/>
+          <a:chExt cx="0" cy="0"/>
+        </a:xfrm>
+      </p:grpSpPr>
+      <p:sp>
+        <p:nvSpPr>
+          <p:cNvPr id="2" name="Title 1"/>
+          <p:cNvSpPr>
+            <a:spLocks noGrp="1"/>
+          </p:cNvSpPr>
+          <p:nvPr>
+            <p:ph type="title"/>
+          </p:nvPr>
+        </p:nvSpPr>
+        <p:spPr>
+          <a:xfrm>
+            <a:off x="840317" y="365126"/>
+            <a:ext cx="10515600" cy="1325563"/>
+          </a:xfrm>
+        </p:spPr>
+        <p:txBody>
+          <a:bodyPr/>
+          <a:lstStyle/>
+          <a:p>
+            <a:r>
+              <a:rPr lang="en-US" smtClean="0"/>
+              <a:t>Click to edit Master title style</a:t>
+            </a:r>
+            <a:endParaRPr lang="en-US"/>
+          </a:p>
+        </p:txBody>
+      </p:sp>
+      <p:sp>
+        <p:nvSpPr>
+          <p:cNvPr id="3" name="Text Placeholder 2"/>
+          <p:cNvSpPr>
+            <a:spLocks noGrp="1"/>
+          </p:cNvSpPr>
+          <p:nvPr>
+            <p:ph type="body" idx="1"/>
+          </p:nvPr>
+        </p:nvSpPr>
+        <p:spPr>
+          <a:xfrm>
+            <a:off x="840318" y="1681163"/>
+            <a:ext cx="5158316" cy="823912"/>
+          </a:xfrm>
+        </p:spPr>
+        <p:txBody>
+          <a:bodyPr anchor="b"/>
+          <a:lstStyle>
+            <a:lvl1pPr marL="0" indent="0">
+              <a:buNone/>
+              <a:defRPr sz="2400" b="1"/>
+            </a:lvl1pPr>
+            <a:lvl2pPr marL="457200" indent="0">
+              <a:buNone/>
+              <a:defRPr sz="2000" b="1"/>
+            </a:lvl2pPr>
+            <a:lvl3pPr marL="914400" indent="0">
+              <a:buNone/>
+              <a:defRPr sz="1800" b="1"/>
+            </a:lvl3pPr>
+            <a:lvl4pPr marL="1371600" indent="0">
+              <a:buNone/>
+              <a:defRPr sz="1600" b="1"/>
+            </a:lvl4pPr>
+            <a:lvl5pPr marL="1828800" indent="0">
+              <a:buNone/>
+              <a:defRPr sz="1600" b="1"/>
+            </a:lvl5pPr>
+            <a:lvl6pPr marL="2286000" indent="0">
+              <a:buNone/>
+              <a:defRPr sz="1600" b="1"/>
+            </a:lvl6pPr>
+            <a:lvl7pPr marL="2743200" indent="0">
+              <a:buNone/>
+              <a:defRPr sz="1600" b="1"/>
+            </a:lvl7pPr>
+            <a:lvl8pPr marL="3200400" indent="0">
+              <a:buNone/>
+              <a:defRPr sz="1600" b="1"/>
+            </a:lvl8pPr>
+            <a:lvl9pPr marL="3657600" indent="0">
+              <a:buNone/>
+              <a:defRPr sz="1600" b="1"/>
+            </a:lvl9pPr>
+          </a:lstStyle>
+          <a:p>
+            <a:pPr lvl="0"/>
+            <a:r>
+              <a:rPr lang="en-US" smtClean="0"/>
+              <a:t>Click to edit Master text styles</a:t>
+            </a:r>
+          </a:p>
+        </p:txBody>
+      </p:sp>
+      <p:sp>
+        <p:nvSpPr>
+          <p:cNvPr id="4" name="Content Placeholder 3"/>
+          <p:cNvSpPr>
+            <a:spLocks noGrp="1"/>
+          </p:cNvSpPr>
+          <p:nvPr>
+            <p:ph sz="half" idx="2"/>
+          </p:nvPr>
+        </p:nvSpPr>
+        <p:spPr>
+          <a:xfrm>
+            <a:off x="840318" y="2505075"/>
+            <a:ext cx="5158316" cy="3684588"/>
+          </a:xfrm>
+        </p:spPr>
+        <p:txBody>
+          <a:bodyPr/>
+          <a:lstStyle/>
+          <a:p>
+            <a:pPr lvl="0"/>
+            <a:r>
+              <a:rPr lang="en-US" smtClean="0"/>
+              <a:t>Click to edit Master text styles</a:t>
+            </a:r>
+          </a:p>
+          <a:p>
+            <a:pPr lvl="1"/>
+            <a:r>
+              <a:rPr lang="en-US" smtClean="0"/>
+              <a:t>Second level</a:t>
+            </a:r>
+          </a:p>
+          <a:p>
+            <a:pPr lvl="2"/>
+            <a:r>
+              <a:rPr lang="en-US" smtClean="0"/>
+              <a:t>Third level</a:t>
+            </a:r>
+          </a:p>
+          <a:p>
+            <a:pPr lvl="3"/>
+            <a:r>
+              <a:rPr lang="en-US" smtClean="0"/>
+              <a:t>Fourth level</a:t>
+            </a:r>
+          </a:p>
+          <a:p>
+            <a:pPr lvl="4"/>
+            <a:r>
+              <a:rPr lang="en-US" smtClean="0"/>
+              <a:t>Fifth level</a:t>
+            </a:r>
+            <a:endParaRPr lang="en-US"/>
+          </a:p>
+        </p:txBody>
+      </p:sp>
+      <p:sp>
+        <p:nvSpPr>
+          <p:cNvPr id="5" name="Text Placeholder 4"/>
+          <p:cNvSpPr>
+            <a:spLocks noGrp="1"/>
+          </p:cNvSpPr>
+          <p:nvPr>
+            <p:ph type="body" sz="quarter" idx="3"/>
+          </p:nvPr>
+        </p:nvSpPr>
+        <p:spPr>
+          <a:xfrm>
+            <a:off x="6172200" y="1681163"/>
+            <a:ext cx="5183717" cy="823912"/>
+          </a:xfrm>
+        </p:spPr>
+        <p:txBody>
+          <a:bodyPr anchor="b"/>
+          <a:lstStyle>
+            <a:lvl1pPr marL="0" indent="0">
+              <a:buNone/>
+              <a:defRPr sz="2400" b="1"/>
+            </a:lvl1pPr>
+            <a:lvl2pPr marL="457200" indent="0">
+              <a:buNone/>
+              <a:defRPr sz="2000" b="1"/>
+            </a:lvl2pPr>
+            <a:lvl3pPr marL="914400" indent="0">
+              <a:buNone/>
+              <a:defRPr sz="1800" b="1"/>
+            </a:lvl3pPr>
+            <a:lvl4pPr marL="1371600" indent="0">
+              <a:buNone/>
+              <a:defRPr sz="1600" b="1"/>
+            </a:lvl4pPr>
+            <a:lvl5pPr marL="1828800" indent="0">
+              <a:buNone/>
+              <a:defRPr sz="1600" b="1"/>
+            </a:lvl5pPr>
+            <a:lvl6pPr marL="2286000" indent="0">
+              <a:buNone/>
+              <a:defRPr sz="1600" b="1"/>
+            </a:lvl6pPr>
+            <a:lvl7pPr marL="2743200" indent="0">
+              <a:buNone/>
+              <a:defRPr sz="1600" b="1"/>
+            </a:lvl7pPr>
+            <a:lvl8pPr marL="3200400" indent="0">
+              <a:buNone/>
+              <a:defRPr sz="1600" b="1"/>
+            </a:lvl8pPr>
+            <a:lvl9pPr marL="3657600" indent="0">
+              <a:buNone/>
+              <a:defRPr sz="1600" b="1"/>
+            </a:lvl9pPr>
+          </a:lstStyle>
+          <a:p>
+            <a:pPr lvl="0"/>
+            <a:r>
+              <a:rPr lang="en-US" smtClean="0"/>
+              <a:t>Click to edit Master text styles</a:t>
+            </a:r>
+          </a:p>
+        </p:txBody>
+      </p:sp>
+      <p:sp>
+        <p:nvSpPr>
+          <p:cNvPr id="6" name="Content Placeholder 5"/>
+          <p:cNvSpPr>
+            <a:spLocks noGrp="1"/>
+          </p:cNvSpPr>
+          <p:nvPr>
+            <p:ph sz="quarter" idx="4"/>
+          </p:nvPr>
+        </p:nvSpPr>
+        <p:spPr>
+          <a:xfrm>
+            <a:off x="6172200" y="2505075"/>
+            <a:ext cx="5183717" cy="3684588"/>
+          </a:xfrm>
+        </p:spPr>
+        <p:txBody>
+          <a:bodyPr/>
+          <a:lstStyle/>
+          <a:p>
+            <a:pPr lvl="0"/>
+            <a:r>
+              <a:rPr lang="en-US" smtClean="0"/>
+              <a:t>Click to edit Master text styles</a:t>
+            </a:r>
+          </a:p>
+          <a:p>
+            <a:pPr lvl="1"/>
+            <a:r>
+              <a:rPr lang="en-US" smtClean="0"/>
+              <a:t>Second level</a:t>
+            </a:r>
+          </a:p>
+          <a:p>
+            <a:pPr lvl="2"/>
+            <a:r>
+              <a:rPr lang="en-US" smtClean="0"/>
+              <a:t>Third level</a:t>
+            </a:r>
+          </a:p>
+          <a:p>
+            <a:pPr lvl="3"/>
+            <a:r>
+              <a:rPr lang="en-US" smtClean="0"/>
+              <a:t>Fourth level</a:t>
+            </a:r>
+          </a:p>
+          <a:p>
+            <a:pPr lvl="4"/>
+            <a:r>
+              <a:rPr lang="en-US" smtClean="0"/>
+              <a:t>Fifth level</a:t>
+            </a:r>
+            <a:endParaRPr lang="en-US"/>
+          </a:p>
+        </p:txBody>
+      </p:sp>
+      <p:sp>
+        <p:nvSpPr>
+          <p:cNvPr id="7" name="Date Placeholder 6"/>
+          <p:cNvSpPr>
+            <a:spLocks noGrp="1"/>
+          </p:cNvSpPr>
+          <p:nvPr>
+            <p:ph type="dt" sz="half" idx="10"/>
+          </p:nvPr>
+        </p:nvSpPr>
+        <p:spPr/>
+        <p:txBody>
+          <a:bodyPr/>
+          <a:lstStyle>
+            <a:lvl1pPr>
+              <a:defRPr/>
+            </a:lvl1pPr>
+          </a:lstStyle>
+          <a:p>
+            <a:endParaRPr lang="en-US" altLang="en-US"/>
+          </a:p>
+        </p:txBody>
+      </p:sp>
+      <p:sp>
+        <p:nvSpPr>
+          <p:cNvPr id="8" name="Footer Placeholder 7"/>
+          <p:cNvSpPr>
+            <a:spLocks noGrp="1"/>
+          </p:cNvSpPr>
+          <p:nvPr>
+            <p:ph type="ftr" sz="quarter" idx="11"/>
+          </p:nvPr>
+        </p:nvSpPr>
+        <p:spPr/>
+        <p:txBody>
+          <a:bodyPr/>
+          <a:lstStyle>
+            <a:lvl1pPr>
+              <a:defRPr/>
+            </a:lvl1pPr>
+          </a:lstStyle>
+          <a:p>
+            <a:endParaRPr lang="en-US" altLang="en-US"/>
+          </a:p>
+        </p:txBody>
+      </p:sp>
+      <p:sp>
+        <p:nvSpPr>
+          <p:cNvPr id="9" name="Slide Number Placeholder 8"/>
+          <p:cNvSpPr>
+            <a:spLocks noGrp="1"/>
+          </p:cNvSpPr>
+          <p:nvPr>
+            <p:ph type="sldNum" sz="quarter" idx="12"/>
+          </p:nvPr>
+        </p:nvSpPr>
+        <p:spPr/>
+        <p:txBody>
+          <a:bodyPr/>
+          <a:lstStyle>
+            <a:lvl1pPr>
+              <a:defRPr/>
+            </a:lvl1pPr>
+          </a:lstStyle>
+          <a:p>
+            <a:fld id="{C85648EC-828C-41E2-8F39-C0A3A227A125}" type="slidenum">
+              <a:rPr lang="en-US" altLang="en-US"/>
+              <a:pPr/>
+              <a:t>‹#›</a:t>
+            </a:fld>
+            <a:endParaRPr lang="en-US" altLang="en-US"/>
+          </a:p>
+        </p:txBody>
+      </p:sp>
+    </p:spTree>
+    <p:extLst>
+      <p:ext uri="{BB962C8B-B14F-4D97-AF65-F5344CB8AC3E}">
+        <p14:creationId xmlns:p14="http://schemas.microsoft.com/office/powerpoint/2010/main" val="2917828545"/>
+      </p:ext>
+    </p:extLst>
+  </p:cSld>
+  <p:clrMapOvr>
+    <a:masterClrMapping/>
+  </p:clrMapOvr>
+</p:sldLayout>
+</file>
+
+<file path=ppt/slideLayouts/slideLayout17.xml><?xml version="1.0" encoding="utf-8"?>
+<p:sldLayout xmlns:a="http://schemas.openxmlformats.org/drawingml/2006/main" xmlns:r="http://schemas.openxmlformats.org/officeDocument/2006/relationships" xmlns:p="http://schemas.openxmlformats.org/presentationml/2006/main" type="titleOnly" preserve="1">
+  <p:cSld name="Title Only">
+    <p:spTree>
+      <p:nvGrpSpPr>
+        <p:cNvPr id="1" name=""/>
+        <p:cNvGrpSpPr/>
+        <p:nvPr/>
+      </p:nvGrpSpPr>
+      <p:grpSpPr>
+        <a:xfrm>
+          <a:off x="0" y="0"/>
+          <a:ext cx="0" cy="0"/>
+          <a:chOff x="0" y="0"/>
+          <a:chExt cx="0" cy="0"/>
+        </a:xfrm>
+      </p:grpSpPr>
+      <p:sp>
+        <p:nvSpPr>
+          <p:cNvPr id="2" name="Title 1"/>
+          <p:cNvSpPr>
+            <a:spLocks noGrp="1"/>
+          </p:cNvSpPr>
+          <p:nvPr>
+            <p:ph type="title"/>
+          </p:nvPr>
+        </p:nvSpPr>
+        <p:spPr/>
+        <p:txBody>
+          <a:bodyPr/>
+          <a:lstStyle/>
+          <a:p>
+            <a:r>
+              <a:rPr lang="en-US" smtClean="0"/>
+              <a:t>Click to edit Master title style</a:t>
+            </a:r>
+            <a:endParaRPr lang="en-US"/>
+          </a:p>
+        </p:txBody>
+      </p:sp>
+      <p:sp>
+        <p:nvSpPr>
+          <p:cNvPr id="3" name="Date Placeholder 2"/>
+          <p:cNvSpPr>
+            <a:spLocks noGrp="1"/>
+          </p:cNvSpPr>
+          <p:nvPr>
+            <p:ph type="dt" sz="half" idx="10"/>
+          </p:nvPr>
+        </p:nvSpPr>
+        <p:spPr/>
+        <p:txBody>
+          <a:bodyPr/>
+          <a:lstStyle>
+            <a:lvl1pPr>
+              <a:defRPr/>
+            </a:lvl1pPr>
+          </a:lstStyle>
+          <a:p>
+            <a:endParaRPr lang="en-US" altLang="en-US"/>
+          </a:p>
+        </p:txBody>
+      </p:sp>
+      <p:sp>
+        <p:nvSpPr>
+          <p:cNvPr id="4" name="Footer Placeholder 3"/>
+          <p:cNvSpPr>
+            <a:spLocks noGrp="1"/>
+          </p:cNvSpPr>
+          <p:nvPr>
+            <p:ph type="ftr" sz="quarter" idx="11"/>
+          </p:nvPr>
+        </p:nvSpPr>
+        <p:spPr/>
+        <p:txBody>
+          <a:bodyPr/>
+          <a:lstStyle>
+            <a:lvl1pPr>
+              <a:defRPr/>
+            </a:lvl1pPr>
+          </a:lstStyle>
+          <a:p>
+            <a:endParaRPr lang="en-US" altLang="en-US"/>
+          </a:p>
+        </p:txBody>
+      </p:sp>
+      <p:sp>
+        <p:nvSpPr>
+          <p:cNvPr id="5" name="Slide Number Placeholder 4"/>
+          <p:cNvSpPr>
+            <a:spLocks noGrp="1"/>
+          </p:cNvSpPr>
+          <p:nvPr>
+            <p:ph type="sldNum" sz="quarter" idx="12"/>
+          </p:nvPr>
+        </p:nvSpPr>
+        <p:spPr/>
+        <p:txBody>
+          <a:bodyPr/>
+          <a:lstStyle>
+            <a:lvl1pPr>
+              <a:defRPr/>
+            </a:lvl1pPr>
+          </a:lstStyle>
+          <a:p>
+            <a:fld id="{99403DE4-62DC-428F-A40C-FB67440506C3}" type="slidenum">
+              <a:rPr lang="en-US" altLang="en-US"/>
+              <a:pPr/>
+              <a:t>‹#›</a:t>
+            </a:fld>
+            <a:endParaRPr lang="en-US" altLang="en-US"/>
+          </a:p>
+        </p:txBody>
+      </p:sp>
+    </p:spTree>
+    <p:extLst>
+      <p:ext uri="{BB962C8B-B14F-4D97-AF65-F5344CB8AC3E}">
+        <p14:creationId xmlns:p14="http://schemas.microsoft.com/office/powerpoint/2010/main" val="3832990485"/>
+      </p:ext>
+    </p:extLst>
+  </p:cSld>
+  <p:clrMapOvr>
+    <a:masterClrMapping/>
+  </p:clrMapOvr>
+</p:sldLayout>
+</file>
+
+<file path=ppt/slideLayouts/slideLayout18.xml><?xml version="1.0" encoding="utf-8"?>
+<p:sldLayout xmlns:a="http://schemas.openxmlformats.org/drawingml/2006/main" xmlns:r="http://schemas.openxmlformats.org/officeDocument/2006/relationships" xmlns:p="http://schemas.openxmlformats.org/presentationml/2006/main" type="blank" preserve="1">
+  <p:cSld name="Blank">
+    <p:spTree>
+      <p:nvGrpSpPr>
+        <p:cNvPr id="1" name=""/>
+        <p:cNvGrpSpPr/>
+        <p:nvPr/>
+      </p:nvGrpSpPr>
+      <p:grpSpPr>
+        <a:xfrm>
+          <a:off x="0" y="0"/>
+          <a:ext cx="0" cy="0"/>
+          <a:chOff x="0" y="0"/>
+          <a:chExt cx="0" cy="0"/>
+        </a:xfrm>
+      </p:grpSpPr>
+      <p:sp>
+        <p:nvSpPr>
+          <p:cNvPr id="2" name="Date Placeholder 1"/>
+          <p:cNvSpPr>
+            <a:spLocks noGrp="1"/>
+          </p:cNvSpPr>
+          <p:nvPr>
+            <p:ph type="dt" sz="half" idx="10"/>
+          </p:nvPr>
+        </p:nvSpPr>
+        <p:spPr/>
+        <p:txBody>
+          <a:bodyPr/>
+          <a:lstStyle>
+            <a:lvl1pPr>
+              <a:defRPr/>
+            </a:lvl1pPr>
+          </a:lstStyle>
+          <a:p>
+            <a:endParaRPr lang="en-US" altLang="en-US"/>
+          </a:p>
+        </p:txBody>
+      </p:sp>
+      <p:sp>
+        <p:nvSpPr>
+          <p:cNvPr id="3" name="Footer Placeholder 2"/>
+          <p:cNvSpPr>
+            <a:spLocks noGrp="1"/>
+          </p:cNvSpPr>
+          <p:nvPr>
+            <p:ph type="ftr" sz="quarter" idx="11"/>
+          </p:nvPr>
+        </p:nvSpPr>
+        <p:spPr/>
+        <p:txBody>
+          <a:bodyPr/>
+          <a:lstStyle>
+            <a:lvl1pPr>
+              <a:defRPr/>
+            </a:lvl1pPr>
+          </a:lstStyle>
+          <a:p>
+            <a:endParaRPr lang="en-US" altLang="en-US"/>
+          </a:p>
+        </p:txBody>
+      </p:sp>
+      <p:sp>
+        <p:nvSpPr>
+          <p:cNvPr id="4" name="Slide Number Placeholder 3"/>
+          <p:cNvSpPr>
+            <a:spLocks noGrp="1"/>
+          </p:cNvSpPr>
+          <p:nvPr>
+            <p:ph type="sldNum" sz="quarter" idx="12"/>
+          </p:nvPr>
+        </p:nvSpPr>
+        <p:spPr/>
+        <p:txBody>
+          <a:bodyPr/>
+          <a:lstStyle>
+            <a:lvl1pPr>
+              <a:defRPr/>
+            </a:lvl1pPr>
+          </a:lstStyle>
+          <a:p>
+            <a:fld id="{05E1AB36-6663-4B4B-8A8E-E99D5F99E3AF}" type="slidenum">
+              <a:rPr lang="en-US" altLang="en-US"/>
+              <a:pPr/>
+              <a:t>‹#›</a:t>
+            </a:fld>
+            <a:endParaRPr lang="en-US" altLang="en-US"/>
+          </a:p>
+        </p:txBody>
+      </p:sp>
+    </p:spTree>
+    <p:extLst>
+      <p:ext uri="{BB962C8B-B14F-4D97-AF65-F5344CB8AC3E}">
+        <p14:creationId xmlns:p14="http://schemas.microsoft.com/office/powerpoint/2010/main" val="2763184106"/>
+      </p:ext>
+    </p:extLst>
+  </p:cSld>
+  <p:clrMapOvr>
+    <a:masterClrMapping/>
+  </p:clrMapOvr>
+</p:sldLayout>
+</file>
+
+<file path=ppt/slideLayouts/slideLayout19.xml><?xml version="1.0" encoding="utf-8"?>
+<p:sldLayout xmlns:a="http://schemas.openxmlformats.org/drawingml/2006/main" xmlns:r="http://schemas.openxmlformats.org/officeDocument/2006/relationships" xmlns:p="http://schemas.openxmlformats.org/presentationml/2006/main" type="objTx" preserve="1">
+  <p:cSld name="Content with Caption">
+    <p:spTree>
+      <p:nvGrpSpPr>
+        <p:cNvPr id="1" name=""/>
+        <p:cNvGrpSpPr/>
+        <p:nvPr/>
+      </p:nvGrpSpPr>
+      <p:grpSpPr>
+        <a:xfrm>
+          <a:off x="0" y="0"/>
+          <a:ext cx="0" cy="0"/>
+          <a:chOff x="0" y="0"/>
+          <a:chExt cx="0" cy="0"/>
+        </a:xfrm>
+      </p:grpSpPr>
+      <p:sp>
+        <p:nvSpPr>
+          <p:cNvPr id="2" name="Title 1"/>
+          <p:cNvSpPr>
+            <a:spLocks noGrp="1"/>
+          </p:cNvSpPr>
+          <p:nvPr>
+            <p:ph type="title"/>
+          </p:nvPr>
+        </p:nvSpPr>
+        <p:spPr>
+          <a:xfrm>
+            <a:off x="840318" y="457200"/>
+            <a:ext cx="3932767" cy="1600200"/>
+          </a:xfrm>
+        </p:spPr>
+        <p:txBody>
+          <a:bodyPr anchor="b"/>
+          <a:lstStyle>
+            <a:lvl1pPr>
+              <a:defRPr sz="3200"/>
+            </a:lvl1pPr>
+          </a:lstStyle>
+          <a:p>
+            <a:r>
+              <a:rPr lang="en-US" smtClean="0"/>
+              <a:t>Click to edit Master title style</a:t>
+            </a:r>
+            <a:endParaRPr lang="en-US"/>
+          </a:p>
+        </p:txBody>
+      </p:sp>
+      <p:sp>
+        <p:nvSpPr>
+          <p:cNvPr id="3" name="Content Placeholder 2"/>
+          <p:cNvSpPr>
+            <a:spLocks noGrp="1"/>
+          </p:cNvSpPr>
+          <p:nvPr>
+            <p:ph idx="1"/>
+          </p:nvPr>
+        </p:nvSpPr>
+        <p:spPr>
+          <a:xfrm>
+            <a:off x="5183717" y="987426"/>
+            <a:ext cx="6172200" cy="4873625"/>
+          </a:xfrm>
+        </p:spPr>
+        <p:txBody>
+          <a:bodyPr/>
+          <a:lstStyle>
+            <a:lvl1pPr>
+              <a:defRPr sz="3200"/>
+            </a:lvl1pPr>
+            <a:lvl2pPr>
+              <a:defRPr sz="2800"/>
+            </a:lvl2pPr>
+            <a:lvl3pPr>
+              <a:defRPr sz="2400"/>
+            </a:lvl3pPr>
+            <a:lvl4pPr>
+              <a:defRPr sz="2000"/>
+            </a:lvl4pPr>
+            <a:lvl5pPr>
+              <a:defRPr sz="2000"/>
+            </a:lvl5pPr>
+            <a:lvl6pPr>
+              <a:defRPr sz="2000"/>
+            </a:lvl6pPr>
+            <a:lvl7pPr>
+              <a:defRPr sz="2000"/>
+            </a:lvl7pPr>
+            <a:lvl8pPr>
+              <a:defRPr sz="2000"/>
+            </a:lvl8pPr>
+            <a:lvl9pPr>
+              <a:defRPr sz="2000"/>
+            </a:lvl9pPr>
+          </a:lstStyle>
+          <a:p>
+            <a:pPr lvl="0"/>
+            <a:r>
+              <a:rPr lang="en-US" smtClean="0"/>
+              <a:t>Click to edit Master text styles</a:t>
+            </a:r>
+          </a:p>
+          <a:p>
+            <a:pPr lvl="1"/>
+            <a:r>
+              <a:rPr lang="en-US" smtClean="0"/>
+              <a:t>Second level</a:t>
+            </a:r>
+          </a:p>
+          <a:p>
+            <a:pPr lvl="2"/>
+            <a:r>
+              <a:rPr lang="en-US" smtClean="0"/>
+              <a:t>Third level</a:t>
+            </a:r>
+          </a:p>
+          <a:p>
+            <a:pPr lvl="3"/>
+            <a:r>
+              <a:rPr lang="en-US" smtClean="0"/>
+              <a:t>Fourth level</a:t>
+            </a:r>
+          </a:p>
+          <a:p>
+            <a:pPr lvl="4"/>
+            <a:r>
+              <a:rPr lang="en-US" smtClean="0"/>
+              <a:t>Fifth level</a:t>
+            </a:r>
+            <a:endParaRPr lang="en-US"/>
+          </a:p>
+        </p:txBody>
+      </p:sp>
+      <p:sp>
+        <p:nvSpPr>
+          <p:cNvPr id="4" name="Text Placeholder 3"/>
+          <p:cNvSpPr>
+            <a:spLocks noGrp="1"/>
+          </p:cNvSpPr>
+          <p:nvPr>
+            <p:ph type="body" sz="half" idx="2"/>
+          </p:nvPr>
+        </p:nvSpPr>
+        <p:spPr>
+          <a:xfrm>
+            <a:off x="840318" y="2057400"/>
+            <a:ext cx="3932767" cy="3811588"/>
+          </a:xfrm>
+        </p:spPr>
+        <p:txBody>
+          <a:bodyPr/>
+          <a:lstStyle>
+            <a:lvl1pPr marL="0" indent="0">
+              <a:buNone/>
+              <a:defRPr sz="1600"/>
+            </a:lvl1pPr>
+            <a:lvl2pPr marL="457200" indent="0">
+              <a:buNone/>
+              <a:defRPr sz="1400"/>
+            </a:lvl2pPr>
+            <a:lvl3pPr marL="914400" indent="0">
+              <a:buNone/>
+              <a:defRPr sz="1200"/>
+            </a:lvl3pPr>
+            <a:lvl4pPr marL="1371600" indent="0">
+              <a:buNone/>
+              <a:defRPr sz="1000"/>
+            </a:lvl4pPr>
+            <a:lvl5pPr marL="1828800" indent="0">
+              <a:buNone/>
+              <a:defRPr sz="1000"/>
+            </a:lvl5pPr>
+            <a:lvl6pPr marL="2286000" indent="0">
+              <a:buNone/>
+              <a:defRPr sz="1000"/>
+            </a:lvl6pPr>
+            <a:lvl7pPr marL="2743200" indent="0">
+              <a:buNone/>
+              <a:defRPr sz="1000"/>
+            </a:lvl7pPr>
+            <a:lvl8pPr marL="3200400" indent="0">
+              <a:buNone/>
+              <a:defRPr sz="1000"/>
+            </a:lvl8pPr>
+            <a:lvl9pPr marL="3657600" indent="0">
+              <a:buNone/>
+              <a:defRPr sz="1000"/>
+            </a:lvl9pPr>
+          </a:lstStyle>
+          <a:p>
+            <a:pPr lvl="0"/>
+            <a:r>
+              <a:rPr lang="en-US" smtClean="0"/>
+              <a:t>Click to edit Master text styles</a:t>
+            </a:r>
+          </a:p>
+        </p:txBody>
+      </p:sp>
+      <p:sp>
+        <p:nvSpPr>
+          <p:cNvPr id="5" name="Date Placeholder 4"/>
+          <p:cNvSpPr>
+            <a:spLocks noGrp="1"/>
+          </p:cNvSpPr>
+          <p:nvPr>
+            <p:ph type="dt" sz="half" idx="10"/>
+          </p:nvPr>
+        </p:nvSpPr>
+        <p:spPr/>
+        <p:txBody>
+          <a:bodyPr/>
+          <a:lstStyle>
+            <a:lvl1pPr>
+              <a:defRPr/>
+            </a:lvl1pPr>
+          </a:lstStyle>
+          <a:p>
+            <a:endParaRPr lang="en-US" altLang="en-US"/>
+          </a:p>
+        </p:txBody>
+      </p:sp>
+      <p:sp>
+        <p:nvSpPr>
+          <p:cNvPr id="6" name="Footer Placeholder 5"/>
+          <p:cNvSpPr>
+            <a:spLocks noGrp="1"/>
+          </p:cNvSpPr>
+          <p:nvPr>
+            <p:ph type="ftr" sz="quarter" idx="11"/>
+          </p:nvPr>
+        </p:nvSpPr>
+        <p:spPr/>
+        <p:txBody>
+          <a:bodyPr/>
+          <a:lstStyle>
+            <a:lvl1pPr>
+              <a:defRPr/>
+            </a:lvl1pPr>
+          </a:lstStyle>
+          <a:p>
+            <a:endParaRPr lang="en-US" altLang="en-US"/>
+          </a:p>
+        </p:txBody>
+      </p:sp>
+      <p:sp>
+        <p:nvSpPr>
+          <p:cNvPr id="7" name="Slide Number Placeholder 6"/>
+          <p:cNvSpPr>
+            <a:spLocks noGrp="1"/>
+          </p:cNvSpPr>
+          <p:nvPr>
+            <p:ph type="sldNum" sz="quarter" idx="12"/>
+          </p:nvPr>
+        </p:nvSpPr>
+        <p:spPr/>
+        <p:txBody>
+          <a:bodyPr/>
+          <a:lstStyle>
+            <a:lvl1pPr>
+              <a:defRPr/>
+            </a:lvl1pPr>
+          </a:lstStyle>
+          <a:p>
+            <a:fld id="{0F3B528C-F534-48DB-8890-A1E2A73B2A05}" type="slidenum">
+              <a:rPr lang="en-US" altLang="en-US"/>
+              <a:pPr/>
+              <a:t>‹#›</a:t>
+            </a:fld>
+            <a:endParaRPr lang="en-US" altLang="en-US"/>
+          </a:p>
+        </p:txBody>
+      </p:sp>
+    </p:spTree>
+    <p:extLst>
+      <p:ext uri="{BB962C8B-B14F-4D97-AF65-F5344CB8AC3E}">
+        <p14:creationId xmlns:p14="http://schemas.microsoft.com/office/powerpoint/2010/main" val="500930426"/>
       </p:ext>
     </p:extLst>
   </p:cSld>
@@ -751,22 +2767,49 @@
       </p:sp>
       <p:sp>
         <p:nvSpPr>
-          <p:cNvPr id="4" name="Date Placeholder 3"/>
-          <p:cNvSpPr>
-            <a:spLocks noGrp="1"/>
-          </p:cNvSpPr>
-          <p:nvPr>
-            <p:ph type="dt" sz="half" idx="10"/>
+          <p:cNvPr id="4" name="Footer Placeholder 3"/>
+          <p:cNvSpPr>
+            <a:spLocks noGrp="1"/>
+          </p:cNvSpPr>
+          <p:nvPr>
+            <p:ph type="ftr" sz="quarter" idx="10"/>
           </p:nvPr>
         </p:nvSpPr>
         <p:spPr/>
         <p:txBody>
           <a:bodyPr/>
-          <a:lstStyle/>
+          <a:lstStyle>
+            <a:lvl1pPr>
+              <a:defRPr/>
+            </a:lvl1pPr>
+          </a:lstStyle>
+          <a:p>
+            <a:endParaRPr lang="en-US"/>
+          </a:p>
+        </p:txBody>
+      </p:sp>
+      <p:sp>
+        <p:nvSpPr>
+          <p:cNvPr id="5" name="Date Placeholder 4"/>
+          <p:cNvSpPr>
+            <a:spLocks noGrp="1"/>
+          </p:cNvSpPr>
+          <p:nvPr>
+            <p:ph type="dt" sz="half" idx="11"/>
+          </p:nvPr>
+        </p:nvSpPr>
+        <p:spPr/>
+        <p:txBody>
+          <a:bodyPr/>
+          <a:lstStyle>
+            <a:lvl1pPr>
+              <a:defRPr/>
+            </a:lvl1pPr>
+          </a:lstStyle>
           <a:p>
             <a:fld id="{5F6ED6E0-D8FB-42FD-A3DC-22CC4FD63A42}" type="datetimeFigureOut">
               <a:rPr lang="en-US" smtClean="0"/>
-              <a:t>01-Oct-15</a:t>
+              <a:t>02/10/2015</a:t>
             </a:fld>
             <a:endParaRPr lang="en-US"/>
           </a:p>
@@ -774,37 +2817,22 @@
       </p:sp>
       <p:sp>
         <p:nvSpPr>
-          <p:cNvPr id="5" name="Footer Placeholder 4"/>
-          <p:cNvSpPr>
-            <a:spLocks noGrp="1"/>
-          </p:cNvSpPr>
-          <p:nvPr>
-            <p:ph type="ftr" sz="quarter" idx="11"/>
+          <p:cNvPr id="6" name="Slide Number Placeholder 5"/>
+          <p:cNvSpPr>
+            <a:spLocks noGrp="1"/>
+          </p:cNvSpPr>
+          <p:nvPr>
+            <p:ph type="sldNum" sz="quarter" idx="12"/>
           </p:nvPr>
         </p:nvSpPr>
         <p:spPr/>
         <p:txBody>
           <a:bodyPr/>
-          <a:lstStyle/>
-          <a:p>
-            <a:endParaRPr lang="en-US"/>
-          </a:p>
-        </p:txBody>
-      </p:sp>
-      <p:sp>
-        <p:nvSpPr>
-          <p:cNvPr id="6" name="Slide Number Placeholder 5"/>
-          <p:cNvSpPr>
-            <a:spLocks noGrp="1"/>
-          </p:cNvSpPr>
-          <p:nvPr>
-            <p:ph type="sldNum" sz="quarter" idx="12"/>
-          </p:nvPr>
-        </p:nvSpPr>
-        <p:spPr/>
-        <p:txBody>
-          <a:bodyPr/>
-          <a:lstStyle/>
+          <a:lstStyle>
+            <a:lvl1pPr>
+              <a:defRPr/>
+            </a:lvl1pPr>
+          </a:lstStyle>
           <a:p>
             <a:fld id="{045B3F0B-CC05-4723-8CC3-CA1B0DF3ABD8}" type="slidenum">
               <a:rPr lang="en-US" smtClean="0"/>
@@ -817,7 +2845,641 @@
     </p:spTree>
     <p:extLst>
       <p:ext uri="{BB962C8B-B14F-4D97-AF65-F5344CB8AC3E}">
-        <p14:creationId xmlns:p14="http://schemas.microsoft.com/office/powerpoint/2010/main" val="3273921453"/>
+        <p14:creationId xmlns:p14="http://schemas.microsoft.com/office/powerpoint/2010/main" val="3028193955"/>
+      </p:ext>
+    </p:extLst>
+  </p:cSld>
+  <p:clrMapOvr>
+    <a:masterClrMapping/>
+  </p:clrMapOvr>
+</p:sldLayout>
+</file>
+
+<file path=ppt/slideLayouts/slideLayout20.xml><?xml version="1.0" encoding="utf-8"?>
+<p:sldLayout xmlns:a="http://schemas.openxmlformats.org/drawingml/2006/main" xmlns:r="http://schemas.openxmlformats.org/officeDocument/2006/relationships" xmlns:p="http://schemas.openxmlformats.org/presentationml/2006/main" type="picTx" preserve="1">
+  <p:cSld name="Picture with Caption">
+    <p:spTree>
+      <p:nvGrpSpPr>
+        <p:cNvPr id="1" name=""/>
+        <p:cNvGrpSpPr/>
+        <p:nvPr/>
+      </p:nvGrpSpPr>
+      <p:grpSpPr>
+        <a:xfrm>
+          <a:off x="0" y="0"/>
+          <a:ext cx="0" cy="0"/>
+          <a:chOff x="0" y="0"/>
+          <a:chExt cx="0" cy="0"/>
+        </a:xfrm>
+      </p:grpSpPr>
+      <p:sp>
+        <p:nvSpPr>
+          <p:cNvPr id="2" name="Title 1"/>
+          <p:cNvSpPr>
+            <a:spLocks noGrp="1"/>
+          </p:cNvSpPr>
+          <p:nvPr>
+            <p:ph type="title"/>
+          </p:nvPr>
+        </p:nvSpPr>
+        <p:spPr>
+          <a:xfrm>
+            <a:off x="840318" y="457200"/>
+            <a:ext cx="3932767" cy="1600200"/>
+          </a:xfrm>
+        </p:spPr>
+        <p:txBody>
+          <a:bodyPr anchor="b"/>
+          <a:lstStyle>
+            <a:lvl1pPr>
+              <a:defRPr sz="3200"/>
+            </a:lvl1pPr>
+          </a:lstStyle>
+          <a:p>
+            <a:r>
+              <a:rPr lang="en-US" smtClean="0"/>
+              <a:t>Click to edit Master title style</a:t>
+            </a:r>
+            <a:endParaRPr lang="en-US"/>
+          </a:p>
+        </p:txBody>
+      </p:sp>
+      <p:sp>
+        <p:nvSpPr>
+          <p:cNvPr id="3" name="Picture Placeholder 2"/>
+          <p:cNvSpPr>
+            <a:spLocks noGrp="1"/>
+          </p:cNvSpPr>
+          <p:nvPr>
+            <p:ph type="pic" idx="1"/>
+          </p:nvPr>
+        </p:nvSpPr>
+        <p:spPr>
+          <a:xfrm>
+            <a:off x="5183717" y="987426"/>
+            <a:ext cx="6172200" cy="4873625"/>
+          </a:xfrm>
+        </p:spPr>
+        <p:txBody>
+          <a:bodyPr/>
+          <a:lstStyle>
+            <a:lvl1pPr marL="0" indent="0">
+              <a:buNone/>
+              <a:defRPr sz="3200"/>
+            </a:lvl1pPr>
+            <a:lvl2pPr marL="457200" indent="0">
+              <a:buNone/>
+              <a:defRPr sz="2800"/>
+            </a:lvl2pPr>
+            <a:lvl3pPr marL="914400" indent="0">
+              <a:buNone/>
+              <a:defRPr sz="2400"/>
+            </a:lvl3pPr>
+            <a:lvl4pPr marL="1371600" indent="0">
+              <a:buNone/>
+              <a:defRPr sz="2000"/>
+            </a:lvl4pPr>
+            <a:lvl5pPr marL="1828800" indent="0">
+              <a:buNone/>
+              <a:defRPr sz="2000"/>
+            </a:lvl5pPr>
+            <a:lvl6pPr marL="2286000" indent="0">
+              <a:buNone/>
+              <a:defRPr sz="2000"/>
+            </a:lvl6pPr>
+            <a:lvl7pPr marL="2743200" indent="0">
+              <a:buNone/>
+              <a:defRPr sz="2000"/>
+            </a:lvl7pPr>
+            <a:lvl8pPr marL="3200400" indent="0">
+              <a:buNone/>
+              <a:defRPr sz="2000"/>
+            </a:lvl8pPr>
+            <a:lvl9pPr marL="3657600" indent="0">
+              <a:buNone/>
+              <a:defRPr sz="2000"/>
+            </a:lvl9pPr>
+          </a:lstStyle>
+          <a:p>
+            <a:r>
+              <a:rPr lang="en-US" smtClean="0"/>
+              <a:t>Click icon to add picture</a:t>
+            </a:r>
+            <a:endParaRPr lang="en-US"/>
+          </a:p>
+        </p:txBody>
+      </p:sp>
+      <p:sp>
+        <p:nvSpPr>
+          <p:cNvPr id="4" name="Text Placeholder 3"/>
+          <p:cNvSpPr>
+            <a:spLocks noGrp="1"/>
+          </p:cNvSpPr>
+          <p:nvPr>
+            <p:ph type="body" sz="half" idx="2"/>
+          </p:nvPr>
+        </p:nvSpPr>
+        <p:spPr>
+          <a:xfrm>
+            <a:off x="840318" y="2057400"/>
+            <a:ext cx="3932767" cy="3811588"/>
+          </a:xfrm>
+        </p:spPr>
+        <p:txBody>
+          <a:bodyPr/>
+          <a:lstStyle>
+            <a:lvl1pPr marL="0" indent="0">
+              <a:buNone/>
+              <a:defRPr sz="1600"/>
+            </a:lvl1pPr>
+            <a:lvl2pPr marL="457200" indent="0">
+              <a:buNone/>
+              <a:defRPr sz="1400"/>
+            </a:lvl2pPr>
+            <a:lvl3pPr marL="914400" indent="0">
+              <a:buNone/>
+              <a:defRPr sz="1200"/>
+            </a:lvl3pPr>
+            <a:lvl4pPr marL="1371600" indent="0">
+              <a:buNone/>
+              <a:defRPr sz="1000"/>
+            </a:lvl4pPr>
+            <a:lvl5pPr marL="1828800" indent="0">
+              <a:buNone/>
+              <a:defRPr sz="1000"/>
+            </a:lvl5pPr>
+            <a:lvl6pPr marL="2286000" indent="0">
+              <a:buNone/>
+              <a:defRPr sz="1000"/>
+            </a:lvl6pPr>
+            <a:lvl7pPr marL="2743200" indent="0">
+              <a:buNone/>
+              <a:defRPr sz="1000"/>
+            </a:lvl7pPr>
+            <a:lvl8pPr marL="3200400" indent="0">
+              <a:buNone/>
+              <a:defRPr sz="1000"/>
+            </a:lvl8pPr>
+            <a:lvl9pPr marL="3657600" indent="0">
+              <a:buNone/>
+              <a:defRPr sz="1000"/>
+            </a:lvl9pPr>
+          </a:lstStyle>
+          <a:p>
+            <a:pPr lvl="0"/>
+            <a:r>
+              <a:rPr lang="en-US" smtClean="0"/>
+              <a:t>Click to edit Master text styles</a:t>
+            </a:r>
+          </a:p>
+        </p:txBody>
+      </p:sp>
+      <p:sp>
+        <p:nvSpPr>
+          <p:cNvPr id="5" name="Date Placeholder 4"/>
+          <p:cNvSpPr>
+            <a:spLocks noGrp="1"/>
+          </p:cNvSpPr>
+          <p:nvPr>
+            <p:ph type="dt" sz="half" idx="10"/>
+          </p:nvPr>
+        </p:nvSpPr>
+        <p:spPr/>
+        <p:txBody>
+          <a:bodyPr/>
+          <a:lstStyle>
+            <a:lvl1pPr>
+              <a:defRPr/>
+            </a:lvl1pPr>
+          </a:lstStyle>
+          <a:p>
+            <a:endParaRPr lang="en-US" altLang="en-US"/>
+          </a:p>
+        </p:txBody>
+      </p:sp>
+      <p:sp>
+        <p:nvSpPr>
+          <p:cNvPr id="6" name="Footer Placeholder 5"/>
+          <p:cNvSpPr>
+            <a:spLocks noGrp="1"/>
+          </p:cNvSpPr>
+          <p:nvPr>
+            <p:ph type="ftr" sz="quarter" idx="11"/>
+          </p:nvPr>
+        </p:nvSpPr>
+        <p:spPr/>
+        <p:txBody>
+          <a:bodyPr/>
+          <a:lstStyle>
+            <a:lvl1pPr>
+              <a:defRPr/>
+            </a:lvl1pPr>
+          </a:lstStyle>
+          <a:p>
+            <a:endParaRPr lang="en-US" altLang="en-US"/>
+          </a:p>
+        </p:txBody>
+      </p:sp>
+      <p:sp>
+        <p:nvSpPr>
+          <p:cNvPr id="7" name="Slide Number Placeholder 6"/>
+          <p:cNvSpPr>
+            <a:spLocks noGrp="1"/>
+          </p:cNvSpPr>
+          <p:nvPr>
+            <p:ph type="sldNum" sz="quarter" idx="12"/>
+          </p:nvPr>
+        </p:nvSpPr>
+        <p:spPr/>
+        <p:txBody>
+          <a:bodyPr/>
+          <a:lstStyle>
+            <a:lvl1pPr>
+              <a:defRPr/>
+            </a:lvl1pPr>
+          </a:lstStyle>
+          <a:p>
+            <a:fld id="{13B4E972-E096-4421-93FC-F3F93A845281}" type="slidenum">
+              <a:rPr lang="en-US" altLang="en-US"/>
+              <a:pPr/>
+              <a:t>‹#›</a:t>
+            </a:fld>
+            <a:endParaRPr lang="en-US" altLang="en-US"/>
+          </a:p>
+        </p:txBody>
+      </p:sp>
+    </p:spTree>
+    <p:extLst>
+      <p:ext uri="{BB962C8B-B14F-4D97-AF65-F5344CB8AC3E}">
+        <p14:creationId xmlns:p14="http://schemas.microsoft.com/office/powerpoint/2010/main" val="4285431384"/>
+      </p:ext>
+    </p:extLst>
+  </p:cSld>
+  <p:clrMapOvr>
+    <a:masterClrMapping/>
+  </p:clrMapOvr>
+</p:sldLayout>
+</file>
+
+<file path=ppt/slideLayouts/slideLayout21.xml><?xml version="1.0" encoding="utf-8"?>
+<p:sldLayout xmlns:a="http://schemas.openxmlformats.org/drawingml/2006/main" xmlns:r="http://schemas.openxmlformats.org/officeDocument/2006/relationships" xmlns:p="http://schemas.openxmlformats.org/presentationml/2006/main" type="vertTx" preserve="1">
+  <p:cSld name="Title and Vertical Text">
+    <p:spTree>
+      <p:nvGrpSpPr>
+        <p:cNvPr id="1" name=""/>
+        <p:cNvGrpSpPr/>
+        <p:nvPr/>
+      </p:nvGrpSpPr>
+      <p:grpSpPr>
+        <a:xfrm>
+          <a:off x="0" y="0"/>
+          <a:ext cx="0" cy="0"/>
+          <a:chOff x="0" y="0"/>
+          <a:chExt cx="0" cy="0"/>
+        </a:xfrm>
+      </p:grpSpPr>
+      <p:sp>
+        <p:nvSpPr>
+          <p:cNvPr id="2" name="Title 1"/>
+          <p:cNvSpPr>
+            <a:spLocks noGrp="1"/>
+          </p:cNvSpPr>
+          <p:nvPr>
+            <p:ph type="title"/>
+          </p:nvPr>
+        </p:nvSpPr>
+        <p:spPr/>
+        <p:txBody>
+          <a:bodyPr/>
+          <a:lstStyle/>
+          <a:p>
+            <a:r>
+              <a:rPr lang="en-US" smtClean="0"/>
+              <a:t>Click to edit Master title style</a:t>
+            </a:r>
+            <a:endParaRPr lang="en-US"/>
+          </a:p>
+        </p:txBody>
+      </p:sp>
+      <p:sp>
+        <p:nvSpPr>
+          <p:cNvPr id="3" name="Vertical Text Placeholder 2"/>
+          <p:cNvSpPr>
+            <a:spLocks noGrp="1"/>
+          </p:cNvSpPr>
+          <p:nvPr>
+            <p:ph type="body" orient="vert" idx="1"/>
+          </p:nvPr>
+        </p:nvSpPr>
+        <p:spPr/>
+        <p:txBody>
+          <a:bodyPr vert="eaVert"/>
+          <a:lstStyle/>
+          <a:p>
+            <a:pPr lvl="0"/>
+            <a:r>
+              <a:rPr lang="en-US" smtClean="0"/>
+              <a:t>Click to edit Master text styles</a:t>
+            </a:r>
+          </a:p>
+          <a:p>
+            <a:pPr lvl="1"/>
+            <a:r>
+              <a:rPr lang="en-US" smtClean="0"/>
+              <a:t>Second level</a:t>
+            </a:r>
+          </a:p>
+          <a:p>
+            <a:pPr lvl="2"/>
+            <a:r>
+              <a:rPr lang="en-US" smtClean="0"/>
+              <a:t>Third level</a:t>
+            </a:r>
+          </a:p>
+          <a:p>
+            <a:pPr lvl="3"/>
+            <a:r>
+              <a:rPr lang="en-US" smtClean="0"/>
+              <a:t>Fourth level</a:t>
+            </a:r>
+          </a:p>
+          <a:p>
+            <a:pPr lvl="4"/>
+            <a:r>
+              <a:rPr lang="en-US" smtClean="0"/>
+              <a:t>Fifth level</a:t>
+            </a:r>
+            <a:endParaRPr lang="en-US"/>
+          </a:p>
+        </p:txBody>
+      </p:sp>
+      <p:sp>
+        <p:nvSpPr>
+          <p:cNvPr id="4" name="Date Placeholder 3"/>
+          <p:cNvSpPr>
+            <a:spLocks noGrp="1"/>
+          </p:cNvSpPr>
+          <p:nvPr>
+            <p:ph type="dt" sz="half" idx="10"/>
+          </p:nvPr>
+        </p:nvSpPr>
+        <p:spPr/>
+        <p:txBody>
+          <a:bodyPr/>
+          <a:lstStyle>
+            <a:lvl1pPr>
+              <a:defRPr/>
+            </a:lvl1pPr>
+          </a:lstStyle>
+          <a:p>
+            <a:endParaRPr lang="en-US" altLang="en-US"/>
+          </a:p>
+        </p:txBody>
+      </p:sp>
+      <p:sp>
+        <p:nvSpPr>
+          <p:cNvPr id="5" name="Footer Placeholder 4"/>
+          <p:cNvSpPr>
+            <a:spLocks noGrp="1"/>
+          </p:cNvSpPr>
+          <p:nvPr>
+            <p:ph type="ftr" sz="quarter" idx="11"/>
+          </p:nvPr>
+        </p:nvSpPr>
+        <p:spPr/>
+        <p:txBody>
+          <a:bodyPr/>
+          <a:lstStyle>
+            <a:lvl1pPr>
+              <a:defRPr/>
+            </a:lvl1pPr>
+          </a:lstStyle>
+          <a:p>
+            <a:endParaRPr lang="en-US" altLang="en-US"/>
+          </a:p>
+        </p:txBody>
+      </p:sp>
+      <p:sp>
+        <p:nvSpPr>
+          <p:cNvPr id="6" name="Slide Number Placeholder 5"/>
+          <p:cNvSpPr>
+            <a:spLocks noGrp="1"/>
+          </p:cNvSpPr>
+          <p:nvPr>
+            <p:ph type="sldNum" sz="quarter" idx="12"/>
+          </p:nvPr>
+        </p:nvSpPr>
+        <p:spPr/>
+        <p:txBody>
+          <a:bodyPr/>
+          <a:lstStyle>
+            <a:lvl1pPr>
+              <a:defRPr/>
+            </a:lvl1pPr>
+          </a:lstStyle>
+          <a:p>
+            <a:fld id="{90EEEE25-F874-4D70-8FD2-1089B7DFD747}" type="slidenum">
+              <a:rPr lang="en-US" altLang="en-US"/>
+              <a:pPr/>
+              <a:t>‹#›</a:t>
+            </a:fld>
+            <a:endParaRPr lang="en-US" altLang="en-US"/>
+          </a:p>
+        </p:txBody>
+      </p:sp>
+    </p:spTree>
+    <p:extLst>
+      <p:ext uri="{BB962C8B-B14F-4D97-AF65-F5344CB8AC3E}">
+        <p14:creationId xmlns:p14="http://schemas.microsoft.com/office/powerpoint/2010/main" val="2385919379"/>
+      </p:ext>
+    </p:extLst>
+  </p:cSld>
+  <p:clrMapOvr>
+    <a:masterClrMapping/>
+  </p:clrMapOvr>
+</p:sldLayout>
+</file>
+
+<file path=ppt/slideLayouts/slideLayout22.xml><?xml version="1.0" encoding="utf-8"?>
+<p:sldLayout xmlns:a="http://schemas.openxmlformats.org/drawingml/2006/main" xmlns:r="http://schemas.openxmlformats.org/officeDocument/2006/relationships" xmlns:p="http://schemas.openxmlformats.org/presentationml/2006/main" type="vertTitleAndTx" preserve="1">
+  <p:cSld name="Vertical Title and Text">
+    <p:spTree>
+      <p:nvGrpSpPr>
+        <p:cNvPr id="1" name=""/>
+        <p:cNvGrpSpPr/>
+        <p:nvPr/>
+      </p:nvGrpSpPr>
+      <p:grpSpPr>
+        <a:xfrm>
+          <a:off x="0" y="0"/>
+          <a:ext cx="0" cy="0"/>
+          <a:chOff x="0" y="0"/>
+          <a:chExt cx="0" cy="0"/>
+        </a:xfrm>
+      </p:grpSpPr>
+      <p:sp>
+        <p:nvSpPr>
+          <p:cNvPr id="2" name="Vertical Title 1"/>
+          <p:cNvSpPr>
+            <a:spLocks noGrp="1"/>
+          </p:cNvSpPr>
+          <p:nvPr>
+            <p:ph type="title" orient="vert"/>
+          </p:nvPr>
+        </p:nvSpPr>
+        <p:spPr>
+          <a:xfrm>
+            <a:off x="8839200" y="274639"/>
+            <a:ext cx="2743200" cy="5851525"/>
+          </a:xfrm>
+        </p:spPr>
+        <p:txBody>
+          <a:bodyPr vert="eaVert"/>
+          <a:lstStyle/>
+          <a:p>
+            <a:r>
+              <a:rPr lang="en-US" smtClean="0"/>
+              <a:t>Click to edit Master title style</a:t>
+            </a:r>
+            <a:endParaRPr lang="en-US"/>
+          </a:p>
+        </p:txBody>
+      </p:sp>
+      <p:sp>
+        <p:nvSpPr>
+          <p:cNvPr id="3" name="Vertical Text Placeholder 2"/>
+          <p:cNvSpPr>
+            <a:spLocks noGrp="1"/>
+          </p:cNvSpPr>
+          <p:nvPr>
+            <p:ph type="body" orient="vert" idx="1"/>
+          </p:nvPr>
+        </p:nvSpPr>
+        <p:spPr>
+          <a:xfrm>
+            <a:off x="609600" y="274639"/>
+            <a:ext cx="8026400" cy="5851525"/>
+          </a:xfrm>
+        </p:spPr>
+        <p:txBody>
+          <a:bodyPr vert="eaVert"/>
+          <a:lstStyle/>
+          <a:p>
+            <a:pPr lvl="0"/>
+            <a:r>
+              <a:rPr lang="en-US" smtClean="0"/>
+              <a:t>Click to edit Master text styles</a:t>
+            </a:r>
+          </a:p>
+          <a:p>
+            <a:pPr lvl="1"/>
+            <a:r>
+              <a:rPr lang="en-US" smtClean="0"/>
+              <a:t>Second level</a:t>
+            </a:r>
+          </a:p>
+          <a:p>
+            <a:pPr lvl="2"/>
+            <a:r>
+              <a:rPr lang="en-US" smtClean="0"/>
+              <a:t>Third level</a:t>
+            </a:r>
+          </a:p>
+          <a:p>
+            <a:pPr lvl="3"/>
+            <a:r>
+              <a:rPr lang="en-US" smtClean="0"/>
+              <a:t>Fourth level</a:t>
+            </a:r>
+          </a:p>
+          <a:p>
+            <a:pPr lvl="4"/>
+            <a:r>
+              <a:rPr lang="en-US" smtClean="0"/>
+              <a:t>Fifth level</a:t>
+            </a:r>
+            <a:endParaRPr lang="en-US"/>
+          </a:p>
+        </p:txBody>
+      </p:sp>
+      <p:sp>
+        <p:nvSpPr>
+          <p:cNvPr id="4" name="Date Placeholder 3"/>
+          <p:cNvSpPr>
+            <a:spLocks noGrp="1"/>
+          </p:cNvSpPr>
+          <p:nvPr>
+            <p:ph type="dt" sz="half" idx="10"/>
+          </p:nvPr>
+        </p:nvSpPr>
+        <p:spPr/>
+        <p:txBody>
+          <a:bodyPr/>
+          <a:lstStyle>
+            <a:lvl1pPr>
+              <a:defRPr/>
+            </a:lvl1pPr>
+          </a:lstStyle>
+          <a:p>
+            <a:endParaRPr lang="en-US" altLang="en-US"/>
+          </a:p>
+        </p:txBody>
+      </p:sp>
+      <p:sp>
+        <p:nvSpPr>
+          <p:cNvPr id="5" name="Footer Placeholder 4"/>
+          <p:cNvSpPr>
+            <a:spLocks noGrp="1"/>
+          </p:cNvSpPr>
+          <p:nvPr>
+            <p:ph type="ftr" sz="quarter" idx="11"/>
+          </p:nvPr>
+        </p:nvSpPr>
+        <p:spPr/>
+        <p:txBody>
+          <a:bodyPr/>
+          <a:lstStyle>
+            <a:lvl1pPr>
+              <a:defRPr/>
+            </a:lvl1pPr>
+          </a:lstStyle>
+          <a:p>
+            <a:endParaRPr lang="en-US" altLang="en-US"/>
+          </a:p>
+        </p:txBody>
+      </p:sp>
+      <p:sp>
+        <p:nvSpPr>
+          <p:cNvPr id="6" name="Slide Number Placeholder 5"/>
+          <p:cNvSpPr>
+            <a:spLocks noGrp="1"/>
+          </p:cNvSpPr>
+          <p:nvPr>
+            <p:ph type="sldNum" sz="quarter" idx="12"/>
+          </p:nvPr>
+        </p:nvSpPr>
+        <p:spPr/>
+        <p:txBody>
+          <a:bodyPr/>
+          <a:lstStyle>
+            <a:lvl1pPr>
+              <a:defRPr/>
+            </a:lvl1pPr>
+          </a:lstStyle>
+          <a:p>
+            <a:fld id="{B4C14557-E12B-4EEA-A74A-F7C1DFF5998A}" type="slidenum">
+              <a:rPr lang="en-US" altLang="en-US"/>
+              <a:pPr/>
+              <a:t>‹#›</a:t>
+            </a:fld>
+            <a:endParaRPr lang="en-US" altLang="en-US"/>
+          </a:p>
+        </p:txBody>
+      </p:sp>
+    </p:spTree>
+    <p:extLst>
+      <p:ext uri="{BB962C8B-B14F-4D97-AF65-F5344CB8AC3E}">
+        <p14:creationId xmlns:p14="http://schemas.microsoft.com/office/powerpoint/2010/main" val="277457636"/>
       </p:ext>
     </p:extLst>
   </p:cSld>
@@ -856,7 +3518,7 @@
         </p:nvSpPr>
         <p:spPr>
           <a:xfrm>
-            <a:off x="831850" y="1709738"/>
+            <a:off x="831851" y="1709739"/>
             <a:ext cx="10515600" cy="2852737"/>
           </a:xfrm>
         </p:spPr>
@@ -888,7 +3550,7 @@
         </p:nvSpPr>
         <p:spPr>
           <a:xfrm>
-            <a:off x="831850" y="4589463"/>
+            <a:off x="831851" y="4589464"/>
             <a:ext cx="10515600" cy="1500187"/>
           </a:xfrm>
         </p:spPr>
@@ -897,93 +3559,39 @@
           <a:lstStyle>
             <a:lvl1pPr marL="0" indent="0">
               <a:buNone/>
-              <a:defRPr sz="2400">
-                <a:solidFill>
-                  <a:schemeClr val="tx1">
-                    <a:tint val="75000"/>
-                  </a:schemeClr>
-                </a:solidFill>
-              </a:defRPr>
+              <a:defRPr sz="2400"/>
             </a:lvl1pPr>
             <a:lvl2pPr marL="457200" indent="0">
               <a:buNone/>
-              <a:defRPr sz="2000">
-                <a:solidFill>
-                  <a:schemeClr val="tx1">
-                    <a:tint val="75000"/>
-                  </a:schemeClr>
-                </a:solidFill>
-              </a:defRPr>
+              <a:defRPr sz="2000"/>
             </a:lvl2pPr>
             <a:lvl3pPr marL="914400" indent="0">
               <a:buNone/>
-              <a:defRPr sz="1800">
-                <a:solidFill>
-                  <a:schemeClr val="tx1">
-                    <a:tint val="75000"/>
-                  </a:schemeClr>
-                </a:solidFill>
-              </a:defRPr>
+              <a:defRPr sz="1800"/>
             </a:lvl3pPr>
             <a:lvl4pPr marL="1371600" indent="0">
               <a:buNone/>
-              <a:defRPr sz="1600">
-                <a:solidFill>
-                  <a:schemeClr val="tx1">
-                    <a:tint val="75000"/>
-                  </a:schemeClr>
-                </a:solidFill>
-              </a:defRPr>
+              <a:defRPr sz="1600"/>
             </a:lvl4pPr>
             <a:lvl5pPr marL="1828800" indent="0">
               <a:buNone/>
-              <a:defRPr sz="1600">
-                <a:solidFill>
-                  <a:schemeClr val="tx1">
-                    <a:tint val="75000"/>
-                  </a:schemeClr>
-                </a:solidFill>
-              </a:defRPr>
+              <a:defRPr sz="1600"/>
             </a:lvl5pPr>
             <a:lvl6pPr marL="2286000" indent="0">
               <a:buNone/>
-              <a:defRPr sz="1600">
-                <a:solidFill>
-                  <a:schemeClr val="tx1">
-                    <a:tint val="75000"/>
-                  </a:schemeClr>
-                </a:solidFill>
-              </a:defRPr>
+              <a:defRPr sz="1600"/>
             </a:lvl6pPr>
             <a:lvl7pPr marL="2743200" indent="0">
               <a:buNone/>
-              <a:defRPr sz="1600">
-                <a:solidFill>
-                  <a:schemeClr val="tx1">
-                    <a:tint val="75000"/>
-                  </a:schemeClr>
-                </a:solidFill>
-              </a:defRPr>
+              <a:defRPr sz="1600"/>
             </a:lvl7pPr>
             <a:lvl8pPr marL="3200400" indent="0">
               <a:buNone/>
-              <a:defRPr sz="1600">
-                <a:solidFill>
-                  <a:schemeClr val="tx1">
-                    <a:tint val="75000"/>
-                  </a:schemeClr>
-                </a:solidFill>
-              </a:defRPr>
+              <a:defRPr sz="1600"/>
             </a:lvl8pPr>
             <a:lvl9pPr marL="3657600" indent="0">
               <a:buNone/>
-              <a:defRPr sz="1600">
-                <a:solidFill>
-                  <a:schemeClr val="tx1">
-                    <a:tint val="75000"/>
-                  </a:schemeClr>
-                </a:solidFill>
-              </a:defRPr>
+              <a:defRPr sz="1600"/>
             </a:lvl9pPr>
           </a:lstStyle>
           <a:p>
@@ -997,22 +3605,49 @@
       </p:sp>
       <p:sp>
         <p:nvSpPr>
-          <p:cNvPr id="4" name="Date Placeholder 3"/>
-          <p:cNvSpPr>
-            <a:spLocks noGrp="1"/>
-          </p:cNvSpPr>
-          <p:nvPr>
-            <p:ph type="dt" sz="half" idx="10"/>
+          <p:cNvPr id="4" name="Footer Placeholder 3"/>
+          <p:cNvSpPr>
+            <a:spLocks noGrp="1"/>
+          </p:cNvSpPr>
+          <p:nvPr>
+            <p:ph type="ftr" sz="quarter" idx="10"/>
           </p:nvPr>
         </p:nvSpPr>
         <p:spPr/>
         <p:txBody>
           <a:bodyPr/>
-          <a:lstStyle/>
+          <a:lstStyle>
+            <a:lvl1pPr>
+              <a:defRPr/>
+            </a:lvl1pPr>
+          </a:lstStyle>
+          <a:p>
+            <a:endParaRPr lang="en-US"/>
+          </a:p>
+        </p:txBody>
+      </p:sp>
+      <p:sp>
+        <p:nvSpPr>
+          <p:cNvPr id="5" name="Date Placeholder 4"/>
+          <p:cNvSpPr>
+            <a:spLocks noGrp="1"/>
+          </p:cNvSpPr>
+          <p:nvPr>
+            <p:ph type="dt" sz="half" idx="11"/>
+          </p:nvPr>
+        </p:nvSpPr>
+        <p:spPr/>
+        <p:txBody>
+          <a:bodyPr/>
+          <a:lstStyle>
+            <a:lvl1pPr>
+              <a:defRPr/>
+            </a:lvl1pPr>
+          </a:lstStyle>
           <a:p>
             <a:fld id="{5F6ED6E0-D8FB-42FD-A3DC-22CC4FD63A42}" type="datetimeFigureOut">
               <a:rPr lang="en-US" smtClean="0"/>
-              <a:t>01-Oct-15</a:t>
+              <a:t>02/10/2015</a:t>
             </a:fld>
             <a:endParaRPr lang="en-US"/>
           </a:p>
@@ -1020,37 +3655,22 @@
       </p:sp>
       <p:sp>
         <p:nvSpPr>
-          <p:cNvPr id="5" name="Footer Placeholder 4"/>
-          <p:cNvSpPr>
-            <a:spLocks noGrp="1"/>
-          </p:cNvSpPr>
-          <p:nvPr>
-            <p:ph type="ftr" sz="quarter" idx="11"/>
+          <p:cNvPr id="6" name="Slide Number Placeholder 5"/>
+          <p:cNvSpPr>
+            <a:spLocks noGrp="1"/>
+          </p:cNvSpPr>
+          <p:nvPr>
+            <p:ph type="sldNum" sz="quarter" idx="12"/>
           </p:nvPr>
         </p:nvSpPr>
         <p:spPr/>
         <p:txBody>
           <a:bodyPr/>
-          <a:lstStyle/>
-          <a:p>
-            <a:endParaRPr lang="en-US"/>
-          </a:p>
-        </p:txBody>
-      </p:sp>
-      <p:sp>
-        <p:nvSpPr>
-          <p:cNvPr id="6" name="Slide Number Placeholder 5"/>
-          <p:cNvSpPr>
-            <a:spLocks noGrp="1"/>
-          </p:cNvSpPr>
-          <p:nvPr>
-            <p:ph type="sldNum" sz="quarter" idx="12"/>
-          </p:nvPr>
-        </p:nvSpPr>
-        <p:spPr/>
-        <p:txBody>
-          <a:bodyPr/>
-          <a:lstStyle/>
+          <a:lstStyle>
+            <a:lvl1pPr>
+              <a:defRPr/>
+            </a:lvl1pPr>
+          </a:lstStyle>
           <a:p>
             <a:fld id="{045B3F0B-CC05-4723-8CC3-CA1B0DF3ABD8}" type="slidenum">
               <a:rPr lang="en-US" smtClean="0"/>
@@ -1063,7 +3683,7 @@
     </p:spTree>
     <p:extLst>
       <p:ext uri="{BB962C8B-B14F-4D97-AF65-F5344CB8AC3E}">
-        <p14:creationId xmlns:p14="http://schemas.microsoft.com/office/powerpoint/2010/main" val="3042252969"/>
+        <p14:creationId xmlns:p14="http://schemas.microsoft.com/office/powerpoint/2010/main" val="2465781454"/>
       </p:ext>
     </p:extLst>
   </p:cSld>
@@ -1125,8 +3745,8 @@
         </p:nvSpPr>
         <p:spPr>
           <a:xfrm>
-            <a:off x="838200" y="1825625"/>
-            <a:ext cx="5181600" cy="4351338"/>
+            <a:off x="609600" y="1241425"/>
+            <a:ext cx="5384800" cy="4776788"/>
           </a:xfrm>
         </p:spPr>
         <p:txBody>
@@ -1182,8 +3802,8 @@
         </p:nvSpPr>
         <p:spPr>
           <a:xfrm>
-            <a:off x="6172200" y="1825625"/>
-            <a:ext cx="5181600" cy="4351338"/>
+            <a:off x="6197600" y="1241425"/>
+            <a:ext cx="5384800" cy="4776788"/>
           </a:xfrm>
         </p:spPr>
         <p:txBody>
@@ -1229,22 +3849,49 @@
       </p:sp>
       <p:sp>
         <p:nvSpPr>
-          <p:cNvPr id="5" name="Date Placeholder 4"/>
-          <p:cNvSpPr>
-            <a:spLocks noGrp="1"/>
-          </p:cNvSpPr>
-          <p:nvPr>
-            <p:ph type="dt" sz="half" idx="10"/>
+          <p:cNvPr id="5" name="Footer Placeholder 4"/>
+          <p:cNvSpPr>
+            <a:spLocks noGrp="1"/>
+          </p:cNvSpPr>
+          <p:nvPr>
+            <p:ph type="ftr" sz="quarter" idx="10"/>
           </p:nvPr>
         </p:nvSpPr>
         <p:spPr/>
         <p:txBody>
           <a:bodyPr/>
-          <a:lstStyle/>
+          <a:lstStyle>
+            <a:lvl1pPr>
+              <a:defRPr/>
+            </a:lvl1pPr>
+          </a:lstStyle>
+          <a:p>
+            <a:endParaRPr lang="en-US"/>
+          </a:p>
+        </p:txBody>
+      </p:sp>
+      <p:sp>
+        <p:nvSpPr>
+          <p:cNvPr id="6" name="Date Placeholder 5"/>
+          <p:cNvSpPr>
+            <a:spLocks noGrp="1"/>
+          </p:cNvSpPr>
+          <p:nvPr>
+            <p:ph type="dt" sz="half" idx="11"/>
+          </p:nvPr>
+        </p:nvSpPr>
+        <p:spPr/>
+        <p:txBody>
+          <a:bodyPr/>
+          <a:lstStyle>
+            <a:lvl1pPr>
+              <a:defRPr/>
+            </a:lvl1pPr>
+          </a:lstStyle>
           <a:p>
             <a:fld id="{5F6ED6E0-D8FB-42FD-A3DC-22CC4FD63A42}" type="datetimeFigureOut">
               <a:rPr lang="en-US" smtClean="0"/>
-              <a:t>01-Oct-15</a:t>
+              <a:t>02/10/2015</a:t>
             </a:fld>
             <a:endParaRPr lang="en-US"/>
           </a:p>
@@ -1252,37 +3899,22 @@
       </p:sp>
       <p:sp>
         <p:nvSpPr>
-          <p:cNvPr id="6" name="Footer Placeholder 5"/>
-          <p:cNvSpPr>
-            <a:spLocks noGrp="1"/>
-          </p:cNvSpPr>
-          <p:nvPr>
-            <p:ph type="ftr" sz="quarter" idx="11"/>
+          <p:cNvPr id="7" name="Slide Number Placeholder 6"/>
+          <p:cNvSpPr>
+            <a:spLocks noGrp="1"/>
+          </p:cNvSpPr>
+          <p:nvPr>
+            <p:ph type="sldNum" sz="quarter" idx="12"/>
           </p:nvPr>
         </p:nvSpPr>
         <p:spPr/>
         <p:txBody>
           <a:bodyPr/>
-          <a:lstStyle/>
-          <a:p>
-            <a:endParaRPr lang="en-US"/>
-          </a:p>
-        </p:txBody>
-      </p:sp>
-      <p:sp>
-        <p:nvSpPr>
-          <p:cNvPr id="7" name="Slide Number Placeholder 6"/>
-          <p:cNvSpPr>
-            <a:spLocks noGrp="1"/>
-          </p:cNvSpPr>
-          <p:nvPr>
-            <p:ph type="sldNum" sz="quarter" idx="12"/>
-          </p:nvPr>
-        </p:nvSpPr>
-        <p:spPr/>
-        <p:txBody>
-          <a:bodyPr/>
-          <a:lstStyle/>
+          <a:lstStyle>
+            <a:lvl1pPr>
+              <a:defRPr/>
+            </a:lvl1pPr>
+          </a:lstStyle>
           <a:p>
             <a:fld id="{045B3F0B-CC05-4723-8CC3-CA1B0DF3ABD8}" type="slidenum">
               <a:rPr lang="en-US" smtClean="0"/>
@@ -1295,7 +3927,7 @@
     </p:spTree>
     <p:extLst>
       <p:ext uri="{BB962C8B-B14F-4D97-AF65-F5344CB8AC3E}">
-        <p14:creationId xmlns:p14="http://schemas.microsoft.com/office/powerpoint/2010/main" val="2028091188"/>
+        <p14:creationId xmlns:p14="http://schemas.microsoft.com/office/powerpoint/2010/main" val="2947078023"/>
       </p:ext>
     </p:extLst>
   </p:cSld>
@@ -1334,7 +3966,7 @@
         </p:nvSpPr>
         <p:spPr>
           <a:xfrm>
-            <a:off x="839788" y="365125"/>
+            <a:off x="840317" y="365126"/>
             <a:ext cx="10515600" cy="1325563"/>
           </a:xfrm>
         </p:spPr>
@@ -1362,8 +3994,8 @@
         </p:nvSpPr>
         <p:spPr>
           <a:xfrm>
-            <a:off x="839788" y="1681163"/>
-            <a:ext cx="5157787" cy="823912"/>
+            <a:off x="840318" y="1681163"/>
+            <a:ext cx="5158316" cy="823912"/>
           </a:xfrm>
         </p:spPr>
         <p:txBody>
@@ -1427,8 +4059,8 @@
         </p:nvSpPr>
         <p:spPr>
           <a:xfrm>
-            <a:off x="839788" y="2505075"/>
-            <a:ext cx="5157787" cy="3684588"/>
+            <a:off x="840318" y="2505075"/>
+            <a:ext cx="5158316" cy="3684588"/>
           </a:xfrm>
         </p:spPr>
         <p:txBody>
@@ -1485,7 +4117,7 @@
         <p:spPr>
           <a:xfrm>
             <a:off x="6172200" y="1681163"/>
-            <a:ext cx="5183188" cy="823912"/>
+            <a:ext cx="5183717" cy="823912"/>
           </a:xfrm>
         </p:spPr>
         <p:txBody>
@@ -1550,7 +4182,7 @@
         <p:spPr>
           <a:xfrm>
             <a:off x="6172200" y="2505075"/>
-            <a:ext cx="5183188" cy="3684588"/>
+            <a:ext cx="5183717" cy="3684588"/>
           </a:xfrm>
         </p:spPr>
         <p:txBody>
@@ -1596,22 +4228,49 @@
       </p:sp>
       <p:sp>
         <p:nvSpPr>
-          <p:cNvPr id="7" name="Date Placeholder 6"/>
-          <p:cNvSpPr>
-            <a:spLocks noGrp="1"/>
-          </p:cNvSpPr>
-          <p:nvPr>
-            <p:ph type="dt" sz="half" idx="10"/>
+          <p:cNvPr id="7" name="Footer Placeholder 6"/>
+          <p:cNvSpPr>
+            <a:spLocks noGrp="1"/>
+          </p:cNvSpPr>
+          <p:nvPr>
+            <p:ph type="ftr" sz="quarter" idx="10"/>
           </p:nvPr>
         </p:nvSpPr>
         <p:spPr/>
         <p:txBody>
           <a:bodyPr/>
-          <a:lstStyle/>
+          <a:lstStyle>
+            <a:lvl1pPr>
+              <a:defRPr/>
+            </a:lvl1pPr>
+          </a:lstStyle>
+          <a:p>
+            <a:endParaRPr lang="en-US"/>
+          </a:p>
+        </p:txBody>
+      </p:sp>
+      <p:sp>
+        <p:nvSpPr>
+          <p:cNvPr id="8" name="Date Placeholder 7"/>
+          <p:cNvSpPr>
+            <a:spLocks noGrp="1"/>
+          </p:cNvSpPr>
+          <p:nvPr>
+            <p:ph type="dt" sz="half" idx="11"/>
+          </p:nvPr>
+        </p:nvSpPr>
+        <p:spPr/>
+        <p:txBody>
+          <a:bodyPr/>
+          <a:lstStyle>
+            <a:lvl1pPr>
+              <a:defRPr/>
+            </a:lvl1pPr>
+          </a:lstStyle>
           <a:p>
             <a:fld id="{5F6ED6E0-D8FB-42FD-A3DC-22CC4FD63A42}" type="datetimeFigureOut">
               <a:rPr lang="en-US" smtClean="0"/>
-              <a:t>01-Oct-15</a:t>
+              <a:t>02/10/2015</a:t>
             </a:fld>
             <a:endParaRPr lang="en-US"/>
           </a:p>
@@ -1619,37 +4278,22 @@
       </p:sp>
       <p:sp>
         <p:nvSpPr>
-          <p:cNvPr id="8" name="Footer Placeholder 7"/>
-          <p:cNvSpPr>
-            <a:spLocks noGrp="1"/>
-          </p:cNvSpPr>
-          <p:nvPr>
-            <p:ph type="ftr" sz="quarter" idx="11"/>
+          <p:cNvPr id="9" name="Slide Number Placeholder 8"/>
+          <p:cNvSpPr>
+            <a:spLocks noGrp="1"/>
+          </p:cNvSpPr>
+          <p:nvPr>
+            <p:ph type="sldNum" sz="quarter" idx="12"/>
           </p:nvPr>
         </p:nvSpPr>
         <p:spPr/>
         <p:txBody>
           <a:bodyPr/>
-          <a:lstStyle/>
-          <a:p>
-            <a:endParaRPr lang="en-US"/>
-          </a:p>
-        </p:txBody>
-      </p:sp>
-      <p:sp>
-        <p:nvSpPr>
-          <p:cNvPr id="9" name="Slide Number Placeholder 8"/>
-          <p:cNvSpPr>
-            <a:spLocks noGrp="1"/>
-          </p:cNvSpPr>
-          <p:nvPr>
-            <p:ph type="sldNum" sz="quarter" idx="12"/>
-          </p:nvPr>
-        </p:nvSpPr>
-        <p:spPr/>
-        <p:txBody>
-          <a:bodyPr/>
-          <a:lstStyle/>
+          <a:lstStyle>
+            <a:lvl1pPr>
+              <a:defRPr/>
+            </a:lvl1pPr>
+          </a:lstStyle>
           <a:p>
             <a:fld id="{045B3F0B-CC05-4723-8CC3-CA1B0DF3ABD8}" type="slidenum">
               <a:rPr lang="en-US" smtClean="0"/>
@@ -1662,7 +4306,7 @@
     </p:spTree>
     <p:extLst>
       <p:ext uri="{BB962C8B-B14F-4D97-AF65-F5344CB8AC3E}">
-        <p14:creationId xmlns:p14="http://schemas.microsoft.com/office/powerpoint/2010/main" val="782910193"/>
+        <p14:creationId xmlns:p14="http://schemas.microsoft.com/office/powerpoint/2010/main" val="4049754682"/>
       </p:ext>
     </p:extLst>
   </p:cSld>
@@ -1714,22 +4358,49 @@
       </p:sp>
       <p:sp>
         <p:nvSpPr>
-          <p:cNvPr id="3" name="Date Placeholder 2"/>
-          <p:cNvSpPr>
-            <a:spLocks noGrp="1"/>
-          </p:cNvSpPr>
-          <p:nvPr>
-            <p:ph type="dt" sz="half" idx="10"/>
+          <p:cNvPr id="3" name="Footer Placeholder 2"/>
+          <p:cNvSpPr>
+            <a:spLocks noGrp="1"/>
+          </p:cNvSpPr>
+          <p:nvPr>
+            <p:ph type="ftr" sz="quarter" idx="10"/>
           </p:nvPr>
         </p:nvSpPr>
         <p:spPr/>
         <p:txBody>
           <a:bodyPr/>
-          <a:lstStyle/>
+          <a:lstStyle>
+            <a:lvl1pPr>
+              <a:defRPr/>
+            </a:lvl1pPr>
+          </a:lstStyle>
+          <a:p>
+            <a:endParaRPr lang="en-US"/>
+          </a:p>
+        </p:txBody>
+      </p:sp>
+      <p:sp>
+        <p:nvSpPr>
+          <p:cNvPr id="4" name="Date Placeholder 3"/>
+          <p:cNvSpPr>
+            <a:spLocks noGrp="1"/>
+          </p:cNvSpPr>
+          <p:nvPr>
+            <p:ph type="dt" sz="half" idx="11"/>
+          </p:nvPr>
+        </p:nvSpPr>
+        <p:spPr/>
+        <p:txBody>
+          <a:bodyPr/>
+          <a:lstStyle>
+            <a:lvl1pPr>
+              <a:defRPr/>
+            </a:lvl1pPr>
+          </a:lstStyle>
           <a:p>
             <a:fld id="{5F6ED6E0-D8FB-42FD-A3DC-22CC4FD63A42}" type="datetimeFigureOut">
               <a:rPr lang="en-US" smtClean="0"/>
-              <a:t>01-Oct-15</a:t>
+              <a:t>02/10/2015</a:t>
             </a:fld>
             <a:endParaRPr lang="en-US"/>
           </a:p>
@@ -1737,37 +4408,22 @@
       </p:sp>
       <p:sp>
         <p:nvSpPr>
-          <p:cNvPr id="4" name="Footer Placeholder 3"/>
-          <p:cNvSpPr>
-            <a:spLocks noGrp="1"/>
-          </p:cNvSpPr>
-          <p:nvPr>
-            <p:ph type="ftr" sz="quarter" idx="11"/>
+          <p:cNvPr id="5" name="Slide Number Placeholder 4"/>
+          <p:cNvSpPr>
+            <a:spLocks noGrp="1"/>
+          </p:cNvSpPr>
+          <p:nvPr>
+            <p:ph type="sldNum" sz="quarter" idx="12"/>
           </p:nvPr>
         </p:nvSpPr>
         <p:spPr/>
         <p:txBody>
           <a:bodyPr/>
-          <a:lstStyle/>
-          <a:p>
-            <a:endParaRPr lang="en-US"/>
-          </a:p>
-        </p:txBody>
-      </p:sp>
-      <p:sp>
-        <p:nvSpPr>
-          <p:cNvPr id="5" name="Slide Number Placeholder 4"/>
-          <p:cNvSpPr>
-            <a:spLocks noGrp="1"/>
-          </p:cNvSpPr>
-          <p:nvPr>
-            <p:ph type="sldNum" sz="quarter" idx="12"/>
-          </p:nvPr>
-        </p:nvSpPr>
-        <p:spPr/>
-        <p:txBody>
-          <a:bodyPr/>
-          <a:lstStyle/>
+          <a:lstStyle>
+            <a:lvl1pPr>
+              <a:defRPr/>
+            </a:lvl1pPr>
+          </a:lstStyle>
           <a:p>
             <a:fld id="{045B3F0B-CC05-4723-8CC3-CA1B0DF3ABD8}" type="slidenum">
               <a:rPr lang="en-US" smtClean="0"/>
@@ -1780,7 +4436,7 @@
     </p:spTree>
     <p:extLst>
       <p:ext uri="{BB962C8B-B14F-4D97-AF65-F5344CB8AC3E}">
-        <p14:creationId xmlns:p14="http://schemas.microsoft.com/office/powerpoint/2010/main" val="4048996650"/>
+        <p14:creationId xmlns:p14="http://schemas.microsoft.com/office/powerpoint/2010/main" val="2268725872"/>
       </p:ext>
     </p:extLst>
   </p:cSld>
@@ -1809,22 +4465,49 @@
       </p:grpSpPr>
       <p:sp>
         <p:nvSpPr>
-          <p:cNvPr id="2" name="Date Placeholder 1"/>
-          <p:cNvSpPr>
-            <a:spLocks noGrp="1"/>
-          </p:cNvSpPr>
-          <p:nvPr>
-            <p:ph type="dt" sz="half" idx="10"/>
+          <p:cNvPr id="2" name="Footer Placeholder 1"/>
+          <p:cNvSpPr>
+            <a:spLocks noGrp="1"/>
+          </p:cNvSpPr>
+          <p:nvPr>
+            <p:ph type="ftr" sz="quarter" idx="10"/>
           </p:nvPr>
         </p:nvSpPr>
         <p:spPr/>
         <p:txBody>
           <a:bodyPr/>
-          <a:lstStyle/>
+          <a:lstStyle>
+            <a:lvl1pPr>
+              <a:defRPr/>
+            </a:lvl1pPr>
+          </a:lstStyle>
+          <a:p>
+            <a:endParaRPr lang="en-US"/>
+          </a:p>
+        </p:txBody>
+      </p:sp>
+      <p:sp>
+        <p:nvSpPr>
+          <p:cNvPr id="3" name="Date Placeholder 2"/>
+          <p:cNvSpPr>
+            <a:spLocks noGrp="1"/>
+          </p:cNvSpPr>
+          <p:nvPr>
+            <p:ph type="dt" sz="half" idx="11"/>
+          </p:nvPr>
+        </p:nvSpPr>
+        <p:spPr/>
+        <p:txBody>
+          <a:bodyPr/>
+          <a:lstStyle>
+            <a:lvl1pPr>
+              <a:defRPr/>
+            </a:lvl1pPr>
+          </a:lstStyle>
           <a:p>
             <a:fld id="{5F6ED6E0-D8FB-42FD-A3DC-22CC4FD63A42}" type="datetimeFigureOut">
               <a:rPr lang="en-US" smtClean="0"/>
-              <a:t>01-Oct-15</a:t>
+              <a:t>02/10/2015</a:t>
             </a:fld>
             <a:endParaRPr lang="en-US"/>
           </a:p>
@@ -1832,37 +4515,22 @@
       </p:sp>
       <p:sp>
         <p:nvSpPr>
-          <p:cNvPr id="3" name="Footer Placeholder 2"/>
-          <p:cNvSpPr>
-            <a:spLocks noGrp="1"/>
-          </p:cNvSpPr>
-          <p:nvPr>
-            <p:ph type="ftr" sz="quarter" idx="11"/>
+          <p:cNvPr id="4" name="Slide Number Placeholder 3"/>
+          <p:cNvSpPr>
+            <a:spLocks noGrp="1"/>
+          </p:cNvSpPr>
+          <p:nvPr>
+            <p:ph type="sldNum" sz="quarter" idx="12"/>
           </p:nvPr>
         </p:nvSpPr>
         <p:spPr/>
         <p:txBody>
           <a:bodyPr/>
-          <a:lstStyle/>
-          <a:p>
-            <a:endParaRPr lang="en-US"/>
-          </a:p>
-        </p:txBody>
-      </p:sp>
-      <p:sp>
-        <p:nvSpPr>
-          <p:cNvPr id="4" name="Slide Number Placeholder 3"/>
-          <p:cNvSpPr>
-            <a:spLocks noGrp="1"/>
-          </p:cNvSpPr>
-          <p:nvPr>
-            <p:ph type="sldNum" sz="quarter" idx="12"/>
-          </p:nvPr>
-        </p:nvSpPr>
-        <p:spPr/>
-        <p:txBody>
-          <a:bodyPr/>
-          <a:lstStyle/>
+          <a:lstStyle>
+            <a:lvl1pPr>
+              <a:defRPr/>
+            </a:lvl1pPr>
+          </a:lstStyle>
           <a:p>
             <a:fld id="{045B3F0B-CC05-4723-8CC3-CA1B0DF3ABD8}" type="slidenum">
               <a:rPr lang="en-US" smtClean="0"/>
@@ -1875,7 +4543,7 @@
     </p:spTree>
     <p:extLst>
       <p:ext uri="{BB962C8B-B14F-4D97-AF65-F5344CB8AC3E}">
-        <p14:creationId xmlns:p14="http://schemas.microsoft.com/office/powerpoint/2010/main" val="4136306844"/>
+        <p14:creationId xmlns:p14="http://schemas.microsoft.com/office/powerpoint/2010/main" val="1348416279"/>
       </p:ext>
     </p:extLst>
   </p:cSld>
@@ -1914,8 +4582,8 @@
         </p:nvSpPr>
         <p:spPr>
           <a:xfrm>
-            <a:off x="839788" y="457200"/>
-            <a:ext cx="3932237" cy="1600200"/>
+            <a:off x="840318" y="457200"/>
+            <a:ext cx="3932767" cy="1600200"/>
           </a:xfrm>
         </p:spPr>
         <p:txBody>
@@ -1946,7 +4614,7 @@
         </p:nvSpPr>
         <p:spPr>
           <a:xfrm>
-            <a:off x="5183188" y="987425"/>
+            <a:off x="5183717" y="987426"/>
             <a:ext cx="6172200" cy="4873625"/>
           </a:xfrm>
         </p:spPr>
@@ -2031,8 +4699,8 @@
         </p:nvSpPr>
         <p:spPr>
           <a:xfrm>
-            <a:off x="839788" y="2057400"/>
-            <a:ext cx="3932237" cy="3811588"/>
+            <a:off x="840318" y="2057400"/>
+            <a:ext cx="3932767" cy="3811588"/>
           </a:xfrm>
         </p:spPr>
         <p:txBody>
@@ -2086,22 +4754,49 @@
       </p:sp>
       <p:sp>
         <p:nvSpPr>
-          <p:cNvPr id="5" name="Date Placeholder 4"/>
-          <p:cNvSpPr>
-            <a:spLocks noGrp="1"/>
-          </p:cNvSpPr>
-          <p:nvPr>
-            <p:ph type="dt" sz="half" idx="10"/>
+          <p:cNvPr id="5" name="Footer Placeholder 4"/>
+          <p:cNvSpPr>
+            <a:spLocks noGrp="1"/>
+          </p:cNvSpPr>
+          <p:nvPr>
+            <p:ph type="ftr" sz="quarter" idx="10"/>
           </p:nvPr>
         </p:nvSpPr>
         <p:spPr/>
         <p:txBody>
           <a:bodyPr/>
-          <a:lstStyle/>
+          <a:lstStyle>
+            <a:lvl1pPr>
+              <a:defRPr/>
+            </a:lvl1pPr>
+          </a:lstStyle>
+          <a:p>
+            <a:endParaRPr lang="en-US"/>
+          </a:p>
+        </p:txBody>
+      </p:sp>
+      <p:sp>
+        <p:nvSpPr>
+          <p:cNvPr id="6" name="Date Placeholder 5"/>
+          <p:cNvSpPr>
+            <a:spLocks noGrp="1"/>
+          </p:cNvSpPr>
+          <p:nvPr>
+            <p:ph type="dt" sz="half" idx="11"/>
+          </p:nvPr>
+        </p:nvSpPr>
+        <p:spPr/>
+        <p:txBody>
+          <a:bodyPr/>
+          <a:lstStyle>
+            <a:lvl1pPr>
+              <a:defRPr/>
+            </a:lvl1pPr>
+          </a:lstStyle>
           <a:p>
             <a:fld id="{5F6ED6E0-D8FB-42FD-A3DC-22CC4FD63A42}" type="datetimeFigureOut">
               <a:rPr lang="en-US" smtClean="0"/>
-              <a:t>01-Oct-15</a:t>
+              <a:t>02/10/2015</a:t>
             </a:fld>
             <a:endParaRPr lang="en-US"/>
           </a:p>
@@ -2109,37 +4804,22 @@
       </p:sp>
       <p:sp>
         <p:nvSpPr>
-          <p:cNvPr id="6" name="Footer Placeholder 5"/>
-          <p:cNvSpPr>
-            <a:spLocks noGrp="1"/>
-          </p:cNvSpPr>
-          <p:nvPr>
-            <p:ph type="ftr" sz="quarter" idx="11"/>
+          <p:cNvPr id="7" name="Slide Number Placeholder 6"/>
+          <p:cNvSpPr>
+            <a:spLocks noGrp="1"/>
+          </p:cNvSpPr>
+          <p:nvPr>
+            <p:ph type="sldNum" sz="quarter" idx="12"/>
           </p:nvPr>
         </p:nvSpPr>
         <p:spPr/>
         <p:txBody>
           <a:bodyPr/>
-          <a:lstStyle/>
-          <a:p>
-            <a:endParaRPr lang="en-US"/>
-          </a:p>
-        </p:txBody>
-      </p:sp>
-      <p:sp>
-        <p:nvSpPr>
-          <p:cNvPr id="7" name="Slide Number Placeholder 6"/>
-          <p:cNvSpPr>
-            <a:spLocks noGrp="1"/>
-          </p:cNvSpPr>
-          <p:nvPr>
-            <p:ph type="sldNum" sz="quarter" idx="12"/>
-          </p:nvPr>
-        </p:nvSpPr>
-        <p:spPr/>
-        <p:txBody>
-          <a:bodyPr/>
-          <a:lstStyle/>
+          <a:lstStyle>
+            <a:lvl1pPr>
+              <a:defRPr/>
+            </a:lvl1pPr>
+          </a:lstStyle>
           <a:p>
             <a:fld id="{045B3F0B-CC05-4723-8CC3-CA1B0DF3ABD8}" type="slidenum">
               <a:rPr lang="en-US" smtClean="0"/>
@@ -2152,7 +4832,7 @@
     </p:spTree>
     <p:extLst>
       <p:ext uri="{BB962C8B-B14F-4D97-AF65-F5344CB8AC3E}">
-        <p14:creationId xmlns:p14="http://schemas.microsoft.com/office/powerpoint/2010/main" val="1373108195"/>
+        <p14:creationId xmlns:p14="http://schemas.microsoft.com/office/powerpoint/2010/main" val="417112225"/>
       </p:ext>
     </p:extLst>
   </p:cSld>
@@ -2191,8 +4871,8 @@
         </p:nvSpPr>
         <p:spPr>
           <a:xfrm>
-            <a:off x="839788" y="457200"/>
-            <a:ext cx="3932237" cy="1600200"/>
+            <a:off x="840318" y="457200"/>
+            <a:ext cx="3932767" cy="1600200"/>
           </a:xfrm>
         </p:spPr>
         <p:txBody>
@@ -2223,7 +4903,7 @@
         </p:nvSpPr>
         <p:spPr>
           <a:xfrm>
-            <a:off x="5183188" y="987425"/>
+            <a:off x="5183717" y="987426"/>
             <a:ext cx="6172200" cy="4873625"/>
           </a:xfrm>
         </p:spPr>
@@ -2268,6 +4948,10 @@
             </a:lvl9pPr>
           </a:lstStyle>
           <a:p>
+            <a:r>
+              <a:rPr lang="en-US" smtClean="0"/>
+              <a:t>Click icon to add picture</a:t>
+            </a:r>
             <a:endParaRPr lang="en-US"/>
           </a:p>
         </p:txBody>
@@ -2284,8 +4968,8 @@
         </p:nvSpPr>
         <p:spPr>
           <a:xfrm>
-            <a:off x="839788" y="2057400"/>
-            <a:ext cx="3932237" cy="3811588"/>
+            <a:off x="840318" y="2057400"/>
+            <a:ext cx="3932767" cy="3811588"/>
           </a:xfrm>
         </p:spPr>
         <p:txBody>
@@ -2339,22 +5023,49 @@
       </p:sp>
       <p:sp>
         <p:nvSpPr>
-          <p:cNvPr id="5" name="Date Placeholder 4"/>
-          <p:cNvSpPr>
-            <a:spLocks noGrp="1"/>
-          </p:cNvSpPr>
-          <p:nvPr>
-            <p:ph type="dt" sz="half" idx="10"/>
+          <p:cNvPr id="5" name="Footer Placeholder 4"/>
+          <p:cNvSpPr>
+            <a:spLocks noGrp="1"/>
+          </p:cNvSpPr>
+          <p:nvPr>
+            <p:ph type="ftr" sz="quarter" idx="10"/>
           </p:nvPr>
         </p:nvSpPr>
         <p:spPr/>
         <p:txBody>
           <a:bodyPr/>
-          <a:lstStyle/>
+          <a:lstStyle>
+            <a:lvl1pPr>
+              <a:defRPr/>
+            </a:lvl1pPr>
+          </a:lstStyle>
+          <a:p>
+            <a:endParaRPr lang="en-US"/>
+          </a:p>
+        </p:txBody>
+      </p:sp>
+      <p:sp>
+        <p:nvSpPr>
+          <p:cNvPr id="6" name="Date Placeholder 5"/>
+          <p:cNvSpPr>
+            <a:spLocks noGrp="1"/>
+          </p:cNvSpPr>
+          <p:nvPr>
+            <p:ph type="dt" sz="half" idx="11"/>
+          </p:nvPr>
+        </p:nvSpPr>
+        <p:spPr/>
+        <p:txBody>
+          <a:bodyPr/>
+          <a:lstStyle>
+            <a:lvl1pPr>
+              <a:defRPr/>
+            </a:lvl1pPr>
+          </a:lstStyle>
           <a:p>
             <a:fld id="{5F6ED6E0-D8FB-42FD-A3DC-22CC4FD63A42}" type="datetimeFigureOut">
               <a:rPr lang="en-US" smtClean="0"/>
-              <a:t>01-Oct-15</a:t>
+              <a:t>02/10/2015</a:t>
             </a:fld>
             <a:endParaRPr lang="en-US"/>
           </a:p>
@@ -2362,37 +5073,22 @@
       </p:sp>
       <p:sp>
         <p:nvSpPr>
-          <p:cNvPr id="6" name="Footer Placeholder 5"/>
-          <p:cNvSpPr>
-            <a:spLocks noGrp="1"/>
-          </p:cNvSpPr>
-          <p:nvPr>
-            <p:ph type="ftr" sz="quarter" idx="11"/>
+          <p:cNvPr id="7" name="Slide Number Placeholder 6"/>
+          <p:cNvSpPr>
+            <a:spLocks noGrp="1"/>
+          </p:cNvSpPr>
+          <p:nvPr>
+            <p:ph type="sldNum" sz="quarter" idx="12"/>
           </p:nvPr>
         </p:nvSpPr>
         <p:spPr/>
         <p:txBody>
           <a:bodyPr/>
-          <a:lstStyle/>
-          <a:p>
-            <a:endParaRPr lang="en-US"/>
-          </a:p>
-        </p:txBody>
-      </p:sp>
-      <p:sp>
-        <p:nvSpPr>
-          <p:cNvPr id="7" name="Slide Number Placeholder 6"/>
-          <p:cNvSpPr>
-            <a:spLocks noGrp="1"/>
-          </p:cNvSpPr>
-          <p:nvPr>
-            <p:ph type="sldNum" sz="quarter" idx="12"/>
-          </p:nvPr>
-        </p:nvSpPr>
-        <p:spPr/>
-        <p:txBody>
-          <a:bodyPr/>
-          <a:lstStyle/>
+          <a:lstStyle>
+            <a:lvl1pPr>
+              <a:defRPr/>
+            </a:lvl1pPr>
+          </a:lstStyle>
           <a:p>
             <a:fld id="{045B3F0B-CC05-4723-8CC3-CA1B0DF3ABD8}" type="slidenum">
               <a:rPr lang="en-US" smtClean="0"/>
@@ -2405,7 +5101,7 @@
     </p:spTree>
     <p:extLst>
       <p:ext uri="{BB962C8B-B14F-4D97-AF65-F5344CB8AC3E}">
-        <p14:creationId xmlns:p14="http://schemas.microsoft.com/office/powerpoint/2010/main" val="1289530989"/>
+        <p14:creationId xmlns:p14="http://schemas.microsoft.com/office/powerpoint/2010/main" val="1044021575"/>
       </p:ext>
     </p:extLst>
   </p:cSld>
@@ -2416,12 +5112,19 @@
 </file>
 
 <file path=ppt/slideMasters/slideMaster1.xml><?xml version="1.0" encoding="utf-8"?>
-<p:sldMaster xmlns:a="http://schemas.openxmlformats.org/drawingml/2006/main" xmlns:r="http://schemas.openxmlformats.org/officeDocument/2006/relationships" xmlns:p="http://schemas.openxmlformats.org/presentationml/2006/main">
+<p:sldMaster xmlns:a="http://schemas.openxmlformats.org/drawingml/2006/main" xmlns:r="http://schemas.openxmlformats.org/officeDocument/2006/relationships" xmlns:p="http://schemas.openxmlformats.org/presentationml/2006/main" preserve="1">
   <p:cSld>
-    <p:bg>
-      <p:bgRef idx="1001">
-        <a:schemeClr val="bg1"/>
-      </p:bgRef>
+    <p:bg bwMode="auto">
+      <p:bgPr>
+        <a:blipFill dpi="0" rotWithShape="0">
+          <a:blip r:embed="rId13"/>
+          <a:srcRect/>
+          <a:stretch>
+            <a:fillRect/>
+          </a:stretch>
+        </a:blipFill>
+        <a:effectLst/>
+      </p:bgPr>
     </p:bg>
     <p:spTree>
       <p:nvGrpSpPr>
@@ -2439,207 +5142,497 @@
       </p:grpSpPr>
       <p:sp>
         <p:nvSpPr>
-          <p:cNvPr id="2" name="Title Placeholder 1"/>
-          <p:cNvSpPr>
-            <a:spLocks noGrp="1"/>
-          </p:cNvSpPr>
-          <p:nvPr>
-            <p:ph type="title"/>
-          </p:nvPr>
-        </p:nvSpPr>
-        <p:spPr>
+          <p:cNvPr id="1026" name="Rectangle 5"/>
+          <p:cNvSpPr>
+            <a:spLocks noGrp="1" noChangeArrowheads="1"/>
+          </p:cNvSpPr>
+          <p:nvPr>
+            <p:ph type="ftr" sz="quarter" idx="3"/>
+          </p:nvPr>
+        </p:nvSpPr>
+        <p:spPr bwMode="auto">
           <a:xfrm>
-            <a:off x="838200" y="365125"/>
-            <a:ext cx="10515600" cy="1325563"/>
+            <a:off x="4165600" y="6365875"/>
+            <a:ext cx="3860800" cy="247650"/>
           </a:xfrm>
           <a:prstGeom prst="rect">
             <a:avLst/>
           </a:prstGeom>
+          <a:noFill/>
+          <a:ln>
+            <a:noFill/>
+          </a:ln>
+          <a:extLst>
+            <a:ext uri="{909E8E84-426E-40DD-AFC4-6F175D3DCCD1}">
+              <a14:hiddenFill xmlns:a14="http://schemas.microsoft.com/office/drawing/2010/main">
+                <a:solidFill>
+                  <a:srgbClr val="FFFFFF"/>
+                </a:solidFill>
+              </a14:hiddenFill>
+            </a:ext>
+            <a:ext uri="{91240B29-F687-4F45-9708-019B960494DF}">
+              <a14:hiddenLine xmlns:a14="http://schemas.microsoft.com/office/drawing/2010/main" w="9525">
+                <a:solidFill>
+                  <a:srgbClr val="000000"/>
+                </a:solidFill>
+                <a:miter lim="800000"/>
+                <a:headEnd/>
+                <a:tailEnd/>
+              </a14:hiddenLine>
+            </a:ext>
+          </a:extLst>
         </p:spPr>
         <p:txBody>
-          <a:bodyPr vert="horz" lIns="91440" tIns="45720" rIns="91440" bIns="45720" rtlCol="0" anchor="ctr">
-            <a:normAutofit/>
+          <a:bodyPr vert="horz" wrap="square" lIns="91440" tIns="45720" rIns="91440" bIns="45720" numCol="1" anchor="t" anchorCtr="0" compatLnSpc="1">
+            <a:prstTxWarp prst="textNoShape">
+              <a:avLst/>
+            </a:prstTxWarp>
           </a:bodyPr>
-          <a:lstStyle/>
-          <a:p>
-            <a:r>
-              <a:rPr lang="en-US" smtClean="0"/>
-              <a:t>Click to edit Master title style</a:t>
-            </a:r>
+          <a:lstStyle>
+            <a:lvl1pPr algn="ctr">
+              <a:defRPr sz="1000" noProof="1">
+                <a:solidFill>
+                  <a:schemeClr val="bg1"/>
+                </a:solidFill>
+                <a:cs typeface="Arial" panose="020B0604020202020204" pitchFamily="34" charset="0"/>
+              </a:defRPr>
+            </a:lvl1pPr>
+          </a:lstStyle>
+          <a:p>
             <a:endParaRPr lang="en-US"/>
           </a:p>
         </p:txBody>
       </p:sp>
       <p:sp>
         <p:nvSpPr>
-          <p:cNvPr id="3" name="Text Placeholder 2"/>
-          <p:cNvSpPr>
-            <a:spLocks noGrp="1"/>
-          </p:cNvSpPr>
-          <p:nvPr>
-            <p:ph type="body" idx="1"/>
-          </p:nvPr>
-        </p:nvSpPr>
-        <p:spPr>
+          <p:cNvPr id="1027" name="Rectangle 3"/>
+          <p:cNvSpPr>
+            <a:spLocks noChangeArrowheads="1"/>
+          </p:cNvSpPr>
+          <p:nvPr/>
+        </p:nvSpPr>
+        <p:spPr bwMode="auto">
           <a:xfrm>
-            <a:off x="838200" y="1825625"/>
-            <a:ext cx="10515600" cy="4351338"/>
+            <a:off x="292101" y="6365875"/>
+            <a:ext cx="1790700" cy="247650"/>
           </a:xfrm>
           <a:prstGeom prst="rect">
             <a:avLst/>
           </a:prstGeom>
+          <a:noFill/>
+          <a:ln>
+            <a:noFill/>
+          </a:ln>
+          <a:extLst>
+            <a:ext uri="{909E8E84-426E-40DD-AFC4-6F175D3DCCD1}">
+              <a14:hiddenFill xmlns:a14="http://schemas.microsoft.com/office/drawing/2010/main">
+                <a:solidFill>
+                  <a:srgbClr val="FFFFFF"/>
+                </a:solidFill>
+              </a14:hiddenFill>
+            </a:ext>
+            <a:ext uri="{91240B29-F687-4F45-9708-019B960494DF}">
+              <a14:hiddenLine xmlns:a14="http://schemas.microsoft.com/office/drawing/2010/main" w="9525">
+                <a:solidFill>
+                  <a:srgbClr val="000000"/>
+                </a:solidFill>
+                <a:miter lim="800000"/>
+                <a:headEnd/>
+                <a:tailEnd/>
+              </a14:hiddenLine>
+            </a:ext>
+          </a:extLst>
         </p:spPr>
         <p:txBody>
-          <a:bodyPr vert="horz" lIns="91440" tIns="45720" rIns="91440" bIns="45720" rtlCol="0">
-            <a:normAutofit/>
-          </a:bodyPr>
-          <a:lstStyle/>
-          <a:p>
-            <a:pPr lvl="0"/>
-            <a:r>
-              <a:rPr lang="en-US" smtClean="0"/>
-              <a:t>Click to edit Master text styles</a:t>
-            </a:r>
-          </a:p>
-          <a:p>
-            <a:pPr lvl="1"/>
-            <a:r>
-              <a:rPr lang="en-US" smtClean="0"/>
-              <a:t>Second level</a:t>
-            </a:r>
-          </a:p>
-          <a:p>
-            <a:pPr lvl="2"/>
-            <a:r>
-              <a:rPr lang="en-US" smtClean="0"/>
-              <a:t>Third level</a:t>
-            </a:r>
-          </a:p>
-          <a:p>
-            <a:pPr lvl="3"/>
-            <a:r>
-              <a:rPr lang="en-US" smtClean="0"/>
-              <a:t>Fourth level</a:t>
-            </a:r>
-          </a:p>
-          <a:p>
-            <a:pPr lvl="4"/>
-            <a:r>
-              <a:rPr lang="en-US" smtClean="0"/>
-              <a:t>Fifth level</a:t>
-            </a:r>
-            <a:endParaRPr lang="en-US"/>
-          </a:p>
-        </p:txBody>
-      </p:sp>
-      <p:sp>
-        <p:nvSpPr>
-          <p:cNvPr id="4" name="Date Placeholder 3"/>
-          <p:cNvSpPr>
-            <a:spLocks noGrp="1"/>
-          </p:cNvSpPr>
-          <p:nvPr>
-            <p:ph type="dt" sz="half" idx="2"/>
-          </p:nvPr>
-        </p:nvSpPr>
-        <p:spPr>
+          <a:bodyPr/>
+          <a:lstStyle>
+            <a:lvl1pPr>
+              <a:defRPr sz="2400">
+                <a:solidFill>
+                  <a:schemeClr val="tx1"/>
+                </a:solidFill>
+                <a:latin typeface="Arial" panose="020B0604020202020204" pitchFamily="34" charset="0"/>
+              </a:defRPr>
+            </a:lvl1pPr>
+            <a:lvl2pPr marL="742950" indent="-285750">
+              <a:defRPr sz="2400">
+                <a:solidFill>
+                  <a:schemeClr val="tx1"/>
+                </a:solidFill>
+                <a:latin typeface="Arial" panose="020B0604020202020204" pitchFamily="34" charset="0"/>
+              </a:defRPr>
+            </a:lvl2pPr>
+            <a:lvl3pPr marL="1143000" indent="-228600">
+              <a:defRPr sz="2400">
+                <a:solidFill>
+                  <a:schemeClr val="tx1"/>
+                </a:solidFill>
+                <a:latin typeface="Arial" panose="020B0604020202020204" pitchFamily="34" charset="0"/>
+              </a:defRPr>
+            </a:lvl3pPr>
+            <a:lvl4pPr marL="1600200" indent="-228600">
+              <a:defRPr sz="2400">
+                <a:solidFill>
+                  <a:schemeClr val="tx1"/>
+                </a:solidFill>
+                <a:latin typeface="Arial" panose="020B0604020202020204" pitchFamily="34" charset="0"/>
+              </a:defRPr>
+            </a:lvl4pPr>
+            <a:lvl5pPr marL="2057400" indent="-228600">
+              <a:defRPr sz="2400">
+                <a:solidFill>
+                  <a:schemeClr val="tx1"/>
+                </a:solidFill>
+                <a:latin typeface="Arial" panose="020B0604020202020204" pitchFamily="34" charset="0"/>
+              </a:defRPr>
+            </a:lvl5pPr>
+            <a:lvl6pPr marL="2514600" indent="-228600" fontAlgn="base">
+              <a:spcBef>
+                <a:spcPct val="0"/>
+              </a:spcBef>
+              <a:spcAft>
+                <a:spcPct val="0"/>
+              </a:spcAft>
+              <a:defRPr sz="2400">
+                <a:solidFill>
+                  <a:schemeClr val="tx1"/>
+                </a:solidFill>
+                <a:latin typeface="Arial" panose="020B0604020202020204" pitchFamily="34" charset="0"/>
+              </a:defRPr>
+            </a:lvl6pPr>
+            <a:lvl7pPr marL="2971800" indent="-228600" fontAlgn="base">
+              <a:spcBef>
+                <a:spcPct val="0"/>
+              </a:spcBef>
+              <a:spcAft>
+                <a:spcPct val="0"/>
+              </a:spcAft>
+              <a:defRPr sz="2400">
+                <a:solidFill>
+                  <a:schemeClr val="tx1"/>
+                </a:solidFill>
+                <a:latin typeface="Arial" panose="020B0604020202020204" pitchFamily="34" charset="0"/>
+              </a:defRPr>
+            </a:lvl7pPr>
+            <a:lvl8pPr marL="3429000" indent="-228600" fontAlgn="base">
+              <a:spcBef>
+                <a:spcPct val="0"/>
+              </a:spcBef>
+              <a:spcAft>
+                <a:spcPct val="0"/>
+              </a:spcAft>
+              <a:defRPr sz="2400">
+                <a:solidFill>
+                  <a:schemeClr val="tx1"/>
+                </a:solidFill>
+                <a:latin typeface="Arial" panose="020B0604020202020204" pitchFamily="34" charset="0"/>
+              </a:defRPr>
+            </a:lvl8pPr>
+            <a:lvl9pPr marL="3886200" indent="-228600" fontAlgn="base">
+              <a:spcBef>
+                <a:spcPct val="0"/>
+              </a:spcBef>
+              <a:spcAft>
+                <a:spcPct val="0"/>
+              </a:spcAft>
+              <a:defRPr sz="2400">
+                <a:solidFill>
+                  <a:schemeClr val="tx1"/>
+                </a:solidFill>
+                <a:latin typeface="Arial" panose="020B0604020202020204" pitchFamily="34" charset="0"/>
+              </a:defRPr>
+            </a:lvl9pPr>
+          </a:lstStyle>
+          <a:p>
+            <a:r>
+              <a:rPr lang="de-DE" altLang="en-US" sz="1000">
+                <a:cs typeface="Arial" panose="020B0604020202020204" pitchFamily="34" charset="0"/>
+              </a:rPr>
+              <a:t>Page </a:t>
+            </a:r>
+            <a:r>
+              <a:rPr lang="de-DE" altLang="en-US" sz="1000">
+                <a:cs typeface="Arial" panose="020B0604020202020204" pitchFamily="34" charset="0"/>
+                <a:sym typeface="Wingdings" panose="05000000000000000000" pitchFamily="2" charset="2"/>
+              </a:rPr>
+              <a:t></a:t>
+            </a:r>
+            <a:r>
+              <a:rPr lang="de-DE" altLang="en-US" sz="1000">
+                <a:cs typeface="Arial" panose="020B0604020202020204" pitchFamily="34" charset="0"/>
+              </a:rPr>
+              <a:t> </a:t>
+            </a:r>
+            <a:fld id="{DFC1741B-D73E-4690-BA19-F2C8D520BB72}" type="slidenum">
+              <a:rPr lang="de-DE" altLang="en-US" sz="1000">
+                <a:cs typeface="Arial" panose="020B0604020202020204" pitchFamily="34" charset="0"/>
+              </a:rPr>
+              <a:pPr/>
+              <a:t>‹#›</a:t>
+            </a:fld>
+            <a:endParaRPr lang="de-DE" altLang="en-US" sz="1000">
+              <a:cs typeface="Arial" panose="020B0604020202020204" pitchFamily="34" charset="0"/>
+            </a:endParaRPr>
+          </a:p>
+        </p:txBody>
+      </p:sp>
+      <p:sp>
+        <p:nvSpPr>
+          <p:cNvPr id="1028" name="Rectangle 4"/>
+          <p:cNvSpPr>
+            <a:spLocks noChangeArrowheads="1"/>
+          </p:cNvSpPr>
+          <p:nvPr>
+            <p:ph type="title"/>
+          </p:nvPr>
+        </p:nvSpPr>
+        <p:spPr bwMode="auto">
           <a:xfrm>
-            <a:off x="838200" y="6356350"/>
-            <a:ext cx="2743200" cy="365125"/>
+            <a:off x="575733" y="176213"/>
+            <a:ext cx="10972800" cy="698500"/>
           </a:xfrm>
           <a:prstGeom prst="rect">
             <a:avLst/>
           </a:prstGeom>
+          <a:noFill/>
+          <a:ln>
+            <a:noFill/>
+          </a:ln>
+          <a:extLst>
+            <a:ext uri="{909E8E84-426E-40DD-AFC4-6F175D3DCCD1}">
+              <a14:hiddenFill xmlns:a14="http://schemas.microsoft.com/office/drawing/2010/main">
+                <a:solidFill>
+                  <a:schemeClr val="accent1"/>
+                </a:solidFill>
+              </a14:hiddenFill>
+            </a:ext>
+            <a:ext uri="{91240B29-F687-4F45-9708-019B960494DF}">
+              <a14:hiddenLine xmlns:a14="http://schemas.microsoft.com/office/drawing/2010/main" w="9525">
+                <a:solidFill>
+                  <a:srgbClr val="000000"/>
+                </a:solidFill>
+                <a:miter lim="800000"/>
+                <a:headEnd/>
+                <a:tailEnd/>
+              </a14:hiddenLine>
+            </a:ext>
+          </a:extLst>
         </p:spPr>
         <p:txBody>
-          <a:bodyPr vert="horz" lIns="91440" tIns="45720" rIns="91440" bIns="45720" rtlCol="0" anchor="ctr"/>
-          <a:lstStyle>
-            <a:lvl1pPr algn="l">
-              <a:defRPr sz="1200">
-                <a:solidFill>
-                  <a:schemeClr val="tx1">
-                    <a:tint val="75000"/>
-                  </a:schemeClr>
-                </a:solidFill>
-              </a:defRPr>
-            </a:lvl1pPr>
-          </a:lstStyle>
-          <a:p>
-            <a:fld id="{5F6ED6E0-D8FB-42FD-A3DC-22CC4FD63A42}" type="datetimeFigureOut">
-              <a:rPr lang="en-US" smtClean="0"/>
-              <a:t>01-Oct-15</a:t>
-            </a:fld>
-            <a:endParaRPr lang="en-US"/>
-          </a:p>
-        </p:txBody>
-      </p:sp>
-      <p:sp>
-        <p:nvSpPr>
-          <p:cNvPr id="5" name="Footer Placeholder 4"/>
-          <p:cNvSpPr>
-            <a:spLocks noGrp="1"/>
-          </p:cNvSpPr>
-          <p:nvPr>
-            <p:ph type="ftr" sz="quarter" idx="3"/>
-          </p:nvPr>
-        </p:nvSpPr>
-        <p:spPr>
+          <a:bodyPr vert="horz" wrap="square" lIns="91440" tIns="45720" rIns="91440" bIns="45720" numCol="1" anchor="ctr" anchorCtr="0" compatLnSpc="1">
+            <a:prstTxWarp prst="textNoShape">
+              <a:avLst/>
+            </a:prstTxWarp>
+          </a:bodyPr>
+          <a:lstStyle/>
+          <a:p>
+            <a:pPr lvl="0"/>
+            <a:r>
+              <a:rPr lang="en-US" altLang="en-US" smtClean="0"/>
+              <a:t>单击此处编辑母版标题样式</a:t>
+            </a:r>
+          </a:p>
+        </p:txBody>
+      </p:sp>
+      <p:sp>
+        <p:nvSpPr>
+          <p:cNvPr id="1029" name="Rectangle 5"/>
+          <p:cNvSpPr>
+            <a:spLocks noChangeArrowheads="1"/>
+          </p:cNvSpPr>
+          <p:nvPr>
+            <p:ph type="body" idx="1"/>
+          </p:nvPr>
+        </p:nvSpPr>
+        <p:spPr bwMode="auto">
           <a:xfrm>
-            <a:off x="4038600" y="6356350"/>
-            <a:ext cx="4114800" cy="365125"/>
+            <a:off x="609600" y="1241425"/>
+            <a:ext cx="10972800" cy="4776788"/>
           </a:xfrm>
           <a:prstGeom prst="rect">
             <a:avLst/>
           </a:prstGeom>
+          <a:noFill/>
+          <a:ln>
+            <a:noFill/>
+          </a:ln>
+          <a:extLst>
+            <a:ext uri="{909E8E84-426E-40DD-AFC4-6F175D3DCCD1}">
+              <a14:hiddenFill xmlns:a14="http://schemas.microsoft.com/office/drawing/2010/main">
+                <a:solidFill>
+                  <a:schemeClr val="accent1"/>
+                </a:solidFill>
+              </a14:hiddenFill>
+            </a:ext>
+            <a:ext uri="{91240B29-F687-4F45-9708-019B960494DF}">
+              <a14:hiddenLine xmlns:a14="http://schemas.microsoft.com/office/drawing/2010/main" w="9525">
+                <a:solidFill>
+                  <a:srgbClr val="000000"/>
+                </a:solidFill>
+                <a:miter lim="800000"/>
+                <a:headEnd/>
+                <a:tailEnd/>
+              </a14:hiddenLine>
+            </a:ext>
+          </a:extLst>
         </p:spPr>
         <p:txBody>
-          <a:bodyPr vert="horz" lIns="91440" tIns="45720" rIns="91440" bIns="45720" rtlCol="0" anchor="ctr"/>
-          <a:lstStyle>
-            <a:lvl1pPr algn="ctr">
-              <a:defRPr sz="1200">
-                <a:solidFill>
-                  <a:schemeClr val="tx1">
-                    <a:tint val="75000"/>
-                  </a:schemeClr>
-                </a:solidFill>
-              </a:defRPr>
-            </a:lvl1pPr>
-          </a:lstStyle>
-          <a:p>
-            <a:endParaRPr lang="en-US"/>
-          </a:p>
-        </p:txBody>
-      </p:sp>
-      <p:sp>
-        <p:nvSpPr>
-          <p:cNvPr id="6" name="Slide Number Placeholder 5"/>
-          <p:cNvSpPr>
-            <a:spLocks noGrp="1"/>
-          </p:cNvSpPr>
-          <p:nvPr>
-            <p:ph type="sldNum" sz="quarter" idx="4"/>
-          </p:nvPr>
-        </p:nvSpPr>
-        <p:spPr>
+          <a:bodyPr vert="horz" wrap="square" lIns="91440" tIns="45720" rIns="91440" bIns="45720" numCol="1" anchor="t" anchorCtr="0" compatLnSpc="1">
+            <a:prstTxWarp prst="textNoShape">
+              <a:avLst/>
+            </a:prstTxWarp>
+          </a:bodyPr>
+          <a:lstStyle/>
+          <a:p>
+            <a:pPr lvl="0"/>
+            <a:r>
+              <a:rPr lang="en-US" altLang="en-US" smtClean="0"/>
+              <a:t>单击此处编辑母版文本样式</a:t>
+            </a:r>
+          </a:p>
+          <a:p>
+            <a:pPr lvl="1"/>
+            <a:r>
+              <a:rPr lang="en-US" altLang="en-US" smtClean="0"/>
+              <a:t>第二级</a:t>
+            </a:r>
+          </a:p>
+          <a:p>
+            <a:pPr lvl="2"/>
+            <a:r>
+              <a:rPr lang="en-US" altLang="en-US" smtClean="0"/>
+              <a:t>第三级</a:t>
+            </a:r>
+          </a:p>
+          <a:p>
+            <a:pPr lvl="3"/>
+            <a:r>
+              <a:rPr lang="en-US" altLang="en-US" smtClean="0"/>
+              <a:t>第四级</a:t>
+            </a:r>
+          </a:p>
+          <a:p>
+            <a:pPr lvl="4"/>
+            <a:r>
+              <a:rPr lang="en-US" altLang="en-US" smtClean="0"/>
+              <a:t>第五级</a:t>
+            </a:r>
+          </a:p>
+        </p:txBody>
+      </p:sp>
+      <p:sp>
+        <p:nvSpPr>
+          <p:cNvPr id="1030" name="Rectangle 6"/>
+          <p:cNvSpPr>
+            <a:spLocks noChangeArrowheads="1"/>
+          </p:cNvSpPr>
+          <p:nvPr>
+            <p:ph type="dt" sz="half" idx="2"/>
+          </p:nvPr>
+        </p:nvSpPr>
+        <p:spPr bwMode="auto">
           <a:xfrm>
-            <a:off x="8610600" y="6356350"/>
-            <a:ext cx="2743200" cy="365125"/>
+            <a:off x="609600" y="6245225"/>
+            <a:ext cx="2844800" cy="476250"/>
           </a:xfrm>
           <a:prstGeom prst="rect">
             <a:avLst/>
           </a:prstGeom>
+          <a:noFill/>
+          <a:ln>
+            <a:noFill/>
+          </a:ln>
+          <a:extLst>
+            <a:ext uri="{909E8E84-426E-40DD-AFC4-6F175D3DCCD1}">
+              <a14:hiddenFill xmlns:a14="http://schemas.microsoft.com/office/drawing/2010/main">
+                <a:solidFill>
+                  <a:schemeClr val="accent1"/>
+                </a:solidFill>
+              </a14:hiddenFill>
+            </a:ext>
+            <a:ext uri="{91240B29-F687-4F45-9708-019B960494DF}">
+              <a14:hiddenLine xmlns:a14="http://schemas.microsoft.com/office/drawing/2010/main" w="9525">
+                <a:solidFill>
+                  <a:srgbClr val="000000"/>
+                </a:solidFill>
+                <a:miter lim="800000"/>
+                <a:headEnd/>
+                <a:tailEnd/>
+              </a14:hiddenLine>
+            </a:ext>
+          </a:extLst>
         </p:spPr>
         <p:txBody>
-          <a:bodyPr vert="horz" lIns="91440" tIns="45720" rIns="91440" bIns="45720" rtlCol="0" anchor="ctr"/>
+          <a:bodyPr vert="horz" wrap="square" lIns="91440" tIns="45720" rIns="91440" bIns="45720" numCol="1" anchor="t" anchorCtr="0" compatLnSpc="1">
+            <a:prstTxWarp prst="textNoShape">
+              <a:avLst/>
+            </a:prstTxWarp>
+          </a:bodyPr>
+          <a:lstStyle>
+            <a:lvl1pPr>
+              <a:defRPr sz="1400"/>
+            </a:lvl1pPr>
+          </a:lstStyle>
+          <a:p>
+            <a:fld id="{5F6ED6E0-D8FB-42FD-A3DC-22CC4FD63A42}" type="datetimeFigureOut">
+              <a:rPr lang="en-US" smtClean="0"/>
+              <a:t>02/10/2015</a:t>
+            </a:fld>
+            <a:endParaRPr lang="en-US"/>
+          </a:p>
+        </p:txBody>
+      </p:sp>
+      <p:sp>
+        <p:nvSpPr>
+          <p:cNvPr id="1031" name="Rectangle 7"/>
+          <p:cNvSpPr>
+            <a:spLocks noChangeArrowheads="1"/>
+          </p:cNvSpPr>
+          <p:nvPr>
+            <p:ph type="sldNum" sz="quarter" idx="4"/>
+          </p:nvPr>
+        </p:nvSpPr>
+        <p:spPr bwMode="auto">
+          <a:xfrm>
+            <a:off x="8737600" y="6245225"/>
+            <a:ext cx="2844800" cy="476250"/>
+          </a:xfrm>
+          <a:prstGeom prst="rect">
+            <a:avLst/>
+          </a:prstGeom>
+          <a:noFill/>
+          <a:ln>
+            <a:noFill/>
+          </a:ln>
+          <a:extLst>
+            <a:ext uri="{909E8E84-426E-40DD-AFC4-6F175D3DCCD1}">
+              <a14:hiddenFill xmlns:a14="http://schemas.microsoft.com/office/drawing/2010/main">
+                <a:solidFill>
+                  <a:schemeClr val="accent1"/>
+                </a:solidFill>
+              </a14:hiddenFill>
+            </a:ext>
+            <a:ext uri="{91240B29-F687-4F45-9708-019B960494DF}">
+              <a14:hiddenLine xmlns:a14="http://schemas.microsoft.com/office/drawing/2010/main" w="9525">
+                <a:solidFill>
+                  <a:srgbClr val="000000"/>
+                </a:solidFill>
+                <a:miter lim="800000"/>
+                <a:headEnd/>
+                <a:tailEnd/>
+              </a14:hiddenLine>
+            </a:ext>
+          </a:extLst>
+        </p:spPr>
+        <p:txBody>
+          <a:bodyPr vert="horz" wrap="square" lIns="91440" tIns="45720" rIns="91440" bIns="45720" numCol="1" anchor="t" anchorCtr="0" compatLnSpc="1">
+            <a:prstTxWarp prst="textNoShape">
+              <a:avLst/>
+            </a:prstTxWarp>
+          </a:bodyPr>
           <a:lstStyle>
             <a:lvl1pPr algn="r">
-              <a:defRPr sz="1200">
-                <a:solidFill>
-                  <a:schemeClr val="tx1">
-                    <a:tint val="75000"/>
-                  </a:schemeClr>
-                </a:solidFill>
-              </a:defRPr>
+              <a:defRPr sz="1400"/>
             </a:lvl1pPr>
           </a:lstStyle>
           <a:p>
@@ -2654,35 +5647,37 @@
     </p:spTree>
     <p:extLst>
       <p:ext uri="{BB962C8B-B14F-4D97-AF65-F5344CB8AC3E}">
-        <p14:creationId xmlns:p14="http://schemas.microsoft.com/office/powerpoint/2010/main" val="3344958325"/>
+        <p14:creationId xmlns:p14="http://schemas.microsoft.com/office/powerpoint/2010/main" val="1671716283"/>
       </p:ext>
     </p:extLst>
   </p:cSld>
   <p:clrMap bg1="lt1" tx1="dk1" bg2="lt2" tx2="dk2" accent1="accent1" accent2="accent2" accent3="accent3" accent4="accent4" accent5="accent5" accent6="accent6" hlink="hlink" folHlink="folHlink"/>
   <p:sldLayoutIdLst>
-    <p:sldLayoutId id="2147483780" r:id="rId1"/>
-    <p:sldLayoutId id="2147483781" r:id="rId2"/>
-    <p:sldLayoutId id="2147483782" r:id="rId3"/>
-    <p:sldLayoutId id="2147483783" r:id="rId4"/>
-    <p:sldLayoutId id="2147483784" r:id="rId5"/>
-    <p:sldLayoutId id="2147483785" r:id="rId6"/>
-    <p:sldLayoutId id="2147483786" r:id="rId7"/>
-    <p:sldLayoutId id="2147483787" r:id="rId8"/>
-    <p:sldLayoutId id="2147483788" r:id="rId9"/>
-    <p:sldLayoutId id="2147483789" r:id="rId10"/>
-    <p:sldLayoutId id="2147483790" r:id="rId11"/>
+    <p:sldLayoutId id="2147483840" r:id="rId1"/>
+    <p:sldLayoutId id="2147483841" r:id="rId2"/>
+    <p:sldLayoutId id="2147483842" r:id="rId3"/>
+    <p:sldLayoutId id="2147483843" r:id="rId4"/>
+    <p:sldLayoutId id="2147483844" r:id="rId5"/>
+    <p:sldLayoutId id="2147483845" r:id="rId6"/>
+    <p:sldLayoutId id="2147483846" r:id="rId7"/>
+    <p:sldLayoutId id="2147483847" r:id="rId8"/>
+    <p:sldLayoutId id="2147483848" r:id="rId9"/>
+    <p:sldLayoutId id="2147483849" r:id="rId10"/>
+    <p:sldLayoutId id="2147483850" r:id="rId11"/>
   </p:sldLayoutIdLst>
   <p:txStyles>
     <p:titleStyle>
-      <a:lvl1pPr algn="l" defTabSz="914400" rtl="0" eaLnBrk="1" latinLnBrk="0" hangingPunct="1">
+      <a:lvl1pPr algn="l" rtl="0" eaLnBrk="1" fontAlgn="base" hangingPunct="1">
         <a:lnSpc>
           <a:spcPct val="90000"/>
         </a:lnSpc>
         <a:spcBef>
           <a:spcPct val="0"/>
         </a:spcBef>
-        <a:buNone/>
-        <a:defRPr sz="4400" kern="1200">
+        <a:spcAft>
+          <a:spcPct val="0"/>
+        </a:spcAft>
+        <a:defRPr sz="3000" b="1" kern="1200">
           <a:solidFill>
             <a:schemeClr val="tx1"/>
           </a:solidFill>
@@ -2691,18 +5686,162 @@
           <a:cs typeface="+mj-cs"/>
         </a:defRPr>
       </a:lvl1pPr>
-    </p:titleStyle>
-    <p:bodyStyle>
-      <a:lvl1pPr marL="228600" indent="-228600" algn="l" defTabSz="914400" rtl="0" eaLnBrk="1" latinLnBrk="0" hangingPunct="1">
+      <a:lvl2pPr algn="l" rtl="0" eaLnBrk="1" fontAlgn="base" hangingPunct="1">
         <a:lnSpc>
           <a:spcPct val="90000"/>
         </a:lnSpc>
         <a:spcBef>
-          <a:spcPts val="1000"/>
+          <a:spcPct val="0"/>
         </a:spcBef>
-        <a:buFont typeface="Arial" panose="020B0604020202020204" pitchFamily="34" charset="0"/>
-        <a:buChar char="•"/>
-        <a:defRPr sz="2800" kern="1200">
+        <a:spcAft>
+          <a:spcPct val="0"/>
+        </a:spcAft>
+        <a:defRPr sz="3000" b="1">
+          <a:solidFill>
+            <a:schemeClr val="tx1"/>
+          </a:solidFill>
+          <a:latin typeface="Arial" panose="020B0604020202020204" pitchFamily="34" charset="0"/>
+          <a:ea typeface="SimHei" panose="02010609060101010101" pitchFamily="49" charset="-122"/>
+        </a:defRPr>
+      </a:lvl2pPr>
+      <a:lvl3pPr algn="l" rtl="0" eaLnBrk="1" fontAlgn="base" hangingPunct="1">
+        <a:lnSpc>
+          <a:spcPct val="90000"/>
+        </a:lnSpc>
+        <a:spcBef>
+          <a:spcPct val="0"/>
+        </a:spcBef>
+        <a:spcAft>
+          <a:spcPct val="0"/>
+        </a:spcAft>
+        <a:defRPr sz="3000" b="1">
+          <a:solidFill>
+            <a:schemeClr val="tx1"/>
+          </a:solidFill>
+          <a:latin typeface="Arial" panose="020B0604020202020204" pitchFamily="34" charset="0"/>
+          <a:ea typeface="SimHei" panose="02010609060101010101" pitchFamily="49" charset="-122"/>
+        </a:defRPr>
+      </a:lvl3pPr>
+      <a:lvl4pPr algn="l" rtl="0" eaLnBrk="1" fontAlgn="base" hangingPunct="1">
+        <a:lnSpc>
+          <a:spcPct val="90000"/>
+        </a:lnSpc>
+        <a:spcBef>
+          <a:spcPct val="0"/>
+        </a:spcBef>
+        <a:spcAft>
+          <a:spcPct val="0"/>
+        </a:spcAft>
+        <a:defRPr sz="3000" b="1">
+          <a:solidFill>
+            <a:schemeClr val="tx1"/>
+          </a:solidFill>
+          <a:latin typeface="Arial" panose="020B0604020202020204" pitchFamily="34" charset="0"/>
+          <a:ea typeface="SimHei" panose="02010609060101010101" pitchFamily="49" charset="-122"/>
+        </a:defRPr>
+      </a:lvl4pPr>
+      <a:lvl5pPr algn="l" rtl="0" eaLnBrk="1" fontAlgn="base" hangingPunct="1">
+        <a:lnSpc>
+          <a:spcPct val="90000"/>
+        </a:lnSpc>
+        <a:spcBef>
+          <a:spcPct val="0"/>
+        </a:spcBef>
+        <a:spcAft>
+          <a:spcPct val="0"/>
+        </a:spcAft>
+        <a:defRPr sz="3000" b="1">
+          <a:solidFill>
+            <a:schemeClr val="tx1"/>
+          </a:solidFill>
+          <a:latin typeface="Arial" panose="020B0604020202020204" pitchFamily="34" charset="0"/>
+          <a:ea typeface="SimHei" panose="02010609060101010101" pitchFamily="49" charset="-122"/>
+        </a:defRPr>
+      </a:lvl5pPr>
+      <a:lvl6pPr marL="457200" algn="l" rtl="0" eaLnBrk="1" fontAlgn="base" hangingPunct="1">
+        <a:lnSpc>
+          <a:spcPct val="90000"/>
+        </a:lnSpc>
+        <a:spcBef>
+          <a:spcPct val="0"/>
+        </a:spcBef>
+        <a:spcAft>
+          <a:spcPct val="0"/>
+        </a:spcAft>
+        <a:defRPr sz="3000" b="1">
+          <a:solidFill>
+            <a:schemeClr val="tx1"/>
+          </a:solidFill>
+          <a:latin typeface="Arial" panose="020B0604020202020204" pitchFamily="34" charset="0"/>
+          <a:ea typeface="SimHei" panose="02010609060101010101" pitchFamily="49" charset="-122"/>
+        </a:defRPr>
+      </a:lvl6pPr>
+      <a:lvl7pPr marL="914400" algn="l" rtl="0" eaLnBrk="1" fontAlgn="base" hangingPunct="1">
+        <a:lnSpc>
+          <a:spcPct val="90000"/>
+        </a:lnSpc>
+        <a:spcBef>
+          <a:spcPct val="0"/>
+        </a:spcBef>
+        <a:spcAft>
+          <a:spcPct val="0"/>
+        </a:spcAft>
+        <a:defRPr sz="3000" b="1">
+          <a:solidFill>
+            <a:schemeClr val="tx1"/>
+          </a:solidFill>
+          <a:latin typeface="Arial" panose="020B0604020202020204" pitchFamily="34" charset="0"/>
+          <a:ea typeface="SimHei" panose="02010609060101010101" pitchFamily="49" charset="-122"/>
+        </a:defRPr>
+      </a:lvl7pPr>
+      <a:lvl8pPr marL="1371600" algn="l" rtl="0" eaLnBrk="1" fontAlgn="base" hangingPunct="1">
+        <a:lnSpc>
+          <a:spcPct val="90000"/>
+        </a:lnSpc>
+        <a:spcBef>
+          <a:spcPct val="0"/>
+        </a:spcBef>
+        <a:spcAft>
+          <a:spcPct val="0"/>
+        </a:spcAft>
+        <a:defRPr sz="3000" b="1">
+          <a:solidFill>
+            <a:schemeClr val="tx1"/>
+          </a:solidFill>
+          <a:latin typeface="Arial" panose="020B0604020202020204" pitchFamily="34" charset="0"/>
+          <a:ea typeface="SimHei" panose="02010609060101010101" pitchFamily="49" charset="-122"/>
+        </a:defRPr>
+      </a:lvl8pPr>
+      <a:lvl9pPr marL="1828800" algn="l" rtl="0" eaLnBrk="1" fontAlgn="base" hangingPunct="1">
+        <a:lnSpc>
+          <a:spcPct val="90000"/>
+        </a:lnSpc>
+        <a:spcBef>
+          <a:spcPct val="0"/>
+        </a:spcBef>
+        <a:spcAft>
+          <a:spcPct val="0"/>
+        </a:spcAft>
+        <a:defRPr sz="3000" b="1">
+          <a:solidFill>
+            <a:schemeClr val="tx1"/>
+          </a:solidFill>
+          <a:latin typeface="Arial" panose="020B0604020202020204" pitchFamily="34" charset="0"/>
+          <a:ea typeface="SimHei" panose="02010609060101010101" pitchFamily="49" charset="-122"/>
+        </a:defRPr>
+      </a:lvl9pPr>
+    </p:titleStyle>
+    <p:bodyStyle>
+      <a:lvl1pPr marL="180975" indent="-180975" algn="l" rtl="0" eaLnBrk="1" fontAlgn="base" hangingPunct="1">
+        <a:spcBef>
+          <a:spcPct val="0"/>
+        </a:spcBef>
+        <a:spcAft>
+          <a:spcPct val="40000"/>
+        </a:spcAft>
+        <a:buFont typeface="Wingdings" panose="05000000000000000000" pitchFamily="2" charset="2"/>
+        <a:buChar char="§"/>
+        <a:defRPr sz="2400" kern="1200">
           <a:solidFill>
             <a:schemeClr val="tx1"/>
           </a:solidFill>
@@ -2711,16 +5850,15 @@
           <a:cs typeface="+mn-cs"/>
         </a:defRPr>
       </a:lvl1pPr>
-      <a:lvl2pPr marL="685800" indent="-228600" algn="l" defTabSz="914400" rtl="0" eaLnBrk="1" latinLnBrk="0" hangingPunct="1">
-        <a:lnSpc>
-          <a:spcPct val="90000"/>
-        </a:lnSpc>
+      <a:lvl2pPr marL="444500" indent="-261938" algn="l" rtl="0" eaLnBrk="1" fontAlgn="base" hangingPunct="1">
         <a:spcBef>
-          <a:spcPts val="500"/>
+          <a:spcPct val="0"/>
         </a:spcBef>
-        <a:buFont typeface="Arial" panose="020B0604020202020204" pitchFamily="34" charset="0"/>
-        <a:buChar char="•"/>
-        <a:defRPr sz="2400" kern="1200">
+        <a:spcAft>
+          <a:spcPct val="40000"/>
+        </a:spcAft>
+        <a:buChar char="–"/>
+        <a:defRPr sz="2000" kern="1200">
           <a:solidFill>
             <a:schemeClr val="tx1"/>
           </a:solidFill>
@@ -2729,14 +5867,13 @@
           <a:cs typeface="+mn-cs"/>
         </a:defRPr>
       </a:lvl2pPr>
-      <a:lvl3pPr marL="1143000" indent="-228600" algn="l" defTabSz="914400" rtl="0" eaLnBrk="1" latinLnBrk="0" hangingPunct="1">
-        <a:lnSpc>
-          <a:spcPct val="90000"/>
-        </a:lnSpc>
+      <a:lvl3pPr marL="720725" indent="-274638" algn="l" rtl="0" eaLnBrk="1" fontAlgn="base" hangingPunct="1">
         <a:spcBef>
-          <a:spcPts val="500"/>
+          <a:spcPct val="0"/>
         </a:spcBef>
-        <a:buFont typeface="Arial" panose="020B0604020202020204" pitchFamily="34" charset="0"/>
+        <a:spcAft>
+          <a:spcPct val="40000"/>
+        </a:spcAft>
         <a:buChar char="•"/>
         <a:defRPr sz="2000" kern="1200">
           <a:solidFill>
@@ -2747,7 +5884,41 @@
           <a:cs typeface="+mn-cs"/>
         </a:defRPr>
       </a:lvl3pPr>
-      <a:lvl4pPr marL="1600200" indent="-228600" algn="l" defTabSz="914400" rtl="0" eaLnBrk="1" latinLnBrk="0" hangingPunct="1">
+      <a:lvl4pPr marL="987425" indent="-265113" algn="l" rtl="0" eaLnBrk="1" fontAlgn="base" hangingPunct="1">
+        <a:spcBef>
+          <a:spcPct val="0"/>
+        </a:spcBef>
+        <a:spcAft>
+          <a:spcPct val="40000"/>
+        </a:spcAft>
+        <a:buChar char="–"/>
+        <a:defRPr sz="2000" kern="1200">
+          <a:solidFill>
+            <a:schemeClr val="tx1"/>
+          </a:solidFill>
+          <a:latin typeface="+mn-lt"/>
+          <a:ea typeface="+mn-ea"/>
+          <a:cs typeface="+mn-cs"/>
+        </a:defRPr>
+      </a:lvl4pPr>
+      <a:lvl5pPr marL="1254125" indent="-265113" algn="l" rtl="0" eaLnBrk="1" fontAlgn="base" hangingPunct="1">
+        <a:spcBef>
+          <a:spcPct val="0"/>
+        </a:spcBef>
+        <a:spcAft>
+          <a:spcPct val="40000"/>
+        </a:spcAft>
+        <a:buChar char="»"/>
+        <a:defRPr sz="2000" kern="1200">
+          <a:solidFill>
+            <a:schemeClr val="tx1"/>
+          </a:solidFill>
+          <a:latin typeface="+mn-lt"/>
+          <a:ea typeface="+mn-ea"/>
+          <a:cs typeface="+mn-cs"/>
+        </a:defRPr>
+      </a:lvl5pPr>
+      <a:lvl6pPr marL="2514600" indent="-228600" algn="l" defTabSz="914400" rtl="0" eaLnBrk="1" latinLnBrk="0" hangingPunct="1">
         <a:lnSpc>
           <a:spcPct val="90000"/>
         </a:lnSpc>
@@ -2764,8 +5935,8 @@
           <a:ea typeface="+mn-ea"/>
           <a:cs typeface="+mn-cs"/>
         </a:defRPr>
-      </a:lvl4pPr>
-      <a:lvl5pPr marL="2057400" indent="-228600" algn="l" defTabSz="914400" rtl="0" eaLnBrk="1" latinLnBrk="0" hangingPunct="1">
+      </a:lvl6pPr>
+      <a:lvl7pPr marL="2971800" indent="-228600" algn="l" defTabSz="914400" rtl="0" eaLnBrk="1" latinLnBrk="0" hangingPunct="1">
         <a:lnSpc>
           <a:spcPct val="90000"/>
         </a:lnSpc>
@@ -2775,6 +5946,787 @@
         <a:buFont typeface="Arial" panose="020B0604020202020204" pitchFamily="34" charset="0"/>
         <a:buChar char="•"/>
         <a:defRPr sz="1800" kern="1200">
+          <a:solidFill>
+            <a:schemeClr val="tx1"/>
+          </a:solidFill>
+          <a:latin typeface="+mn-lt"/>
+          <a:ea typeface="+mn-ea"/>
+          <a:cs typeface="+mn-cs"/>
+        </a:defRPr>
+      </a:lvl7pPr>
+      <a:lvl8pPr marL="3429000" indent="-228600" algn="l" defTabSz="914400" rtl="0" eaLnBrk="1" latinLnBrk="0" hangingPunct="1">
+        <a:lnSpc>
+          <a:spcPct val="90000"/>
+        </a:lnSpc>
+        <a:spcBef>
+          <a:spcPts val="500"/>
+        </a:spcBef>
+        <a:buFont typeface="Arial" panose="020B0604020202020204" pitchFamily="34" charset="0"/>
+        <a:buChar char="•"/>
+        <a:defRPr sz="1800" kern="1200">
+          <a:solidFill>
+            <a:schemeClr val="tx1"/>
+          </a:solidFill>
+          <a:latin typeface="+mn-lt"/>
+          <a:ea typeface="+mn-ea"/>
+          <a:cs typeface="+mn-cs"/>
+        </a:defRPr>
+      </a:lvl8pPr>
+      <a:lvl9pPr marL="3886200" indent="-228600" algn="l" defTabSz="914400" rtl="0" eaLnBrk="1" latinLnBrk="0" hangingPunct="1">
+        <a:lnSpc>
+          <a:spcPct val="90000"/>
+        </a:lnSpc>
+        <a:spcBef>
+          <a:spcPts val="500"/>
+        </a:spcBef>
+        <a:buFont typeface="Arial" panose="020B0604020202020204" pitchFamily="34" charset="0"/>
+        <a:buChar char="•"/>
+        <a:defRPr sz="1800" kern="1200">
+          <a:solidFill>
+            <a:schemeClr val="tx1"/>
+          </a:solidFill>
+          <a:latin typeface="+mn-lt"/>
+          <a:ea typeface="+mn-ea"/>
+          <a:cs typeface="+mn-cs"/>
+        </a:defRPr>
+      </a:lvl9pPr>
+    </p:bodyStyle>
+    <p:otherStyle>
+      <a:defPPr>
+        <a:defRPr lang="en-US"/>
+      </a:defPPr>
+      <a:lvl1pPr marL="0" algn="l" defTabSz="914400" rtl="0" eaLnBrk="1" latinLnBrk="0" hangingPunct="1">
+        <a:defRPr sz="1800" kern="1200">
+          <a:solidFill>
+            <a:schemeClr val="tx1"/>
+          </a:solidFill>
+          <a:latin typeface="+mn-lt"/>
+          <a:ea typeface="+mn-ea"/>
+          <a:cs typeface="+mn-cs"/>
+        </a:defRPr>
+      </a:lvl1pPr>
+      <a:lvl2pPr marL="457200" algn="l" defTabSz="914400" rtl="0" eaLnBrk="1" latinLnBrk="0" hangingPunct="1">
+        <a:defRPr sz="1800" kern="1200">
+          <a:solidFill>
+            <a:schemeClr val="tx1"/>
+          </a:solidFill>
+          <a:latin typeface="+mn-lt"/>
+          <a:ea typeface="+mn-ea"/>
+          <a:cs typeface="+mn-cs"/>
+        </a:defRPr>
+      </a:lvl2pPr>
+      <a:lvl3pPr marL="914400" algn="l" defTabSz="914400" rtl="0" eaLnBrk="1" latinLnBrk="0" hangingPunct="1">
+        <a:defRPr sz="1800" kern="1200">
+          <a:solidFill>
+            <a:schemeClr val="tx1"/>
+          </a:solidFill>
+          <a:latin typeface="+mn-lt"/>
+          <a:ea typeface="+mn-ea"/>
+          <a:cs typeface="+mn-cs"/>
+        </a:defRPr>
+      </a:lvl3pPr>
+      <a:lvl4pPr marL="1371600" algn="l" defTabSz="914400" rtl="0" eaLnBrk="1" latinLnBrk="0" hangingPunct="1">
+        <a:defRPr sz="1800" kern="1200">
+          <a:solidFill>
+            <a:schemeClr val="tx1"/>
+          </a:solidFill>
+          <a:latin typeface="+mn-lt"/>
+          <a:ea typeface="+mn-ea"/>
+          <a:cs typeface="+mn-cs"/>
+        </a:defRPr>
+      </a:lvl4pPr>
+      <a:lvl5pPr marL="1828800" algn="l" defTabSz="914400" rtl="0" eaLnBrk="1" latinLnBrk="0" hangingPunct="1">
+        <a:defRPr sz="1800" kern="1200">
+          <a:solidFill>
+            <a:schemeClr val="tx1"/>
+          </a:solidFill>
+          <a:latin typeface="+mn-lt"/>
+          <a:ea typeface="+mn-ea"/>
+          <a:cs typeface="+mn-cs"/>
+        </a:defRPr>
+      </a:lvl5pPr>
+      <a:lvl6pPr marL="2286000" algn="l" defTabSz="914400" rtl="0" eaLnBrk="1" latinLnBrk="0" hangingPunct="1">
+        <a:defRPr sz="1800" kern="1200">
+          <a:solidFill>
+            <a:schemeClr val="tx1"/>
+          </a:solidFill>
+          <a:latin typeface="+mn-lt"/>
+          <a:ea typeface="+mn-ea"/>
+          <a:cs typeface="+mn-cs"/>
+        </a:defRPr>
+      </a:lvl6pPr>
+      <a:lvl7pPr marL="2743200" algn="l" defTabSz="914400" rtl="0" eaLnBrk="1" latinLnBrk="0" hangingPunct="1">
+        <a:defRPr sz="1800" kern="1200">
+          <a:solidFill>
+            <a:schemeClr val="tx1"/>
+          </a:solidFill>
+          <a:latin typeface="+mn-lt"/>
+          <a:ea typeface="+mn-ea"/>
+          <a:cs typeface="+mn-cs"/>
+        </a:defRPr>
+      </a:lvl7pPr>
+      <a:lvl8pPr marL="3200400" algn="l" defTabSz="914400" rtl="0" eaLnBrk="1" latinLnBrk="0" hangingPunct="1">
+        <a:defRPr sz="1800" kern="1200">
+          <a:solidFill>
+            <a:schemeClr val="tx1"/>
+          </a:solidFill>
+          <a:latin typeface="+mn-lt"/>
+          <a:ea typeface="+mn-ea"/>
+          <a:cs typeface="+mn-cs"/>
+        </a:defRPr>
+      </a:lvl8pPr>
+      <a:lvl9pPr marL="3657600" algn="l" defTabSz="914400" rtl="0" eaLnBrk="1" latinLnBrk="0" hangingPunct="1">
+        <a:defRPr sz="1800" kern="1200">
+          <a:solidFill>
+            <a:schemeClr val="tx1"/>
+          </a:solidFill>
+          <a:latin typeface="+mn-lt"/>
+          <a:ea typeface="+mn-ea"/>
+          <a:cs typeface="+mn-cs"/>
+        </a:defRPr>
+      </a:lvl9pPr>
+    </p:otherStyle>
+  </p:txStyles>
+</p:sldMaster>
+</file>
+
+<file path=ppt/slideMasters/slideMaster2.xml><?xml version="1.0" encoding="utf-8"?>
+<p:sldMaster xmlns:a="http://schemas.openxmlformats.org/drawingml/2006/main" xmlns:r="http://schemas.openxmlformats.org/officeDocument/2006/relationships" xmlns:p="http://schemas.openxmlformats.org/presentationml/2006/main" preserve="1">
+  <p:cSld>
+    <p:bg bwMode="auto">
+      <p:bgPr>
+        <a:solidFill>
+          <a:schemeClr val="bg1"/>
+        </a:solidFill>
+        <a:effectLst/>
+      </p:bgPr>
+    </p:bg>
+    <p:spTree>
+      <p:nvGrpSpPr>
+        <p:cNvPr id="1" name=""/>
+        <p:cNvGrpSpPr/>
+        <p:nvPr/>
+      </p:nvGrpSpPr>
+      <p:grpSpPr>
+        <a:xfrm>
+          <a:off x="0" y="0"/>
+          <a:ext cx="0" cy="0"/>
+          <a:chOff x="0" y="0"/>
+          <a:chExt cx="0" cy="0"/>
+        </a:xfrm>
+      </p:grpSpPr>
+      <p:sp>
+        <p:nvSpPr>
+          <p:cNvPr id="3074" name="Rectangle 2"/>
+          <p:cNvSpPr>
+            <a:spLocks noGrp="1" noChangeArrowheads="1"/>
+          </p:cNvSpPr>
+          <p:nvPr>
+            <p:ph type="title"/>
+          </p:nvPr>
+        </p:nvSpPr>
+        <p:spPr bwMode="auto">
+          <a:xfrm>
+            <a:off x="609600" y="274638"/>
+            <a:ext cx="10972800" cy="1143000"/>
+          </a:xfrm>
+          <a:prstGeom prst="rect">
+            <a:avLst/>
+          </a:prstGeom>
+          <a:noFill/>
+          <a:ln>
+            <a:noFill/>
+          </a:ln>
+          <a:effectLst/>
+          <a:extLst>
+            <a:ext uri="{909E8E84-426E-40DD-AFC4-6F175D3DCCD1}">
+              <a14:hiddenFill xmlns:a14="http://schemas.microsoft.com/office/drawing/2010/main">
+                <a:solidFill>
+                  <a:schemeClr val="accent1"/>
+                </a:solidFill>
+              </a14:hiddenFill>
+            </a:ext>
+            <a:ext uri="{91240B29-F687-4F45-9708-019B960494DF}">
+              <a14:hiddenLine xmlns:a14="http://schemas.microsoft.com/office/drawing/2010/main" w="9525">
+                <a:solidFill>
+                  <a:srgbClr val="000000"/>
+                </a:solidFill>
+                <a:miter lim="800000"/>
+                <a:headEnd/>
+                <a:tailEnd/>
+              </a14:hiddenLine>
+            </a:ext>
+            <a:ext uri="{AF507438-7753-43E0-B8FC-AC1667EBCBE1}">
+              <a14:hiddenEffects xmlns:a14="http://schemas.microsoft.com/office/drawing/2010/main">
+                <a:effectLst>
+                  <a:outerShdw dist="35921" dir="2700000" algn="ctr" rotWithShape="0">
+                    <a:schemeClr val="bg2"/>
+                  </a:outerShdw>
+                </a:effectLst>
+              </a14:hiddenEffects>
+            </a:ext>
+          </a:extLst>
+        </p:spPr>
+        <p:txBody>
+          <a:bodyPr vert="horz" wrap="square" lIns="91440" tIns="45720" rIns="91440" bIns="45720" numCol="1" anchor="ctr" anchorCtr="0" compatLnSpc="1">
+            <a:prstTxWarp prst="textNoShape">
+              <a:avLst/>
+            </a:prstTxWarp>
+          </a:bodyPr>
+          <a:lstStyle/>
+          <a:p>
+            <a:pPr lvl="0"/>
+            <a:r>
+              <a:rPr lang="en-US" altLang="en-US" smtClean="0"/>
+              <a:t>单击此处编辑母版标题样式</a:t>
+            </a:r>
+          </a:p>
+        </p:txBody>
+      </p:sp>
+      <p:sp>
+        <p:nvSpPr>
+          <p:cNvPr id="3075" name="Rectangle 3"/>
+          <p:cNvSpPr>
+            <a:spLocks noGrp="1" noChangeArrowheads="1"/>
+          </p:cNvSpPr>
+          <p:nvPr>
+            <p:ph type="body" idx="1"/>
+          </p:nvPr>
+        </p:nvSpPr>
+        <p:spPr bwMode="auto">
+          <a:xfrm>
+            <a:off x="609600" y="1600201"/>
+            <a:ext cx="10972800" cy="4525963"/>
+          </a:xfrm>
+          <a:prstGeom prst="rect">
+            <a:avLst/>
+          </a:prstGeom>
+          <a:noFill/>
+          <a:ln>
+            <a:noFill/>
+          </a:ln>
+          <a:effectLst/>
+          <a:extLst>
+            <a:ext uri="{909E8E84-426E-40DD-AFC4-6F175D3DCCD1}">
+              <a14:hiddenFill xmlns:a14="http://schemas.microsoft.com/office/drawing/2010/main">
+                <a:solidFill>
+                  <a:schemeClr val="accent1"/>
+                </a:solidFill>
+              </a14:hiddenFill>
+            </a:ext>
+            <a:ext uri="{91240B29-F687-4F45-9708-019B960494DF}">
+              <a14:hiddenLine xmlns:a14="http://schemas.microsoft.com/office/drawing/2010/main" w="9525">
+                <a:solidFill>
+                  <a:srgbClr val="000000"/>
+                </a:solidFill>
+                <a:miter lim="800000"/>
+                <a:headEnd/>
+                <a:tailEnd/>
+              </a14:hiddenLine>
+            </a:ext>
+            <a:ext uri="{AF507438-7753-43E0-B8FC-AC1667EBCBE1}">
+              <a14:hiddenEffects xmlns:a14="http://schemas.microsoft.com/office/drawing/2010/main">
+                <a:effectLst>
+                  <a:outerShdw dist="35921" dir="2700000" algn="ctr" rotWithShape="0">
+                    <a:schemeClr val="bg2"/>
+                  </a:outerShdw>
+                </a:effectLst>
+              </a14:hiddenEffects>
+            </a:ext>
+          </a:extLst>
+        </p:spPr>
+        <p:txBody>
+          <a:bodyPr vert="horz" wrap="square" lIns="91440" tIns="45720" rIns="91440" bIns="45720" numCol="1" anchor="t" anchorCtr="0" compatLnSpc="1">
+            <a:prstTxWarp prst="textNoShape">
+              <a:avLst/>
+            </a:prstTxWarp>
+          </a:bodyPr>
+          <a:lstStyle/>
+          <a:p>
+            <a:pPr lvl="0"/>
+            <a:r>
+              <a:rPr lang="en-US" altLang="en-US" smtClean="0"/>
+              <a:t>单击此处编辑母版文本样式</a:t>
+            </a:r>
+          </a:p>
+          <a:p>
+            <a:pPr lvl="1"/>
+            <a:r>
+              <a:rPr lang="en-US" altLang="en-US" smtClean="0"/>
+              <a:t>第二级</a:t>
+            </a:r>
+          </a:p>
+          <a:p>
+            <a:pPr lvl="2"/>
+            <a:r>
+              <a:rPr lang="en-US" altLang="en-US" smtClean="0"/>
+              <a:t>第三级</a:t>
+            </a:r>
+          </a:p>
+          <a:p>
+            <a:pPr lvl="3"/>
+            <a:r>
+              <a:rPr lang="en-US" altLang="en-US" smtClean="0"/>
+              <a:t>第四级</a:t>
+            </a:r>
+          </a:p>
+          <a:p>
+            <a:pPr lvl="4"/>
+            <a:r>
+              <a:rPr lang="en-US" altLang="en-US" smtClean="0"/>
+              <a:t>第五级</a:t>
+            </a:r>
+          </a:p>
+        </p:txBody>
+      </p:sp>
+      <p:sp>
+        <p:nvSpPr>
+          <p:cNvPr id="3076" name="Rectangle 4"/>
+          <p:cNvSpPr>
+            <a:spLocks noGrp="1" noChangeArrowheads="1"/>
+          </p:cNvSpPr>
+          <p:nvPr>
+            <p:ph type="dt" sz="half" idx="2"/>
+          </p:nvPr>
+        </p:nvSpPr>
+        <p:spPr bwMode="auto">
+          <a:xfrm>
+            <a:off x="609600" y="6245225"/>
+            <a:ext cx="2844800" cy="476250"/>
+          </a:xfrm>
+          <a:prstGeom prst="rect">
+            <a:avLst/>
+          </a:prstGeom>
+          <a:noFill/>
+          <a:ln>
+            <a:noFill/>
+          </a:ln>
+          <a:effectLst/>
+          <a:extLst>
+            <a:ext uri="{909E8E84-426E-40DD-AFC4-6F175D3DCCD1}">
+              <a14:hiddenFill xmlns:a14="http://schemas.microsoft.com/office/drawing/2010/main">
+                <a:solidFill>
+                  <a:schemeClr val="accent1"/>
+                </a:solidFill>
+              </a14:hiddenFill>
+            </a:ext>
+            <a:ext uri="{91240B29-F687-4F45-9708-019B960494DF}">
+              <a14:hiddenLine xmlns:a14="http://schemas.microsoft.com/office/drawing/2010/main" w="9525">
+                <a:solidFill>
+                  <a:srgbClr val="000000"/>
+                </a:solidFill>
+                <a:miter lim="800000"/>
+                <a:headEnd/>
+                <a:tailEnd/>
+              </a14:hiddenLine>
+            </a:ext>
+            <a:ext uri="{AF507438-7753-43E0-B8FC-AC1667EBCBE1}">
+              <a14:hiddenEffects xmlns:a14="http://schemas.microsoft.com/office/drawing/2010/main">
+                <a:effectLst>
+                  <a:outerShdw dist="35921" dir="2700000" algn="ctr" rotWithShape="0">
+                    <a:schemeClr val="bg2"/>
+                  </a:outerShdw>
+                </a:effectLst>
+              </a14:hiddenEffects>
+            </a:ext>
+          </a:extLst>
+        </p:spPr>
+        <p:txBody>
+          <a:bodyPr vert="horz" wrap="square" lIns="91440" tIns="45720" rIns="91440" bIns="45720" numCol="1" anchor="t" anchorCtr="0" compatLnSpc="1">
+            <a:prstTxWarp prst="textNoShape">
+              <a:avLst/>
+            </a:prstTxWarp>
+          </a:bodyPr>
+          <a:lstStyle>
+            <a:lvl1pPr>
+              <a:defRPr sz="1400"/>
+            </a:lvl1pPr>
+          </a:lstStyle>
+          <a:p>
+            <a:endParaRPr lang="en-US" altLang="en-US"/>
+          </a:p>
+        </p:txBody>
+      </p:sp>
+      <p:sp>
+        <p:nvSpPr>
+          <p:cNvPr id="3077" name="Rectangle 5"/>
+          <p:cNvSpPr>
+            <a:spLocks noGrp="1" noChangeArrowheads="1"/>
+          </p:cNvSpPr>
+          <p:nvPr>
+            <p:ph type="ftr" sz="quarter" idx="3"/>
+          </p:nvPr>
+        </p:nvSpPr>
+        <p:spPr bwMode="auto">
+          <a:xfrm>
+            <a:off x="4165600" y="6245225"/>
+            <a:ext cx="3860800" cy="476250"/>
+          </a:xfrm>
+          <a:prstGeom prst="rect">
+            <a:avLst/>
+          </a:prstGeom>
+          <a:noFill/>
+          <a:ln>
+            <a:noFill/>
+          </a:ln>
+          <a:effectLst/>
+          <a:extLst>
+            <a:ext uri="{909E8E84-426E-40DD-AFC4-6F175D3DCCD1}">
+              <a14:hiddenFill xmlns:a14="http://schemas.microsoft.com/office/drawing/2010/main">
+                <a:solidFill>
+                  <a:schemeClr val="accent1"/>
+                </a:solidFill>
+              </a14:hiddenFill>
+            </a:ext>
+            <a:ext uri="{91240B29-F687-4F45-9708-019B960494DF}">
+              <a14:hiddenLine xmlns:a14="http://schemas.microsoft.com/office/drawing/2010/main" w="9525">
+                <a:solidFill>
+                  <a:srgbClr val="000000"/>
+                </a:solidFill>
+                <a:miter lim="800000"/>
+                <a:headEnd/>
+                <a:tailEnd/>
+              </a14:hiddenLine>
+            </a:ext>
+            <a:ext uri="{AF507438-7753-43E0-B8FC-AC1667EBCBE1}">
+              <a14:hiddenEffects xmlns:a14="http://schemas.microsoft.com/office/drawing/2010/main">
+                <a:effectLst>
+                  <a:outerShdw dist="35921" dir="2700000" algn="ctr" rotWithShape="0">
+                    <a:schemeClr val="bg2"/>
+                  </a:outerShdw>
+                </a:effectLst>
+              </a14:hiddenEffects>
+            </a:ext>
+          </a:extLst>
+        </p:spPr>
+        <p:txBody>
+          <a:bodyPr vert="horz" wrap="square" lIns="91440" tIns="45720" rIns="91440" bIns="45720" numCol="1" anchor="t" anchorCtr="0" compatLnSpc="1">
+            <a:prstTxWarp prst="textNoShape">
+              <a:avLst/>
+            </a:prstTxWarp>
+          </a:bodyPr>
+          <a:lstStyle>
+            <a:lvl1pPr algn="ctr">
+              <a:defRPr sz="1400"/>
+            </a:lvl1pPr>
+          </a:lstStyle>
+          <a:p>
+            <a:endParaRPr lang="en-US" altLang="en-US"/>
+          </a:p>
+        </p:txBody>
+      </p:sp>
+      <p:sp>
+        <p:nvSpPr>
+          <p:cNvPr id="3078" name="Rectangle 6"/>
+          <p:cNvSpPr>
+            <a:spLocks noGrp="1" noChangeArrowheads="1"/>
+          </p:cNvSpPr>
+          <p:nvPr>
+            <p:ph type="sldNum" sz="quarter" idx="4"/>
+          </p:nvPr>
+        </p:nvSpPr>
+        <p:spPr bwMode="auto">
+          <a:xfrm>
+            <a:off x="8737600" y="6245225"/>
+            <a:ext cx="2844800" cy="476250"/>
+          </a:xfrm>
+          <a:prstGeom prst="rect">
+            <a:avLst/>
+          </a:prstGeom>
+          <a:noFill/>
+          <a:ln>
+            <a:noFill/>
+          </a:ln>
+          <a:effectLst/>
+          <a:extLst>
+            <a:ext uri="{909E8E84-426E-40DD-AFC4-6F175D3DCCD1}">
+              <a14:hiddenFill xmlns:a14="http://schemas.microsoft.com/office/drawing/2010/main">
+                <a:solidFill>
+                  <a:schemeClr val="accent1"/>
+                </a:solidFill>
+              </a14:hiddenFill>
+            </a:ext>
+            <a:ext uri="{91240B29-F687-4F45-9708-019B960494DF}">
+              <a14:hiddenLine xmlns:a14="http://schemas.microsoft.com/office/drawing/2010/main" w="9525">
+                <a:solidFill>
+                  <a:srgbClr val="000000"/>
+                </a:solidFill>
+                <a:miter lim="800000"/>
+                <a:headEnd/>
+                <a:tailEnd/>
+              </a14:hiddenLine>
+            </a:ext>
+            <a:ext uri="{AF507438-7753-43E0-B8FC-AC1667EBCBE1}">
+              <a14:hiddenEffects xmlns:a14="http://schemas.microsoft.com/office/drawing/2010/main">
+                <a:effectLst>
+                  <a:outerShdw dist="35921" dir="2700000" algn="ctr" rotWithShape="0">
+                    <a:schemeClr val="bg2"/>
+                  </a:outerShdw>
+                </a:effectLst>
+              </a14:hiddenEffects>
+            </a:ext>
+          </a:extLst>
+        </p:spPr>
+        <p:txBody>
+          <a:bodyPr vert="horz" wrap="square" lIns="91440" tIns="45720" rIns="91440" bIns="45720" numCol="1" anchor="t" anchorCtr="0" compatLnSpc="1">
+            <a:prstTxWarp prst="textNoShape">
+              <a:avLst/>
+            </a:prstTxWarp>
+          </a:bodyPr>
+          <a:lstStyle>
+            <a:lvl1pPr algn="r">
+              <a:defRPr sz="1400"/>
+            </a:lvl1pPr>
+          </a:lstStyle>
+          <a:p>
+            <a:fld id="{2A33F749-3A0D-44CA-A2D9-3399F1239C7C}" type="slidenum">
+              <a:rPr lang="en-US" altLang="en-US"/>
+              <a:pPr/>
+              <a:t>‹#›</a:t>
+            </a:fld>
+            <a:endParaRPr lang="en-US" altLang="en-US"/>
+          </a:p>
+        </p:txBody>
+      </p:sp>
+    </p:spTree>
+    <p:extLst>
+      <p:ext uri="{BB962C8B-B14F-4D97-AF65-F5344CB8AC3E}">
+        <p14:creationId xmlns:p14="http://schemas.microsoft.com/office/powerpoint/2010/main" val="3169989323"/>
+      </p:ext>
+    </p:extLst>
+  </p:cSld>
+  <p:clrMap bg1="lt1" tx1="dk1" bg2="lt2" tx2="dk2" accent1="accent1" accent2="accent2" accent3="accent3" accent4="accent4" accent5="accent5" accent6="accent6" hlink="hlink" folHlink="folHlink"/>
+  <p:sldLayoutIdLst>
+    <p:sldLayoutId id="2147483852" r:id="rId1"/>
+    <p:sldLayoutId id="2147483853" r:id="rId2"/>
+    <p:sldLayoutId id="2147483854" r:id="rId3"/>
+    <p:sldLayoutId id="2147483855" r:id="rId4"/>
+    <p:sldLayoutId id="2147483856" r:id="rId5"/>
+    <p:sldLayoutId id="2147483857" r:id="rId6"/>
+    <p:sldLayoutId id="2147483858" r:id="rId7"/>
+    <p:sldLayoutId id="2147483859" r:id="rId8"/>
+    <p:sldLayoutId id="2147483860" r:id="rId9"/>
+    <p:sldLayoutId id="2147483861" r:id="rId10"/>
+    <p:sldLayoutId id="2147483862" r:id="rId11"/>
+  </p:sldLayoutIdLst>
+  <p:hf hdr="0" ftr="0" dt="0"/>
+  <p:txStyles>
+    <p:titleStyle>
+      <a:lvl1pPr algn="ctr" rtl="0" eaLnBrk="1" fontAlgn="base" hangingPunct="1">
+        <a:spcBef>
+          <a:spcPct val="0"/>
+        </a:spcBef>
+        <a:spcAft>
+          <a:spcPct val="0"/>
+        </a:spcAft>
+        <a:defRPr sz="4400" kern="1200">
+          <a:solidFill>
+            <a:schemeClr val="tx2"/>
+          </a:solidFill>
+          <a:latin typeface="+mj-lt"/>
+          <a:ea typeface="+mj-ea"/>
+          <a:cs typeface="+mj-cs"/>
+        </a:defRPr>
+      </a:lvl1pPr>
+      <a:lvl2pPr algn="ctr" rtl="0" eaLnBrk="1" fontAlgn="base" hangingPunct="1">
+        <a:spcBef>
+          <a:spcPct val="0"/>
+        </a:spcBef>
+        <a:spcAft>
+          <a:spcPct val="0"/>
+        </a:spcAft>
+        <a:defRPr sz="4400">
+          <a:solidFill>
+            <a:schemeClr val="tx2"/>
+          </a:solidFill>
+          <a:latin typeface="Arial" panose="020B0604020202020204" pitchFamily="34" charset="0"/>
+          <a:ea typeface="宋体" panose="02010600030101010101" pitchFamily="2" charset="-122"/>
+        </a:defRPr>
+      </a:lvl2pPr>
+      <a:lvl3pPr algn="ctr" rtl="0" eaLnBrk="1" fontAlgn="base" hangingPunct="1">
+        <a:spcBef>
+          <a:spcPct val="0"/>
+        </a:spcBef>
+        <a:spcAft>
+          <a:spcPct val="0"/>
+        </a:spcAft>
+        <a:defRPr sz="4400">
+          <a:solidFill>
+            <a:schemeClr val="tx2"/>
+          </a:solidFill>
+          <a:latin typeface="Arial" panose="020B0604020202020204" pitchFamily="34" charset="0"/>
+          <a:ea typeface="宋体" panose="02010600030101010101" pitchFamily="2" charset="-122"/>
+        </a:defRPr>
+      </a:lvl3pPr>
+      <a:lvl4pPr algn="ctr" rtl="0" eaLnBrk="1" fontAlgn="base" hangingPunct="1">
+        <a:spcBef>
+          <a:spcPct val="0"/>
+        </a:spcBef>
+        <a:spcAft>
+          <a:spcPct val="0"/>
+        </a:spcAft>
+        <a:defRPr sz="4400">
+          <a:solidFill>
+            <a:schemeClr val="tx2"/>
+          </a:solidFill>
+          <a:latin typeface="Arial" panose="020B0604020202020204" pitchFamily="34" charset="0"/>
+          <a:ea typeface="宋体" panose="02010600030101010101" pitchFamily="2" charset="-122"/>
+        </a:defRPr>
+      </a:lvl4pPr>
+      <a:lvl5pPr algn="ctr" rtl="0" eaLnBrk="1" fontAlgn="base" hangingPunct="1">
+        <a:spcBef>
+          <a:spcPct val="0"/>
+        </a:spcBef>
+        <a:spcAft>
+          <a:spcPct val="0"/>
+        </a:spcAft>
+        <a:defRPr sz="4400">
+          <a:solidFill>
+            <a:schemeClr val="tx2"/>
+          </a:solidFill>
+          <a:latin typeface="Arial" panose="020B0604020202020204" pitchFamily="34" charset="0"/>
+          <a:ea typeface="宋体" panose="02010600030101010101" pitchFamily="2" charset="-122"/>
+        </a:defRPr>
+      </a:lvl5pPr>
+      <a:lvl6pPr marL="457200" algn="ctr" rtl="0" eaLnBrk="1" fontAlgn="base" hangingPunct="1">
+        <a:spcBef>
+          <a:spcPct val="0"/>
+        </a:spcBef>
+        <a:spcAft>
+          <a:spcPct val="0"/>
+        </a:spcAft>
+        <a:defRPr sz="4400">
+          <a:solidFill>
+            <a:schemeClr val="tx2"/>
+          </a:solidFill>
+          <a:latin typeface="Arial" panose="020B0604020202020204" pitchFamily="34" charset="0"/>
+          <a:ea typeface="宋体" panose="02010600030101010101" pitchFamily="2" charset="-122"/>
+        </a:defRPr>
+      </a:lvl6pPr>
+      <a:lvl7pPr marL="914400" algn="ctr" rtl="0" eaLnBrk="1" fontAlgn="base" hangingPunct="1">
+        <a:spcBef>
+          <a:spcPct val="0"/>
+        </a:spcBef>
+        <a:spcAft>
+          <a:spcPct val="0"/>
+        </a:spcAft>
+        <a:defRPr sz="4400">
+          <a:solidFill>
+            <a:schemeClr val="tx2"/>
+          </a:solidFill>
+          <a:latin typeface="Arial" panose="020B0604020202020204" pitchFamily="34" charset="0"/>
+          <a:ea typeface="宋体" panose="02010600030101010101" pitchFamily="2" charset="-122"/>
+        </a:defRPr>
+      </a:lvl7pPr>
+      <a:lvl8pPr marL="1371600" algn="ctr" rtl="0" eaLnBrk="1" fontAlgn="base" hangingPunct="1">
+        <a:spcBef>
+          <a:spcPct val="0"/>
+        </a:spcBef>
+        <a:spcAft>
+          <a:spcPct val="0"/>
+        </a:spcAft>
+        <a:defRPr sz="4400">
+          <a:solidFill>
+            <a:schemeClr val="tx2"/>
+          </a:solidFill>
+          <a:latin typeface="Arial" panose="020B0604020202020204" pitchFamily="34" charset="0"/>
+          <a:ea typeface="宋体" panose="02010600030101010101" pitchFamily="2" charset="-122"/>
+        </a:defRPr>
+      </a:lvl8pPr>
+      <a:lvl9pPr marL="1828800" algn="ctr" rtl="0" eaLnBrk="1" fontAlgn="base" hangingPunct="1">
+        <a:spcBef>
+          <a:spcPct val="0"/>
+        </a:spcBef>
+        <a:spcAft>
+          <a:spcPct val="0"/>
+        </a:spcAft>
+        <a:defRPr sz="4400">
+          <a:solidFill>
+            <a:schemeClr val="tx2"/>
+          </a:solidFill>
+          <a:latin typeface="Arial" panose="020B0604020202020204" pitchFamily="34" charset="0"/>
+          <a:ea typeface="宋体" panose="02010600030101010101" pitchFamily="2" charset="-122"/>
+        </a:defRPr>
+      </a:lvl9pPr>
+    </p:titleStyle>
+    <p:bodyStyle>
+      <a:lvl1pPr marL="342900" indent="-342900" algn="l" rtl="0" eaLnBrk="1" fontAlgn="base" hangingPunct="1">
+        <a:spcBef>
+          <a:spcPct val="20000"/>
+        </a:spcBef>
+        <a:spcAft>
+          <a:spcPct val="0"/>
+        </a:spcAft>
+        <a:buChar char="•"/>
+        <a:defRPr sz="3200" kern="1200">
+          <a:solidFill>
+            <a:schemeClr val="tx1"/>
+          </a:solidFill>
+          <a:latin typeface="+mn-lt"/>
+          <a:ea typeface="+mn-ea"/>
+          <a:cs typeface="+mn-cs"/>
+        </a:defRPr>
+      </a:lvl1pPr>
+      <a:lvl2pPr marL="742950" indent="-285750" algn="l" rtl="0" eaLnBrk="1" fontAlgn="base" hangingPunct="1">
+        <a:spcBef>
+          <a:spcPct val="20000"/>
+        </a:spcBef>
+        <a:spcAft>
+          <a:spcPct val="0"/>
+        </a:spcAft>
+        <a:buChar char="–"/>
+        <a:defRPr sz="2800" kern="1200">
+          <a:solidFill>
+            <a:schemeClr val="tx1"/>
+          </a:solidFill>
+          <a:latin typeface="+mn-lt"/>
+          <a:ea typeface="+mn-ea"/>
+          <a:cs typeface="+mn-cs"/>
+        </a:defRPr>
+      </a:lvl2pPr>
+      <a:lvl3pPr marL="1143000" indent="-228600" algn="l" rtl="0" eaLnBrk="1" fontAlgn="base" hangingPunct="1">
+        <a:spcBef>
+          <a:spcPct val="20000"/>
+        </a:spcBef>
+        <a:spcAft>
+          <a:spcPct val="0"/>
+        </a:spcAft>
+        <a:buChar char="•"/>
+        <a:defRPr sz="2400" kern="1200">
+          <a:solidFill>
+            <a:schemeClr val="tx1"/>
+          </a:solidFill>
+          <a:latin typeface="+mn-lt"/>
+          <a:ea typeface="+mn-ea"/>
+          <a:cs typeface="+mn-cs"/>
+        </a:defRPr>
+      </a:lvl3pPr>
+      <a:lvl4pPr marL="1600200" indent="-228600" algn="l" rtl="0" eaLnBrk="1" fontAlgn="base" hangingPunct="1">
+        <a:spcBef>
+          <a:spcPct val="20000"/>
+        </a:spcBef>
+        <a:spcAft>
+          <a:spcPct val="0"/>
+        </a:spcAft>
+        <a:buChar char="–"/>
+        <a:defRPr sz="2000" kern="1200">
+          <a:solidFill>
+            <a:schemeClr val="tx1"/>
+          </a:solidFill>
+          <a:latin typeface="+mn-lt"/>
+          <a:ea typeface="+mn-ea"/>
+          <a:cs typeface="+mn-cs"/>
+        </a:defRPr>
+      </a:lvl4pPr>
+      <a:lvl5pPr marL="2057400" indent="-228600" algn="l" rtl="0" eaLnBrk="1" fontAlgn="base" hangingPunct="1">
+        <a:spcBef>
+          <a:spcPct val="20000"/>
+        </a:spcBef>
+        <a:spcAft>
+          <a:spcPct val="0"/>
+        </a:spcAft>
+        <a:buChar char="»"/>
+        <a:defRPr sz="2000" kern="1200">
           <a:solidFill>
             <a:schemeClr val="tx1"/>
           </a:solidFill>
@@ -2985,7 +6937,7 @@
         <p:spPr/>
         <p:txBody>
           <a:bodyPr>
-            <a:normAutofit/>
+            <a:normAutofit fontScale="90000"/>
           </a:bodyPr>
           <a:lstStyle/>
           <a:p>
@@ -3032,54 +6984,6 @@
           </a:p>
         </p:txBody>
       </p:sp>
-      <p:pic>
-        <p:nvPicPr>
-          <p:cNvPr id="1028" name="Picture 4" descr="https://encrypted-tbn2.gstatic.com/images?q=tbn:ANd9GcQO-VkdT0ekvARSWu5D6OHwPQIDUHi9bGrU236v0xXFK20dK6g1"/>
-          <p:cNvPicPr>
-            <a:picLocks noChangeAspect="1" noChangeArrowheads="1"/>
-          </p:cNvPicPr>
-          <p:nvPr/>
-        </p:nvPicPr>
-        <p:blipFill>
-          <a:blip r:embed="rId2">
-            <a:duotone>
-              <a:schemeClr val="accent1">
-                <a:shade val="45000"/>
-                <a:satMod val="135000"/>
-              </a:schemeClr>
-              <a:prstClr val="white"/>
-            </a:duotone>
-            <a:extLst>
-              <a:ext uri="{28A0092B-C50C-407E-A947-70E740481C1C}">
-                <a14:useLocalDpi xmlns:a14="http://schemas.microsoft.com/office/drawing/2010/main" val="0"/>
-              </a:ext>
-            </a:extLst>
-          </a:blip>
-          <a:srcRect/>
-          <a:stretch>
-            <a:fillRect/>
-          </a:stretch>
-        </p:blipFill>
-        <p:spPr bwMode="auto">
-          <a:xfrm>
-            <a:off x="10394840" y="5029311"/>
-            <a:ext cx="1812926" cy="1812926"/>
-          </a:xfrm>
-          <a:prstGeom prst="rect">
-            <a:avLst/>
-          </a:prstGeom>
-          <a:noFill/>
-          <a:extLst>
-            <a:ext uri="{909E8E84-426E-40DD-AFC4-6F175D3DCCD1}">
-              <a14:hiddenFill xmlns:a14="http://schemas.microsoft.com/office/drawing/2010/main">
-                <a:solidFill>
-                  <a:srgbClr val="FFFFFF"/>
-                </a:solidFill>
-              </a14:hiddenFill>
-            </a:ext>
-          </a:extLst>
-        </p:spPr>
-      </p:pic>
     </p:spTree>
     <p:extLst>
       <p:ext uri="{BB962C8B-B14F-4D97-AF65-F5344CB8AC3E}">
@@ -3139,8 +7043,6 @@
                     <a:lumMod val="75000"/>
                   </a:schemeClr>
                 </a:solidFill>
-                <a:latin typeface="Times New Roman" panose="02020603050405020304" pitchFamily="18" charset="0"/>
-                <a:cs typeface="Times New Roman" panose="02020603050405020304" pitchFamily="18" charset="0"/>
               </a:rPr>
               <a:t>Danh</a:t>
             </a:r>
@@ -3151,8 +7053,6 @@
                     <a:lumMod val="75000"/>
                   </a:schemeClr>
                 </a:solidFill>
-                <a:latin typeface="Times New Roman" panose="02020603050405020304" pitchFamily="18" charset="0"/>
-                <a:cs typeface="Times New Roman" panose="02020603050405020304" pitchFamily="18" charset="0"/>
               </a:rPr>
               <a:t> </a:t>
             </a:r>
@@ -3163,8 +7063,6 @@
                     <a:lumMod val="75000"/>
                   </a:schemeClr>
                 </a:solidFill>
-                <a:latin typeface="Times New Roman" panose="02020603050405020304" pitchFamily="18" charset="0"/>
-                <a:cs typeface="Times New Roman" panose="02020603050405020304" pitchFamily="18" charset="0"/>
               </a:rPr>
               <a:t>sách</a:t>
             </a:r>
@@ -3175,8 +7073,6 @@
                     <a:lumMod val="75000"/>
                   </a:schemeClr>
                 </a:solidFill>
-                <a:latin typeface="Times New Roman" panose="02020603050405020304" pitchFamily="18" charset="0"/>
-                <a:cs typeface="Times New Roman" panose="02020603050405020304" pitchFamily="18" charset="0"/>
               </a:rPr>
               <a:t> </a:t>
             </a:r>
@@ -3187,8 +7083,6 @@
                     <a:lumMod val="75000"/>
                   </a:schemeClr>
                 </a:solidFill>
-                <a:latin typeface="Times New Roman" panose="02020603050405020304" pitchFamily="18" charset="0"/>
-                <a:cs typeface="Times New Roman" panose="02020603050405020304" pitchFamily="18" charset="0"/>
               </a:rPr>
               <a:t>các</a:t>
             </a:r>
@@ -3199,8 +7093,6 @@
                     <a:lumMod val="75000"/>
                   </a:schemeClr>
                 </a:solidFill>
-                <a:latin typeface="Times New Roman" panose="02020603050405020304" pitchFamily="18" charset="0"/>
-                <a:cs typeface="Times New Roman" panose="02020603050405020304" pitchFamily="18" charset="0"/>
               </a:rPr>
               <a:t> </a:t>
             </a:r>
@@ -3211,8 +7103,6 @@
                     <a:lumMod val="75000"/>
                   </a:schemeClr>
                 </a:solidFill>
-                <a:latin typeface="Times New Roman" panose="02020603050405020304" pitchFamily="18" charset="0"/>
-                <a:cs typeface="Times New Roman" panose="02020603050405020304" pitchFamily="18" charset="0"/>
               </a:rPr>
               <a:t>bảng</a:t>
             </a:r>
@@ -3223,8 +7113,6 @@
                     <a:lumMod val="75000"/>
                   </a:schemeClr>
                 </a:solidFill>
-                <a:latin typeface="Times New Roman" panose="02020603050405020304" pitchFamily="18" charset="0"/>
-                <a:cs typeface="Times New Roman" panose="02020603050405020304" pitchFamily="18" charset="0"/>
               </a:rPr>
               <a:t> </a:t>
             </a:r>
@@ -3235,10 +7123,8 @@
                     <a:lumMod val="75000"/>
                   </a:schemeClr>
                 </a:solidFill>
-                <a:latin typeface="Times New Roman" panose="02020603050405020304" pitchFamily="18" charset="0"/>
-                <a:cs typeface="Times New Roman" panose="02020603050405020304" pitchFamily="18" charset="0"/>
               </a:rPr>
-              <a:t>dữ</a:t>
+              <a:t>dư</a:t>
             </a:r>
             <a:r>
               <a:rPr lang="en-US" b="1" dirty="0" smtClean="0">
@@ -3247,10 +7133,8 @@
                     <a:lumMod val="75000"/>
                   </a:schemeClr>
                 </a:solidFill>
-                <a:latin typeface="Times New Roman" panose="02020603050405020304" pitchFamily="18" charset="0"/>
-                <a:cs typeface="Times New Roman" panose="02020603050405020304" pitchFamily="18" charset="0"/>
               </a:rPr>
-              <a:t> </a:t>
+              <a:t>̃ </a:t>
             </a:r>
             <a:r>
               <a:rPr lang="en-US" b="1" dirty="0" err="1" smtClean="0">
@@ -3259,8 +7143,6 @@
                     <a:lumMod val="75000"/>
                   </a:schemeClr>
                 </a:solidFill>
-                <a:latin typeface="Times New Roman" panose="02020603050405020304" pitchFamily="18" charset="0"/>
-                <a:cs typeface="Times New Roman" panose="02020603050405020304" pitchFamily="18" charset="0"/>
               </a:rPr>
               <a:t>liệu</a:t>
             </a:r>
@@ -3270,8 +7152,6 @@
                   <a:lumMod val="75000"/>
                 </a:schemeClr>
               </a:solidFill>
-              <a:latin typeface="Times New Roman" panose="02020603050405020304" pitchFamily="18" charset="0"/>
-              <a:cs typeface="Times New Roman" panose="02020603050405020304" pitchFamily="18" charset="0"/>
             </a:endParaRPr>
           </a:p>
         </p:txBody>
@@ -3297,73 +7177,49 @@
           <a:lstStyle/>
           <a:p>
             <a:r>
-              <a:rPr lang="en-US" dirty="0" smtClean="0">
-                <a:latin typeface="Times New Roman" panose="02020603050405020304" pitchFamily="18" charset="0"/>
-                <a:cs typeface="Times New Roman" panose="02020603050405020304" pitchFamily="18" charset="0"/>
-              </a:rPr>
+              <a:rPr lang="en-US" dirty="0" smtClean="0"/>
               <a:t>Resume</a:t>
             </a:r>
           </a:p>
           <a:p>
             <a:r>
-              <a:rPr lang="en-US" dirty="0" smtClean="0">
-                <a:latin typeface="Times New Roman" panose="02020603050405020304" pitchFamily="18" charset="0"/>
-                <a:cs typeface="Times New Roman" panose="02020603050405020304" pitchFamily="18" charset="0"/>
-              </a:rPr>
+              <a:rPr lang="en-US" dirty="0" smtClean="0"/>
               <a:t>School</a:t>
             </a:r>
           </a:p>
           <a:p>
             <a:r>
-              <a:rPr lang="en-US" dirty="0" smtClean="0">
-                <a:latin typeface="Times New Roman" panose="02020603050405020304" pitchFamily="18" charset="0"/>
-                <a:cs typeface="Times New Roman" panose="02020603050405020304" pitchFamily="18" charset="0"/>
-              </a:rPr>
+              <a:rPr lang="en-US" dirty="0" smtClean="0"/>
               <a:t>Education</a:t>
             </a:r>
           </a:p>
           <a:p>
             <a:r>
-              <a:rPr lang="en-US" dirty="0" smtClean="0">
-                <a:latin typeface="Times New Roman" panose="02020603050405020304" pitchFamily="18" charset="0"/>
-                <a:cs typeface="Times New Roman" panose="02020603050405020304" pitchFamily="18" charset="0"/>
-              </a:rPr>
+              <a:rPr lang="en-US" dirty="0" smtClean="0"/>
               <a:t>Skill</a:t>
             </a:r>
           </a:p>
           <a:p>
             <a:r>
-              <a:rPr lang="en-US" dirty="0" smtClean="0">
-                <a:latin typeface="Times New Roman" panose="02020603050405020304" pitchFamily="18" charset="0"/>
-                <a:cs typeface="Times New Roman" panose="02020603050405020304" pitchFamily="18" charset="0"/>
-              </a:rPr>
+              <a:rPr lang="en-US" dirty="0" smtClean="0"/>
               <a:t>Language</a:t>
             </a:r>
           </a:p>
           <a:p>
             <a:r>
-              <a:rPr lang="en-US" dirty="0" smtClean="0">
-                <a:latin typeface="Times New Roman" panose="02020603050405020304" pitchFamily="18" charset="0"/>
-                <a:cs typeface="Times New Roman" panose="02020603050405020304" pitchFamily="18" charset="0"/>
-              </a:rPr>
+              <a:rPr lang="en-US" dirty="0" smtClean="0"/>
               <a:t>Career Object</a:t>
             </a:r>
           </a:p>
           <a:p>
             <a:r>
-              <a:rPr lang="en-US" dirty="0" smtClean="0">
-                <a:latin typeface="Times New Roman" panose="02020603050405020304" pitchFamily="18" charset="0"/>
-                <a:cs typeface="Times New Roman" panose="02020603050405020304" pitchFamily="18" charset="0"/>
-              </a:rPr>
+              <a:rPr lang="en-US" dirty="0" smtClean="0"/>
               <a:t>Experiment</a:t>
             </a:r>
           </a:p>
           <a:p>
             <a:r>
-              <a:rPr lang="en-US" dirty="0" smtClean="0">
-                <a:latin typeface="Times New Roman" panose="02020603050405020304" pitchFamily="18" charset="0"/>
-                <a:cs typeface="Times New Roman" panose="02020603050405020304" pitchFamily="18" charset="0"/>
-              </a:rPr>
+              <a:rPr lang="en-US" dirty="0" smtClean="0"/>
               <a:t>Reference</a:t>
             </a:r>
           </a:p>
@@ -3382,8 +7238,8 @@
         </p:nvSpPr>
         <p:spPr>
           <a:xfrm>
-            <a:off x="6096000" y="1719044"/>
-            <a:ext cx="3408608" cy="4351338"/>
+            <a:off x="6096000" y="1825625"/>
+            <a:ext cx="2866697" cy="4351338"/>
           </a:xfrm>
           <a:prstGeom prst="rect">
             <a:avLst/>
@@ -3391,7 +7247,7 @@
         </p:spPr>
         <p:txBody>
           <a:bodyPr vert="horz" lIns="91440" tIns="45720" rIns="91440" bIns="45720" rtlCol="0">
-            <a:normAutofit/>
+            <a:normAutofit lnSpcReduction="10000"/>
           </a:bodyPr>
           <a:lstStyle>
             <a:lvl1pPr marL="228600" indent="-228600" algn="l" defTabSz="914400" rtl="0" eaLnBrk="1" latinLnBrk="0" hangingPunct="1">
@@ -3559,84 +7415,54 @@
           </a:lstStyle>
           <a:p>
             <a:r>
-              <a:rPr lang="en-US" dirty="0" smtClean="0">
-                <a:latin typeface="Times New Roman" panose="02020603050405020304" pitchFamily="18" charset="0"/>
-                <a:cs typeface="Times New Roman" panose="02020603050405020304" pitchFamily="18" charset="0"/>
-              </a:rPr>
+              <a:rPr lang="en-US" dirty="0" smtClean="0"/>
               <a:t>Account</a:t>
             </a:r>
           </a:p>
           <a:p>
             <a:r>
-              <a:rPr lang="en-US" dirty="0" smtClean="0">
-                <a:latin typeface="Times New Roman" panose="02020603050405020304" pitchFamily="18" charset="0"/>
-                <a:cs typeface="Times New Roman" panose="02020603050405020304" pitchFamily="18" charset="0"/>
-              </a:rPr>
+              <a:rPr lang="en-US" dirty="0" smtClean="0"/>
               <a:t>Company</a:t>
             </a:r>
           </a:p>
           <a:p>
             <a:r>
-              <a:rPr lang="en-US" dirty="0" smtClean="0">
-                <a:latin typeface="Times New Roman" panose="02020603050405020304" pitchFamily="18" charset="0"/>
-                <a:cs typeface="Times New Roman" panose="02020603050405020304" pitchFamily="18" charset="0"/>
-              </a:rPr>
+              <a:rPr lang="en-US" dirty="0" smtClean="0"/>
               <a:t>Job</a:t>
             </a:r>
           </a:p>
           <a:p>
             <a:r>
-              <a:rPr lang="en-US" dirty="0" smtClean="0">
-                <a:latin typeface="Times New Roman" panose="02020603050405020304" pitchFamily="18" charset="0"/>
-                <a:cs typeface="Times New Roman" panose="02020603050405020304" pitchFamily="18" charset="0"/>
-              </a:rPr>
+              <a:rPr lang="en-US" dirty="0" smtClean="0"/>
               <a:t>Category</a:t>
             </a:r>
           </a:p>
           <a:p>
             <a:r>
-              <a:rPr lang="en-US" dirty="0" err="1" smtClean="0">
-                <a:latin typeface="Times New Roman" panose="02020603050405020304" pitchFamily="18" charset="0"/>
-                <a:cs typeface="Times New Roman" panose="02020603050405020304" pitchFamily="18" charset="0"/>
-              </a:rPr>
+              <a:rPr lang="en-US" dirty="0" err="1" smtClean="0"/>
               <a:t>Xpath</a:t>
             </a:r>
-            <a:endParaRPr lang="en-US" dirty="0" smtClean="0">
-              <a:latin typeface="Times New Roman" panose="02020603050405020304" pitchFamily="18" charset="0"/>
-              <a:cs typeface="Times New Roman" panose="02020603050405020304" pitchFamily="18" charset="0"/>
-            </a:endParaRPr>
-          </a:p>
-          <a:p>
-            <a:r>
-              <a:rPr lang="en-US" dirty="0" smtClean="0">
-                <a:latin typeface="Times New Roman" panose="02020603050405020304" pitchFamily="18" charset="0"/>
-                <a:cs typeface="Times New Roman" panose="02020603050405020304" pitchFamily="18" charset="0"/>
-              </a:rPr>
+            <a:endParaRPr lang="en-US" dirty="0" smtClean="0"/>
+          </a:p>
+          <a:p>
+            <a:r>
+              <a:rPr lang="en-US" dirty="0" smtClean="0"/>
               <a:t>Care</a:t>
             </a:r>
           </a:p>
           <a:p>
             <a:r>
-              <a:rPr lang="en-US" dirty="0" err="1" smtClean="0">
-                <a:latin typeface="Times New Roman" panose="02020603050405020304" pitchFamily="18" charset="0"/>
-                <a:cs typeface="Times New Roman" panose="02020603050405020304" pitchFamily="18" charset="0"/>
-              </a:rPr>
+              <a:rPr lang="en-US" dirty="0" err="1" smtClean="0"/>
               <a:t>Job_Recommended</a:t>
             </a:r>
             <a:r>
-              <a:rPr lang="en-US" dirty="0" smtClean="0">
-                <a:latin typeface="Times New Roman" panose="02020603050405020304" pitchFamily="18" charset="0"/>
-                <a:cs typeface="Times New Roman" panose="02020603050405020304" pitchFamily="18" charset="0"/>
-              </a:rPr>
+              <a:rPr lang="en-US" dirty="0" smtClean="0"/>
               <a:t>.</a:t>
             </a:r>
           </a:p>
           <a:p>
             <a:r>
-              <a:rPr lang="en-US" dirty="0" smtClean="0">
-                <a:latin typeface="Times New Roman" panose="02020603050405020304" pitchFamily="18" charset="0"/>
-                <a:cs typeface="Times New Roman" panose="02020603050405020304" pitchFamily="18" charset="0"/>
-              </a:rPr>
+              <a:rPr lang="en-US" dirty="0" smtClean="0"/>
               <a:t>Reference</a:t>
             </a:r>
           </a:p>
@@ -3645,54 +7471,6 @@
           </a:p>
         </p:txBody>
       </p:sp>
-      <p:pic>
-        <p:nvPicPr>
-          <p:cNvPr id="6" name="Picture 4" descr="https://encrypted-tbn2.gstatic.com/images?q=tbn:ANd9GcQO-VkdT0ekvARSWu5D6OHwPQIDUHi9bGrU236v0xXFK20dK6g1"/>
-          <p:cNvPicPr>
-            <a:picLocks noChangeAspect="1" noChangeArrowheads="1"/>
-          </p:cNvPicPr>
-          <p:nvPr/>
-        </p:nvPicPr>
-        <p:blipFill>
-          <a:blip r:embed="rId2">
-            <a:duotone>
-              <a:schemeClr val="accent1">
-                <a:shade val="45000"/>
-                <a:satMod val="135000"/>
-              </a:schemeClr>
-              <a:prstClr val="white"/>
-            </a:duotone>
-            <a:extLst>
-              <a:ext uri="{28A0092B-C50C-407E-A947-70E740481C1C}">
-                <a14:useLocalDpi xmlns:a14="http://schemas.microsoft.com/office/drawing/2010/main" val="0"/>
-              </a:ext>
-            </a:extLst>
-          </a:blip>
-          <a:srcRect/>
-          <a:stretch>
-            <a:fillRect/>
-          </a:stretch>
-        </p:blipFill>
-        <p:spPr bwMode="auto">
-          <a:xfrm>
-            <a:off x="10379074" y="5045074"/>
-            <a:ext cx="1812926" cy="1812926"/>
-          </a:xfrm>
-          <a:prstGeom prst="rect">
-            <a:avLst/>
-          </a:prstGeom>
-          <a:noFill/>
-          <a:extLst>
-            <a:ext uri="{909E8E84-426E-40DD-AFC4-6F175D3DCCD1}">
-              <a14:hiddenFill xmlns:a14="http://schemas.microsoft.com/office/drawing/2010/main">
-                <a:solidFill>
-                  <a:srgbClr val="FFFFFF"/>
-                </a:solidFill>
-              </a14:hiddenFill>
-            </a:ext>
-          </a:extLst>
-        </p:spPr>
-      </p:pic>
     </p:spTree>
     <p:extLst>
       <p:ext uri="{BB962C8B-B14F-4D97-AF65-F5344CB8AC3E}">
@@ -3756,54 +7534,6 @@
           </a:prstGeom>
         </p:spPr>
       </p:pic>
-      <p:pic>
-        <p:nvPicPr>
-          <p:cNvPr id="6" name="Picture 4" descr="https://encrypted-tbn2.gstatic.com/images?q=tbn:ANd9GcQO-VkdT0ekvARSWu5D6OHwPQIDUHi9bGrU236v0xXFK20dK6g1"/>
-          <p:cNvPicPr>
-            <a:picLocks noChangeAspect="1" noChangeArrowheads="1"/>
-          </p:cNvPicPr>
-          <p:nvPr/>
-        </p:nvPicPr>
-        <p:blipFill>
-          <a:blip r:embed="rId3">
-            <a:duotone>
-              <a:schemeClr val="accent1">
-                <a:shade val="45000"/>
-                <a:satMod val="135000"/>
-              </a:schemeClr>
-              <a:prstClr val="white"/>
-            </a:duotone>
-            <a:extLst>
-              <a:ext uri="{28A0092B-C50C-407E-A947-70E740481C1C}">
-                <a14:useLocalDpi xmlns:a14="http://schemas.microsoft.com/office/drawing/2010/main" val="0"/>
-              </a:ext>
-            </a:extLst>
-          </a:blip>
-          <a:srcRect/>
-          <a:stretch>
-            <a:fillRect/>
-          </a:stretch>
-        </p:blipFill>
-        <p:spPr bwMode="auto">
-          <a:xfrm>
-            <a:off x="10379074" y="5045074"/>
-            <a:ext cx="1812926" cy="1812926"/>
-          </a:xfrm>
-          <a:prstGeom prst="rect">
-            <a:avLst/>
-          </a:prstGeom>
-          <a:noFill/>
-          <a:extLst>
-            <a:ext uri="{909E8E84-426E-40DD-AFC4-6F175D3DCCD1}">
-              <a14:hiddenFill xmlns:a14="http://schemas.microsoft.com/office/drawing/2010/main">
-                <a:solidFill>
-                  <a:srgbClr val="FFFFFF"/>
-                </a:solidFill>
-              </a14:hiddenFill>
-            </a:ext>
-          </a:extLst>
-        </p:spPr>
-      </p:pic>
     </p:spTree>
     <p:extLst>
       <p:ext uri="{BB962C8B-B14F-4D97-AF65-F5344CB8AC3E}">
@@ -3851,6 +7581,608 @@
             <p:ph type="title"/>
           </p:nvPr>
         </p:nvSpPr>
+        <p:spPr/>
+        <p:txBody>
+          <a:bodyPr/>
+          <a:lstStyle/>
+          <a:p>
+            <a:r>
+              <a:rPr lang="en-US" dirty="0" err="1" smtClean="0"/>
+              <a:t>Thuộc</a:t>
+            </a:r>
+            <a:r>
+              <a:rPr lang="en-US" dirty="0" smtClean="0"/>
+              <a:t> </a:t>
+            </a:r>
+            <a:r>
+              <a:rPr lang="en-US" dirty="0" err="1" smtClean="0"/>
+              <a:t>tính</a:t>
+            </a:r>
+            <a:endParaRPr lang="en-US" dirty="0"/>
+          </a:p>
+        </p:txBody>
+      </p:sp>
+      <p:pic>
+        <p:nvPicPr>
+          <p:cNvPr id="4" name="Content Placeholder 3"/>
+          <p:cNvPicPr>
+            <a:picLocks noGrp="1" noChangeAspect="1"/>
+          </p:cNvPicPr>
+          <p:nvPr>
+            <p:ph idx="1"/>
+          </p:nvPr>
+        </p:nvPicPr>
+        <p:blipFill>
+          <a:blip r:embed="rId2"/>
+          <a:stretch>
+            <a:fillRect/>
+          </a:stretch>
+        </p:blipFill>
+        <p:spPr>
+          <a:xfrm>
+            <a:off x="1058914" y="1690688"/>
+            <a:ext cx="4572000" cy="4124325"/>
+          </a:xfrm>
+          <a:prstGeom prst="rect">
+            <a:avLst/>
+          </a:prstGeom>
+        </p:spPr>
+      </p:pic>
+      <p:pic>
+        <p:nvPicPr>
+          <p:cNvPr id="7" name="Picture 6"/>
+          <p:cNvPicPr>
+            <a:picLocks noChangeAspect="1"/>
+          </p:cNvPicPr>
+          <p:nvPr/>
+        </p:nvPicPr>
+        <p:blipFill>
+          <a:blip r:embed="rId3"/>
+          <a:stretch>
+            <a:fillRect/>
+          </a:stretch>
+        </p:blipFill>
+        <p:spPr>
+          <a:xfrm>
+            <a:off x="6744519" y="1952625"/>
+            <a:ext cx="3495675" cy="1200150"/>
+          </a:xfrm>
+          <a:prstGeom prst="rect">
+            <a:avLst/>
+          </a:prstGeom>
+        </p:spPr>
+      </p:pic>
+    </p:spTree>
+    <p:extLst>
+      <p:ext uri="{BB962C8B-B14F-4D97-AF65-F5344CB8AC3E}">
+        <p14:creationId xmlns:p14="http://schemas.microsoft.com/office/powerpoint/2010/main" val="3168277080"/>
+      </p:ext>
+    </p:extLst>
+  </p:cSld>
+  <p:clrMapOvr>
+    <a:masterClrMapping/>
+  </p:clrMapOvr>
+  <p:timing>
+    <p:tnLst>
+      <p:par>
+        <p:cTn id="1" dur="indefinite" restart="never" nodeType="tmRoot"/>
+      </p:par>
+    </p:tnLst>
+  </p:timing>
+</p:sld>
+</file>
+
+<file path=ppt/slides/slide5.xml><?xml version="1.0" encoding="utf-8"?>
+<p:sld xmlns:a="http://schemas.openxmlformats.org/drawingml/2006/main" xmlns:r="http://schemas.openxmlformats.org/officeDocument/2006/relationships" xmlns:p="http://schemas.openxmlformats.org/presentationml/2006/main">
+  <p:cSld>
+    <p:spTree>
+      <p:nvGrpSpPr>
+        <p:cNvPr id="1" name=""/>
+        <p:cNvGrpSpPr/>
+        <p:nvPr/>
+      </p:nvGrpSpPr>
+      <p:grpSpPr>
+        <a:xfrm>
+          <a:off x="0" y="0"/>
+          <a:ext cx="0" cy="0"/>
+          <a:chOff x="0" y="0"/>
+          <a:chExt cx="0" cy="0"/>
+        </a:xfrm>
+      </p:grpSpPr>
+      <p:sp>
+        <p:nvSpPr>
+          <p:cNvPr id="2" name="Title 1"/>
+          <p:cNvSpPr>
+            <a:spLocks noGrp="1"/>
+          </p:cNvSpPr>
+          <p:nvPr>
+            <p:ph type="title"/>
+          </p:nvPr>
+        </p:nvSpPr>
+        <p:spPr/>
+        <p:txBody>
+          <a:bodyPr/>
+          <a:lstStyle/>
+          <a:p>
+            <a:r>
+              <a:rPr lang="en-US" dirty="0" err="1" smtClean="0"/>
+              <a:t>Thuộc</a:t>
+            </a:r>
+            <a:r>
+              <a:rPr lang="en-US" dirty="0" smtClean="0"/>
+              <a:t> </a:t>
+            </a:r>
+            <a:r>
+              <a:rPr lang="en-US" dirty="0" err="1" smtClean="0"/>
+              <a:t>tính</a:t>
+            </a:r>
+            <a:endParaRPr lang="en-US" dirty="0"/>
+          </a:p>
+        </p:txBody>
+      </p:sp>
+      <p:sp>
+        <p:nvSpPr>
+          <p:cNvPr id="3" name="Content Placeholder 2"/>
+          <p:cNvSpPr>
+            <a:spLocks noGrp="1"/>
+          </p:cNvSpPr>
+          <p:nvPr>
+            <p:ph idx="1"/>
+          </p:nvPr>
+        </p:nvSpPr>
+        <p:spPr/>
+        <p:txBody>
+          <a:bodyPr/>
+          <a:lstStyle/>
+          <a:p>
+            <a:endParaRPr lang="en-US" dirty="0"/>
+          </a:p>
+        </p:txBody>
+      </p:sp>
+      <p:pic>
+        <p:nvPicPr>
+          <p:cNvPr id="4" name="Picture 3"/>
+          <p:cNvPicPr>
+            <a:picLocks noChangeAspect="1"/>
+          </p:cNvPicPr>
+          <p:nvPr/>
+        </p:nvPicPr>
+        <p:blipFill>
+          <a:blip r:embed="rId2"/>
+          <a:stretch>
+            <a:fillRect/>
+          </a:stretch>
+        </p:blipFill>
+        <p:spPr>
+          <a:xfrm>
+            <a:off x="6082860" y="1329531"/>
+            <a:ext cx="4000500" cy="2457450"/>
+          </a:xfrm>
+          <a:prstGeom prst="rect">
+            <a:avLst/>
+          </a:prstGeom>
+        </p:spPr>
+      </p:pic>
+      <p:pic>
+        <p:nvPicPr>
+          <p:cNvPr id="5" name="Picture 4"/>
+          <p:cNvPicPr>
+            <a:picLocks noChangeAspect="1"/>
+          </p:cNvPicPr>
+          <p:nvPr/>
+        </p:nvPicPr>
+        <p:blipFill>
+          <a:blip r:embed="rId3"/>
+          <a:stretch>
+            <a:fillRect/>
+          </a:stretch>
+        </p:blipFill>
+        <p:spPr>
+          <a:xfrm>
+            <a:off x="1650780" y="2558256"/>
+            <a:ext cx="3619500" cy="2886075"/>
+          </a:xfrm>
+          <a:prstGeom prst="rect">
+            <a:avLst/>
+          </a:prstGeom>
+        </p:spPr>
+      </p:pic>
+      <p:pic>
+        <p:nvPicPr>
+          <p:cNvPr id="6" name="Picture 5"/>
+          <p:cNvPicPr>
+            <a:picLocks noChangeAspect="1"/>
+          </p:cNvPicPr>
+          <p:nvPr/>
+        </p:nvPicPr>
+        <p:blipFill>
+          <a:blip r:embed="rId4"/>
+          <a:stretch>
+            <a:fillRect/>
+          </a:stretch>
+        </p:blipFill>
+        <p:spPr>
+          <a:xfrm>
+            <a:off x="6311460" y="4500028"/>
+            <a:ext cx="3771900" cy="1133475"/>
+          </a:xfrm>
+          <a:prstGeom prst="rect">
+            <a:avLst/>
+          </a:prstGeom>
+        </p:spPr>
+      </p:pic>
+    </p:spTree>
+    <p:extLst>
+      <p:ext uri="{BB962C8B-B14F-4D97-AF65-F5344CB8AC3E}">
+        <p14:creationId xmlns:p14="http://schemas.microsoft.com/office/powerpoint/2010/main" val="1624952997"/>
+      </p:ext>
+    </p:extLst>
+  </p:cSld>
+  <p:clrMapOvr>
+    <a:masterClrMapping/>
+  </p:clrMapOvr>
+  <p:timing>
+    <p:tnLst>
+      <p:par>
+        <p:cTn id="1" dur="indefinite" restart="never" nodeType="tmRoot"/>
+      </p:par>
+    </p:tnLst>
+  </p:timing>
+</p:sld>
+</file>
+
+<file path=ppt/slides/slide6.xml><?xml version="1.0" encoding="utf-8"?>
+<p:sld xmlns:a="http://schemas.openxmlformats.org/drawingml/2006/main" xmlns:r="http://schemas.openxmlformats.org/officeDocument/2006/relationships" xmlns:p="http://schemas.openxmlformats.org/presentationml/2006/main">
+  <p:cSld>
+    <p:spTree>
+      <p:nvGrpSpPr>
+        <p:cNvPr id="1" name=""/>
+        <p:cNvGrpSpPr/>
+        <p:nvPr/>
+      </p:nvGrpSpPr>
+      <p:grpSpPr>
+        <a:xfrm>
+          <a:off x="0" y="0"/>
+          <a:ext cx="0" cy="0"/>
+          <a:chOff x="0" y="0"/>
+          <a:chExt cx="0" cy="0"/>
+        </a:xfrm>
+      </p:grpSpPr>
+      <p:sp>
+        <p:nvSpPr>
+          <p:cNvPr id="2" name="Title 1"/>
+          <p:cNvSpPr>
+            <a:spLocks noGrp="1"/>
+          </p:cNvSpPr>
+          <p:nvPr>
+            <p:ph type="title"/>
+          </p:nvPr>
+        </p:nvSpPr>
+        <p:spPr/>
+        <p:txBody>
+          <a:bodyPr/>
+          <a:lstStyle/>
+          <a:p>
+            <a:r>
+              <a:rPr lang="en-US" dirty="0" err="1" smtClean="0"/>
+              <a:t>Thuộc</a:t>
+            </a:r>
+            <a:r>
+              <a:rPr lang="en-US" dirty="0" smtClean="0"/>
+              <a:t> </a:t>
+            </a:r>
+            <a:r>
+              <a:rPr lang="en-US" dirty="0" err="1" smtClean="0"/>
+              <a:t>tính</a:t>
+            </a:r>
+            <a:endParaRPr lang="en-US" dirty="0"/>
+          </a:p>
+        </p:txBody>
+      </p:sp>
+      <p:pic>
+        <p:nvPicPr>
+          <p:cNvPr id="4" name="Content Placeholder 3"/>
+          <p:cNvPicPr>
+            <a:picLocks noGrp="1" noChangeAspect="1"/>
+          </p:cNvPicPr>
+          <p:nvPr>
+            <p:ph idx="1"/>
+          </p:nvPr>
+        </p:nvPicPr>
+        <p:blipFill>
+          <a:blip r:embed="rId2"/>
+          <a:stretch>
+            <a:fillRect/>
+          </a:stretch>
+        </p:blipFill>
+        <p:spPr>
+          <a:xfrm>
+            <a:off x="838200" y="1975754"/>
+            <a:ext cx="3876675" cy="4019550"/>
+          </a:xfrm>
+          <a:prstGeom prst="rect">
+            <a:avLst/>
+          </a:prstGeom>
+        </p:spPr>
+      </p:pic>
+      <p:pic>
+        <p:nvPicPr>
+          <p:cNvPr id="9" name="Picture 8"/>
+          <p:cNvPicPr>
+            <a:picLocks noChangeAspect="1"/>
+          </p:cNvPicPr>
+          <p:nvPr/>
+        </p:nvPicPr>
+        <p:blipFill>
+          <a:blip r:embed="rId3"/>
+          <a:stretch>
+            <a:fillRect/>
+          </a:stretch>
+        </p:blipFill>
+        <p:spPr>
+          <a:xfrm>
+            <a:off x="6096000" y="4186900"/>
+            <a:ext cx="3228975" cy="1143000"/>
+          </a:xfrm>
+          <a:prstGeom prst="rect">
+            <a:avLst/>
+          </a:prstGeom>
+        </p:spPr>
+      </p:pic>
+      <p:pic>
+        <p:nvPicPr>
+          <p:cNvPr id="10" name="Picture 9"/>
+          <p:cNvPicPr>
+            <a:picLocks noChangeAspect="1"/>
+          </p:cNvPicPr>
+          <p:nvPr/>
+        </p:nvPicPr>
+        <p:blipFill>
+          <a:blip r:embed="rId4"/>
+          <a:stretch>
+            <a:fillRect/>
+          </a:stretch>
+        </p:blipFill>
+        <p:spPr>
+          <a:xfrm>
+            <a:off x="6096000" y="2119644"/>
+            <a:ext cx="4124325" cy="1638300"/>
+          </a:xfrm>
+          <a:prstGeom prst="rect">
+            <a:avLst/>
+          </a:prstGeom>
+        </p:spPr>
+      </p:pic>
+    </p:spTree>
+    <p:extLst>
+      <p:ext uri="{BB962C8B-B14F-4D97-AF65-F5344CB8AC3E}">
+        <p14:creationId xmlns:p14="http://schemas.microsoft.com/office/powerpoint/2010/main" val="1671184658"/>
+      </p:ext>
+    </p:extLst>
+  </p:cSld>
+  <p:clrMapOvr>
+    <a:masterClrMapping/>
+  </p:clrMapOvr>
+  <p:timing>
+    <p:tnLst>
+      <p:par>
+        <p:cTn id="1" dur="indefinite" restart="never" nodeType="tmRoot"/>
+      </p:par>
+    </p:tnLst>
+  </p:timing>
+</p:sld>
+</file>
+
+<file path=ppt/slides/slide7.xml><?xml version="1.0" encoding="utf-8"?>
+<p:sld xmlns:a="http://schemas.openxmlformats.org/drawingml/2006/main" xmlns:r="http://schemas.openxmlformats.org/officeDocument/2006/relationships" xmlns:p="http://schemas.openxmlformats.org/presentationml/2006/main">
+  <p:cSld>
+    <p:spTree>
+      <p:nvGrpSpPr>
+        <p:cNvPr id="1" name=""/>
+        <p:cNvGrpSpPr/>
+        <p:nvPr/>
+      </p:nvGrpSpPr>
+      <p:grpSpPr>
+        <a:xfrm>
+          <a:off x="0" y="0"/>
+          <a:ext cx="0" cy="0"/>
+          <a:chOff x="0" y="0"/>
+          <a:chExt cx="0" cy="0"/>
+        </a:xfrm>
+      </p:grpSpPr>
+      <p:sp>
+        <p:nvSpPr>
+          <p:cNvPr id="2" name="Title 1"/>
+          <p:cNvSpPr>
+            <a:spLocks noGrp="1"/>
+          </p:cNvSpPr>
+          <p:nvPr>
+            <p:ph type="title"/>
+          </p:nvPr>
+        </p:nvSpPr>
+        <p:spPr/>
+        <p:txBody>
+          <a:bodyPr/>
+          <a:lstStyle/>
+          <a:p>
+            <a:r>
+              <a:rPr lang="en-US" dirty="0" err="1" smtClean="0"/>
+              <a:t>Thuộc</a:t>
+            </a:r>
+            <a:r>
+              <a:rPr lang="en-US" dirty="0" smtClean="0"/>
+              <a:t> </a:t>
+            </a:r>
+            <a:r>
+              <a:rPr lang="en-US" dirty="0" err="1" smtClean="0"/>
+              <a:t>tính</a:t>
+            </a:r>
+            <a:endParaRPr lang="en-US" dirty="0"/>
+          </a:p>
+        </p:txBody>
+      </p:sp>
+      <p:sp>
+        <p:nvSpPr>
+          <p:cNvPr id="3" name="Content Placeholder 2"/>
+          <p:cNvSpPr>
+            <a:spLocks noGrp="1"/>
+          </p:cNvSpPr>
+          <p:nvPr>
+            <p:ph idx="1"/>
+          </p:nvPr>
+        </p:nvSpPr>
+        <p:spPr/>
+        <p:txBody>
+          <a:bodyPr/>
+          <a:lstStyle/>
+          <a:p>
+            <a:endParaRPr lang="en-US" dirty="0"/>
+          </a:p>
+        </p:txBody>
+      </p:sp>
+      <p:pic>
+        <p:nvPicPr>
+          <p:cNvPr id="4" name="Picture 3"/>
+          <p:cNvPicPr>
+            <a:picLocks noChangeAspect="1"/>
+          </p:cNvPicPr>
+          <p:nvPr/>
+        </p:nvPicPr>
+        <p:blipFill>
+          <a:blip r:embed="rId2"/>
+          <a:stretch>
+            <a:fillRect/>
+          </a:stretch>
+        </p:blipFill>
+        <p:spPr>
+          <a:xfrm>
+            <a:off x="6741561" y="2086113"/>
+            <a:ext cx="2676525" cy="1143000"/>
+          </a:xfrm>
+          <a:prstGeom prst="rect">
+            <a:avLst/>
+          </a:prstGeom>
+        </p:spPr>
+      </p:pic>
+      <p:pic>
+        <p:nvPicPr>
+          <p:cNvPr id="5" name="Picture 4"/>
+          <p:cNvPicPr>
+            <a:picLocks noChangeAspect="1"/>
+          </p:cNvPicPr>
+          <p:nvPr/>
+        </p:nvPicPr>
+        <p:blipFill>
+          <a:blip r:embed="rId3"/>
+          <a:stretch>
+            <a:fillRect/>
+          </a:stretch>
+        </p:blipFill>
+        <p:spPr>
+          <a:xfrm>
+            <a:off x="1292154" y="1875990"/>
+            <a:ext cx="3867150" cy="2038350"/>
+          </a:xfrm>
+          <a:prstGeom prst="rect">
+            <a:avLst/>
+          </a:prstGeom>
+        </p:spPr>
+      </p:pic>
+      <p:pic>
+        <p:nvPicPr>
+          <p:cNvPr id="6" name="Picture 5"/>
+          <p:cNvPicPr>
+            <a:picLocks noChangeAspect="1"/>
+          </p:cNvPicPr>
+          <p:nvPr/>
+        </p:nvPicPr>
+        <p:blipFill>
+          <a:blip r:embed="rId4"/>
+          <a:stretch>
+            <a:fillRect/>
+          </a:stretch>
+        </p:blipFill>
+        <p:spPr>
+          <a:xfrm>
+            <a:off x="6741561" y="3911600"/>
+            <a:ext cx="2562225" cy="2400300"/>
+          </a:xfrm>
+          <a:prstGeom prst="rect">
+            <a:avLst/>
+          </a:prstGeom>
+        </p:spPr>
+      </p:pic>
+      <p:pic>
+        <p:nvPicPr>
+          <p:cNvPr id="7" name="Picture 6"/>
+          <p:cNvPicPr>
+            <a:picLocks noChangeAspect="1"/>
+          </p:cNvPicPr>
+          <p:nvPr/>
+        </p:nvPicPr>
+        <p:blipFill>
+          <a:blip r:embed="rId5"/>
+          <a:stretch>
+            <a:fillRect/>
+          </a:stretch>
+        </p:blipFill>
+        <p:spPr>
+          <a:xfrm>
+            <a:off x="1363591" y="4168775"/>
+            <a:ext cx="3724275" cy="2143125"/>
+          </a:xfrm>
+          <a:prstGeom prst="rect">
+            <a:avLst/>
+          </a:prstGeom>
+        </p:spPr>
+      </p:pic>
+    </p:spTree>
+    <p:extLst>
+      <p:ext uri="{BB962C8B-B14F-4D97-AF65-F5344CB8AC3E}">
+        <p14:creationId xmlns:p14="http://schemas.microsoft.com/office/powerpoint/2010/main" val="3669148029"/>
+      </p:ext>
+    </p:extLst>
+  </p:cSld>
+  <p:clrMapOvr>
+    <a:masterClrMapping/>
+  </p:clrMapOvr>
+  <p:timing>
+    <p:tnLst>
+      <p:par>
+        <p:cTn id="1" dur="indefinite" restart="never" nodeType="tmRoot"/>
+      </p:par>
+    </p:tnLst>
+  </p:timing>
+</p:sld>
+</file>
+
+<file path=ppt/slides/slide8.xml><?xml version="1.0" encoding="utf-8"?>
+<p:sld xmlns:a="http://schemas.openxmlformats.org/drawingml/2006/main" xmlns:r="http://schemas.openxmlformats.org/officeDocument/2006/relationships" xmlns:p="http://schemas.openxmlformats.org/presentationml/2006/main">
+  <p:cSld>
+    <p:spTree>
+      <p:nvGrpSpPr>
+        <p:cNvPr id="1" name=""/>
+        <p:cNvGrpSpPr/>
+        <p:nvPr/>
+      </p:nvGrpSpPr>
+      <p:grpSpPr>
+        <a:xfrm>
+          <a:off x="0" y="0"/>
+          <a:ext cx="0" cy="0"/>
+          <a:chOff x="0" y="0"/>
+          <a:chExt cx="0" cy="0"/>
+        </a:xfrm>
+      </p:grpSpPr>
+      <p:sp>
+        <p:nvSpPr>
+          <p:cNvPr id="2" name="Title 1"/>
+          <p:cNvSpPr>
+            <a:spLocks noGrp="1"/>
+          </p:cNvSpPr>
+          <p:nvPr>
+            <p:ph type="title"/>
+          </p:nvPr>
+        </p:nvSpPr>
         <p:spPr>
           <a:xfrm>
             <a:off x="869727" y="2903374"/>
@@ -3863,16 +8195,10 @@
           <a:p>
             <a:pPr algn="ctr"/>
             <a:r>
-              <a:rPr lang="en-US" b="1" dirty="0" smtClean="0">
-                <a:latin typeface="Times New Roman" panose="02020603050405020304" pitchFamily="18" charset="0"/>
-                <a:cs typeface="Times New Roman" panose="02020603050405020304" pitchFamily="18" charset="0"/>
-              </a:rPr>
+              <a:rPr lang="en-US" b="1" dirty="0" smtClean="0"/>
               <a:t>The end</a:t>
             </a:r>
-            <a:endParaRPr lang="en-US" b="1" dirty="0">
-              <a:latin typeface="Times New Roman" panose="02020603050405020304" pitchFamily="18" charset="0"/>
-              <a:cs typeface="Times New Roman" panose="02020603050405020304" pitchFamily="18" charset="0"/>
-            </a:endParaRPr>
+            <a:endParaRPr lang="en-US" b="1" dirty="0"/>
           </a:p>
         </p:txBody>
       </p:sp>
@@ -3897,6 +8223,1237 @@
 </file>
 
 <file path=ppt/theme/theme1.xml><?xml version="1.0" encoding="utf-8"?>
+<a:theme xmlns:a="http://schemas.openxmlformats.org/drawingml/2006/main" name="演示设计">
+  <a:themeElements>
+    <a:clrScheme name="演示设计 1">
+      <a:dk1>
+        <a:srgbClr val="000000"/>
+      </a:dk1>
+      <a:lt1>
+        <a:srgbClr val="FFFFFF"/>
+      </a:lt1>
+      <a:dk2>
+        <a:srgbClr val="4C7013"/>
+      </a:dk2>
+      <a:lt2>
+        <a:srgbClr val="0061B2"/>
+      </a:lt2>
+      <a:accent1>
+        <a:srgbClr val="FEA501"/>
+      </a:accent1>
+      <a:accent2>
+        <a:srgbClr val="C8A058"/>
+      </a:accent2>
+      <a:accent3>
+        <a:srgbClr val="FFFFFF"/>
+      </a:accent3>
+      <a:accent4>
+        <a:srgbClr val="000000"/>
+      </a:accent4>
+      <a:accent5>
+        <a:srgbClr val="FECFAA"/>
+      </a:accent5>
+      <a:accent6>
+        <a:srgbClr val="B5914F"/>
+      </a:accent6>
+      <a:hlink>
+        <a:srgbClr val="C40505"/>
+      </a:hlink>
+      <a:folHlink>
+        <a:srgbClr val="919191"/>
+      </a:folHlink>
+    </a:clrScheme>
+    <a:fontScheme name="演示设计">
+      <a:majorFont>
+        <a:latin typeface="Arial"/>
+        <a:ea typeface="SimHei"/>
+        <a:cs typeface=""/>
+      </a:majorFont>
+      <a:minorFont>
+        <a:latin typeface="Arial"/>
+        <a:ea typeface="SimHei"/>
+        <a:cs typeface=""/>
+      </a:minorFont>
+    </a:fontScheme>
+    <a:fmtScheme name="Office">
+      <a:fillStyleLst>
+        <a:solidFill>
+          <a:schemeClr val="phClr"/>
+        </a:solidFill>
+        <a:gradFill rotWithShape="1">
+          <a:gsLst>
+            <a:gs pos="0">
+              <a:schemeClr val="phClr">
+                <a:lumMod val="110000"/>
+                <a:satMod val="105000"/>
+                <a:tint val="67000"/>
+              </a:schemeClr>
+            </a:gs>
+            <a:gs pos="50000">
+              <a:schemeClr val="phClr">
+                <a:lumMod val="105000"/>
+                <a:satMod val="103000"/>
+                <a:tint val="73000"/>
+              </a:schemeClr>
+            </a:gs>
+            <a:gs pos="100000">
+              <a:schemeClr val="phClr">
+                <a:lumMod val="105000"/>
+                <a:satMod val="109000"/>
+                <a:tint val="81000"/>
+              </a:schemeClr>
+            </a:gs>
+          </a:gsLst>
+          <a:lin ang="5400000" scaled="0"/>
+        </a:gradFill>
+        <a:gradFill rotWithShape="1">
+          <a:gsLst>
+            <a:gs pos="0">
+              <a:schemeClr val="phClr">
+                <a:satMod val="103000"/>
+                <a:lumMod val="102000"/>
+                <a:tint val="94000"/>
+              </a:schemeClr>
+            </a:gs>
+            <a:gs pos="50000">
+              <a:schemeClr val="phClr">
+                <a:satMod val="110000"/>
+                <a:lumMod val="100000"/>
+                <a:shade val="100000"/>
+              </a:schemeClr>
+            </a:gs>
+            <a:gs pos="100000">
+              <a:schemeClr val="phClr">
+                <a:lumMod val="99000"/>
+                <a:satMod val="120000"/>
+                <a:shade val="78000"/>
+              </a:schemeClr>
+            </a:gs>
+          </a:gsLst>
+          <a:lin ang="5400000" scaled="0"/>
+        </a:gradFill>
+      </a:fillStyleLst>
+      <a:lnStyleLst>
+        <a:ln w="6350" cap="flat" cmpd="sng" algn="ctr">
+          <a:solidFill>
+            <a:schemeClr val="phClr"/>
+          </a:solidFill>
+          <a:prstDash val="solid"/>
+          <a:miter lim="800000"/>
+        </a:ln>
+        <a:ln w="12700" cap="flat" cmpd="sng" algn="ctr">
+          <a:solidFill>
+            <a:schemeClr val="phClr"/>
+          </a:solidFill>
+          <a:prstDash val="solid"/>
+          <a:miter lim="800000"/>
+        </a:ln>
+        <a:ln w="19050" cap="flat" cmpd="sng" algn="ctr">
+          <a:solidFill>
+            <a:schemeClr val="phClr"/>
+          </a:solidFill>
+          <a:prstDash val="solid"/>
+          <a:miter lim="800000"/>
+        </a:ln>
+      </a:lnStyleLst>
+      <a:effectStyleLst>
+        <a:effectStyle>
+          <a:effectLst/>
+        </a:effectStyle>
+        <a:effectStyle>
+          <a:effectLst/>
+        </a:effectStyle>
+        <a:effectStyle>
+          <a:effectLst>
+            <a:outerShdw blurRad="57150" dist="19050" dir="5400000" algn="ctr" rotWithShape="0">
+              <a:srgbClr val="000000">
+                <a:alpha val="63000"/>
+              </a:srgbClr>
+            </a:outerShdw>
+          </a:effectLst>
+        </a:effectStyle>
+      </a:effectStyleLst>
+      <a:bgFillStyleLst>
+        <a:solidFill>
+          <a:schemeClr val="phClr"/>
+        </a:solidFill>
+        <a:solidFill>
+          <a:schemeClr val="phClr">
+            <a:tint val="95000"/>
+            <a:satMod val="170000"/>
+          </a:schemeClr>
+        </a:solidFill>
+        <a:gradFill rotWithShape="1">
+          <a:gsLst>
+            <a:gs pos="0">
+              <a:schemeClr val="phClr">
+                <a:tint val="93000"/>
+                <a:satMod val="150000"/>
+                <a:shade val="98000"/>
+                <a:lumMod val="102000"/>
+              </a:schemeClr>
+            </a:gs>
+            <a:gs pos="50000">
+              <a:schemeClr val="phClr">
+                <a:tint val="98000"/>
+                <a:satMod val="130000"/>
+                <a:shade val="90000"/>
+                <a:lumMod val="103000"/>
+              </a:schemeClr>
+            </a:gs>
+            <a:gs pos="100000">
+              <a:schemeClr val="phClr">
+                <a:shade val="63000"/>
+                <a:satMod val="120000"/>
+              </a:schemeClr>
+            </a:gs>
+          </a:gsLst>
+          <a:lin ang="5400000" scaled="0"/>
+        </a:gradFill>
+      </a:bgFillStyleLst>
+    </a:fmtScheme>
+  </a:themeElements>
+  <a:objectDefaults>
+    <a:spDef>
+      <a:spPr bwMode="auto">
+        <a:xfrm>
+          <a:off x="0" y="0"/>
+          <a:ext cx="1" cy="1"/>
+        </a:xfrm>
+        <a:custGeom>
+          <a:avLst/>
+          <a:gdLst/>
+          <a:ahLst/>
+          <a:cxnLst/>
+          <a:rect l="0" t="0" r="0" b="0"/>
+          <a:pathLst/>
+        </a:custGeom>
+        <a:solidFill>
+          <a:schemeClr val="accent1"/>
+        </a:solidFill>
+        <a:ln w="9525" cap="flat" cmpd="sng" algn="ctr">
+          <a:solidFill>
+            <a:schemeClr val="tx1"/>
+          </a:solidFill>
+          <a:prstDash val="solid"/>
+          <a:round/>
+          <a:headEnd type="none" w="med" len="med"/>
+          <a:tailEnd type="none" w="med" len="med"/>
+        </a:ln>
+        <a:effectLst/>
+        <a:extLst>
+          <a:ext uri="{AF507438-7753-43E0-B8FC-AC1667EBCBE1}">
+            <a14:hiddenEffects xmlns:a14="http://schemas.microsoft.com/office/drawing/2010/main">
+              <a:effectLst>
+                <a:outerShdw dist="35921" dir="2700000" algn="ctr" rotWithShape="0">
+                  <a:schemeClr val="bg2"/>
+                </a:outerShdw>
+              </a:effectLst>
+            </a14:hiddenEffects>
+          </a:ext>
+        </a:extLst>
+      </a:spPr>
+      <a:bodyPr vert="horz" wrap="none" lIns="90000" tIns="46800" rIns="90000" bIns="46800" numCol="1" anchor="ctr" anchorCtr="0" compatLnSpc="1">
+        <a:prstTxWarp prst="textNoShape">
+          <a:avLst/>
+        </a:prstTxWarp>
+      </a:bodyPr>
+      <a:lstStyle>
+        <a:defPPr marL="0" marR="0" indent="0" algn="l" defTabSz="914400" rtl="0" eaLnBrk="1" fontAlgn="base" latinLnBrk="0" hangingPunct="1">
+          <a:lnSpc>
+            <a:spcPct val="100000"/>
+          </a:lnSpc>
+          <a:spcBef>
+            <a:spcPct val="0"/>
+          </a:spcBef>
+          <a:spcAft>
+            <a:spcPct val="0"/>
+          </a:spcAft>
+          <a:buClrTx/>
+          <a:buSzTx/>
+          <a:buFontTx/>
+          <a:buNone/>
+          <a:tabLst/>
+          <a:defRPr kumimoji="0" lang="en-US" altLang="en-US" sz="2000" b="0" i="0" u="none" strike="noStrike" cap="none" normalizeH="0" baseline="0" smtClean="0">
+            <a:ln>
+              <a:noFill/>
+            </a:ln>
+            <a:solidFill>
+              <a:schemeClr val="tx1"/>
+            </a:solidFill>
+            <a:effectLst/>
+            <a:latin typeface="Arial" panose="020B0604020202020204" pitchFamily="34" charset="0"/>
+          </a:defRPr>
+        </a:defPPr>
+      </a:lstStyle>
+    </a:spDef>
+    <a:lnDef>
+      <a:spPr bwMode="auto">
+        <a:xfrm>
+          <a:off x="0" y="0"/>
+          <a:ext cx="1" cy="1"/>
+        </a:xfrm>
+        <a:custGeom>
+          <a:avLst/>
+          <a:gdLst/>
+          <a:ahLst/>
+          <a:cxnLst/>
+          <a:rect l="0" t="0" r="0" b="0"/>
+          <a:pathLst/>
+        </a:custGeom>
+        <a:solidFill>
+          <a:schemeClr val="accent1"/>
+        </a:solidFill>
+        <a:ln w="9525" cap="flat" cmpd="sng" algn="ctr">
+          <a:solidFill>
+            <a:schemeClr val="tx1"/>
+          </a:solidFill>
+          <a:prstDash val="solid"/>
+          <a:round/>
+          <a:headEnd type="none" w="med" len="med"/>
+          <a:tailEnd type="none" w="med" len="med"/>
+        </a:ln>
+        <a:effectLst/>
+        <a:extLst>
+          <a:ext uri="{AF507438-7753-43E0-B8FC-AC1667EBCBE1}">
+            <a14:hiddenEffects xmlns:a14="http://schemas.microsoft.com/office/drawing/2010/main">
+              <a:effectLst>
+                <a:outerShdw dist="35921" dir="2700000" algn="ctr" rotWithShape="0">
+                  <a:schemeClr val="bg2"/>
+                </a:outerShdw>
+              </a:effectLst>
+            </a14:hiddenEffects>
+          </a:ext>
+        </a:extLst>
+      </a:spPr>
+      <a:bodyPr vert="horz" wrap="none" lIns="90000" tIns="46800" rIns="90000" bIns="46800" numCol="1" anchor="ctr" anchorCtr="0" compatLnSpc="1">
+        <a:prstTxWarp prst="textNoShape">
+          <a:avLst/>
+        </a:prstTxWarp>
+      </a:bodyPr>
+      <a:lstStyle>
+        <a:defPPr marL="0" marR="0" indent="0" algn="l" defTabSz="914400" rtl="0" eaLnBrk="1" fontAlgn="base" latinLnBrk="0" hangingPunct="1">
+          <a:lnSpc>
+            <a:spcPct val="100000"/>
+          </a:lnSpc>
+          <a:spcBef>
+            <a:spcPct val="0"/>
+          </a:spcBef>
+          <a:spcAft>
+            <a:spcPct val="0"/>
+          </a:spcAft>
+          <a:buClrTx/>
+          <a:buSzTx/>
+          <a:buFontTx/>
+          <a:buNone/>
+          <a:tabLst/>
+          <a:defRPr kumimoji="0" lang="en-US" altLang="en-US" sz="2000" b="0" i="0" u="none" strike="noStrike" cap="none" normalizeH="0" baseline="0" smtClean="0">
+            <a:ln>
+              <a:noFill/>
+            </a:ln>
+            <a:solidFill>
+              <a:schemeClr val="tx1"/>
+            </a:solidFill>
+            <a:effectLst/>
+            <a:latin typeface="Arial" panose="020B0604020202020204" pitchFamily="34" charset="0"/>
+          </a:defRPr>
+        </a:defPPr>
+      </a:lstStyle>
+    </a:lnDef>
+  </a:objectDefaults>
+  <a:extraClrSchemeLst>
+    <a:extraClrScheme>
+      <a:clrScheme name="演示设计 1">
+        <a:dk1>
+          <a:srgbClr val="000000"/>
+        </a:dk1>
+        <a:lt1>
+          <a:srgbClr val="FFFFFF"/>
+        </a:lt1>
+        <a:dk2>
+          <a:srgbClr val="4C7013"/>
+        </a:dk2>
+        <a:lt2>
+          <a:srgbClr val="0061B2"/>
+        </a:lt2>
+        <a:accent1>
+          <a:srgbClr val="FEA501"/>
+        </a:accent1>
+        <a:accent2>
+          <a:srgbClr val="C8A058"/>
+        </a:accent2>
+        <a:accent3>
+          <a:srgbClr val="FFFFFF"/>
+        </a:accent3>
+        <a:accent4>
+          <a:srgbClr val="000000"/>
+        </a:accent4>
+        <a:accent5>
+          <a:srgbClr val="FECFAA"/>
+        </a:accent5>
+        <a:accent6>
+          <a:srgbClr val="B5914F"/>
+        </a:accent6>
+        <a:hlink>
+          <a:srgbClr val="C40505"/>
+        </a:hlink>
+        <a:folHlink>
+          <a:srgbClr val="919191"/>
+        </a:folHlink>
+      </a:clrScheme>
+      <a:clrMap bg1="lt1" tx1="dk1" bg2="lt2" tx2="dk2" accent1="accent1" accent2="accent2" accent3="accent3" accent4="accent4" accent5="accent5" accent6="accent6" hlink="hlink" folHlink="folHlink"/>
+    </a:extraClrScheme>
+  </a:extraClrSchemeLst>
+  <a:extLst>
+    <a:ext uri="{05A4C25C-085E-4340-85A3-A5531E510DB2}">
+      <thm15:themeFamily xmlns:thm15="http://schemas.microsoft.com/office/thememl/2012/main" name="Office Theme" id="{62F939B6-93AF-4DB8-9C6B-D6C7DFDC589F}" vid="{4A3C46E8-61CC-4603-A589-7422A47A8E4A}"/>
+    </a:ext>
+  </a:extLst>
+</a:theme>
+</file>
+
+<file path=ppt/theme/theme2.xml><?xml version="1.0" encoding="utf-8"?>
+<a:theme xmlns:a="http://schemas.openxmlformats.org/drawingml/2006/main" name="默认设计模板">
+  <a:themeElements>
+    <a:clrScheme name="默认设计模板 1">
+      <a:dk1>
+        <a:srgbClr val="000000"/>
+      </a:dk1>
+      <a:lt1>
+        <a:srgbClr val="FFFFFF"/>
+      </a:lt1>
+      <a:dk2>
+        <a:srgbClr val="000000"/>
+      </a:dk2>
+      <a:lt2>
+        <a:srgbClr val="808080"/>
+      </a:lt2>
+      <a:accent1>
+        <a:srgbClr val="BBE0E3"/>
+      </a:accent1>
+      <a:accent2>
+        <a:srgbClr val="333399"/>
+      </a:accent2>
+      <a:accent3>
+        <a:srgbClr val="FFFFFF"/>
+      </a:accent3>
+      <a:accent4>
+        <a:srgbClr val="000000"/>
+      </a:accent4>
+      <a:accent5>
+        <a:srgbClr val="DAEDEF"/>
+      </a:accent5>
+      <a:accent6>
+        <a:srgbClr val="2D2D8A"/>
+      </a:accent6>
+      <a:hlink>
+        <a:srgbClr val="009999"/>
+      </a:hlink>
+      <a:folHlink>
+        <a:srgbClr val="99CC00"/>
+      </a:folHlink>
+    </a:clrScheme>
+    <a:fontScheme name="默认设计模板">
+      <a:majorFont>
+        <a:latin typeface="Arial"/>
+        <a:ea typeface="宋体"/>
+        <a:cs typeface=""/>
+      </a:majorFont>
+      <a:minorFont>
+        <a:latin typeface="Arial"/>
+        <a:ea typeface="宋体"/>
+        <a:cs typeface=""/>
+      </a:minorFont>
+    </a:fontScheme>
+    <a:fmtScheme name="Office">
+      <a:fillStyleLst>
+        <a:solidFill>
+          <a:schemeClr val="phClr"/>
+        </a:solidFill>
+        <a:gradFill rotWithShape="1">
+          <a:gsLst>
+            <a:gs pos="0">
+              <a:schemeClr val="phClr">
+                <a:lumMod val="110000"/>
+                <a:satMod val="105000"/>
+                <a:tint val="67000"/>
+              </a:schemeClr>
+            </a:gs>
+            <a:gs pos="50000">
+              <a:schemeClr val="phClr">
+                <a:lumMod val="105000"/>
+                <a:satMod val="103000"/>
+                <a:tint val="73000"/>
+              </a:schemeClr>
+            </a:gs>
+            <a:gs pos="100000">
+              <a:schemeClr val="phClr">
+                <a:lumMod val="105000"/>
+                <a:satMod val="109000"/>
+                <a:tint val="81000"/>
+              </a:schemeClr>
+            </a:gs>
+          </a:gsLst>
+          <a:lin ang="5400000" scaled="0"/>
+        </a:gradFill>
+        <a:gradFill rotWithShape="1">
+          <a:gsLst>
+            <a:gs pos="0">
+              <a:schemeClr val="phClr">
+                <a:satMod val="103000"/>
+                <a:lumMod val="102000"/>
+                <a:tint val="94000"/>
+              </a:schemeClr>
+            </a:gs>
+            <a:gs pos="50000">
+              <a:schemeClr val="phClr">
+                <a:satMod val="110000"/>
+                <a:lumMod val="100000"/>
+                <a:shade val="100000"/>
+              </a:schemeClr>
+            </a:gs>
+            <a:gs pos="100000">
+              <a:schemeClr val="phClr">
+                <a:lumMod val="99000"/>
+                <a:satMod val="120000"/>
+                <a:shade val="78000"/>
+              </a:schemeClr>
+            </a:gs>
+          </a:gsLst>
+          <a:lin ang="5400000" scaled="0"/>
+        </a:gradFill>
+      </a:fillStyleLst>
+      <a:lnStyleLst>
+        <a:ln w="6350" cap="flat" cmpd="sng" algn="ctr">
+          <a:solidFill>
+            <a:schemeClr val="phClr"/>
+          </a:solidFill>
+          <a:prstDash val="solid"/>
+          <a:miter lim="800000"/>
+        </a:ln>
+        <a:ln w="12700" cap="flat" cmpd="sng" algn="ctr">
+          <a:solidFill>
+            <a:schemeClr val="phClr"/>
+          </a:solidFill>
+          <a:prstDash val="solid"/>
+          <a:miter lim="800000"/>
+        </a:ln>
+        <a:ln w="19050" cap="flat" cmpd="sng" algn="ctr">
+          <a:solidFill>
+            <a:schemeClr val="phClr"/>
+          </a:solidFill>
+          <a:prstDash val="solid"/>
+          <a:miter lim="800000"/>
+        </a:ln>
+      </a:lnStyleLst>
+      <a:effectStyleLst>
+        <a:effectStyle>
+          <a:effectLst/>
+        </a:effectStyle>
+        <a:effectStyle>
+          <a:effectLst/>
+        </a:effectStyle>
+        <a:effectStyle>
+          <a:effectLst>
+            <a:outerShdw blurRad="57150" dist="19050" dir="5400000" algn="ctr" rotWithShape="0">
+              <a:srgbClr val="000000">
+                <a:alpha val="63000"/>
+              </a:srgbClr>
+            </a:outerShdw>
+          </a:effectLst>
+        </a:effectStyle>
+      </a:effectStyleLst>
+      <a:bgFillStyleLst>
+        <a:solidFill>
+          <a:schemeClr val="phClr"/>
+        </a:solidFill>
+        <a:solidFill>
+          <a:schemeClr val="phClr">
+            <a:tint val="95000"/>
+            <a:satMod val="170000"/>
+          </a:schemeClr>
+        </a:solidFill>
+        <a:gradFill rotWithShape="1">
+          <a:gsLst>
+            <a:gs pos="0">
+              <a:schemeClr val="phClr">
+                <a:tint val="93000"/>
+                <a:satMod val="150000"/>
+                <a:shade val="98000"/>
+                <a:lumMod val="102000"/>
+              </a:schemeClr>
+            </a:gs>
+            <a:gs pos="50000">
+              <a:schemeClr val="phClr">
+                <a:tint val="98000"/>
+                <a:satMod val="130000"/>
+                <a:shade val="90000"/>
+                <a:lumMod val="103000"/>
+              </a:schemeClr>
+            </a:gs>
+            <a:gs pos="100000">
+              <a:schemeClr val="phClr">
+                <a:shade val="63000"/>
+                <a:satMod val="120000"/>
+              </a:schemeClr>
+            </a:gs>
+          </a:gsLst>
+          <a:lin ang="5400000" scaled="0"/>
+        </a:gradFill>
+      </a:bgFillStyleLst>
+    </a:fmtScheme>
+  </a:themeElements>
+  <a:objectDefaults>
+    <a:spDef>
+      <a:spPr bwMode="auto">
+        <a:xfrm>
+          <a:off x="0" y="0"/>
+          <a:ext cx="1" cy="1"/>
+        </a:xfrm>
+        <a:custGeom>
+          <a:avLst/>
+          <a:gdLst/>
+          <a:ahLst/>
+          <a:cxnLst/>
+          <a:rect l="0" t="0" r="0" b="0"/>
+          <a:pathLst/>
+        </a:custGeom>
+        <a:solidFill>
+          <a:schemeClr val="accent1"/>
+        </a:solidFill>
+        <a:ln w="9525" cap="flat" cmpd="sng" algn="ctr">
+          <a:solidFill>
+            <a:schemeClr val="tx1"/>
+          </a:solidFill>
+          <a:prstDash val="solid"/>
+          <a:round/>
+          <a:headEnd type="none" w="med" len="med"/>
+          <a:tailEnd type="none" w="med" len="med"/>
+        </a:ln>
+        <a:effectLst/>
+        <a:extLst>
+          <a:ext uri="{AF507438-7753-43E0-B8FC-AC1667EBCBE1}">
+            <a14:hiddenEffects xmlns:a14="http://schemas.microsoft.com/office/drawing/2010/main">
+              <a:effectLst>
+                <a:outerShdw dist="35921" dir="2700000" algn="ctr" rotWithShape="0">
+                  <a:schemeClr val="bg2"/>
+                </a:outerShdw>
+              </a:effectLst>
+            </a14:hiddenEffects>
+          </a:ext>
+        </a:extLst>
+      </a:spPr>
+      <a:bodyPr vert="horz" wrap="none" lIns="90000" tIns="46800" rIns="90000" bIns="46800" numCol="1" anchor="ctr" anchorCtr="0" compatLnSpc="1">
+        <a:prstTxWarp prst="textNoShape">
+          <a:avLst/>
+        </a:prstTxWarp>
+      </a:bodyPr>
+      <a:lstStyle>
+        <a:defPPr marL="0" marR="0" indent="0" algn="l" defTabSz="914400" rtl="0" eaLnBrk="1" fontAlgn="base" latinLnBrk="0" hangingPunct="1">
+          <a:lnSpc>
+            <a:spcPct val="100000"/>
+          </a:lnSpc>
+          <a:spcBef>
+            <a:spcPct val="0"/>
+          </a:spcBef>
+          <a:spcAft>
+            <a:spcPct val="0"/>
+          </a:spcAft>
+          <a:buClrTx/>
+          <a:buSzTx/>
+          <a:buFontTx/>
+          <a:buNone/>
+          <a:tabLst/>
+          <a:defRPr kumimoji="0" lang="en-US" altLang="en-US" sz="2000" b="0" i="0" u="none" strike="noStrike" cap="none" normalizeH="0" baseline="0" smtClean="0">
+            <a:ln>
+              <a:noFill/>
+            </a:ln>
+            <a:solidFill>
+              <a:schemeClr val="tx1"/>
+            </a:solidFill>
+            <a:effectLst/>
+            <a:latin typeface="Arial" panose="020B0604020202020204" pitchFamily="34" charset="0"/>
+          </a:defRPr>
+        </a:defPPr>
+      </a:lstStyle>
+    </a:spDef>
+    <a:lnDef>
+      <a:spPr bwMode="auto">
+        <a:xfrm>
+          <a:off x="0" y="0"/>
+          <a:ext cx="1" cy="1"/>
+        </a:xfrm>
+        <a:custGeom>
+          <a:avLst/>
+          <a:gdLst/>
+          <a:ahLst/>
+          <a:cxnLst/>
+          <a:rect l="0" t="0" r="0" b="0"/>
+          <a:pathLst/>
+        </a:custGeom>
+        <a:solidFill>
+          <a:schemeClr val="accent1"/>
+        </a:solidFill>
+        <a:ln w="9525" cap="flat" cmpd="sng" algn="ctr">
+          <a:solidFill>
+            <a:schemeClr val="tx1"/>
+          </a:solidFill>
+          <a:prstDash val="solid"/>
+          <a:round/>
+          <a:headEnd type="none" w="med" len="med"/>
+          <a:tailEnd type="none" w="med" len="med"/>
+        </a:ln>
+        <a:effectLst/>
+        <a:extLst>
+          <a:ext uri="{AF507438-7753-43E0-B8FC-AC1667EBCBE1}">
+            <a14:hiddenEffects xmlns:a14="http://schemas.microsoft.com/office/drawing/2010/main">
+              <a:effectLst>
+                <a:outerShdw dist="35921" dir="2700000" algn="ctr" rotWithShape="0">
+                  <a:schemeClr val="bg2"/>
+                </a:outerShdw>
+              </a:effectLst>
+            </a14:hiddenEffects>
+          </a:ext>
+        </a:extLst>
+      </a:spPr>
+      <a:bodyPr vert="horz" wrap="none" lIns="90000" tIns="46800" rIns="90000" bIns="46800" numCol="1" anchor="ctr" anchorCtr="0" compatLnSpc="1">
+        <a:prstTxWarp prst="textNoShape">
+          <a:avLst/>
+        </a:prstTxWarp>
+      </a:bodyPr>
+      <a:lstStyle>
+        <a:defPPr marL="0" marR="0" indent="0" algn="l" defTabSz="914400" rtl="0" eaLnBrk="1" fontAlgn="base" latinLnBrk="0" hangingPunct="1">
+          <a:lnSpc>
+            <a:spcPct val="100000"/>
+          </a:lnSpc>
+          <a:spcBef>
+            <a:spcPct val="0"/>
+          </a:spcBef>
+          <a:spcAft>
+            <a:spcPct val="0"/>
+          </a:spcAft>
+          <a:buClrTx/>
+          <a:buSzTx/>
+          <a:buFontTx/>
+          <a:buNone/>
+          <a:tabLst/>
+          <a:defRPr kumimoji="0" lang="en-US" altLang="en-US" sz="2000" b="0" i="0" u="none" strike="noStrike" cap="none" normalizeH="0" baseline="0" smtClean="0">
+            <a:ln>
+              <a:noFill/>
+            </a:ln>
+            <a:solidFill>
+              <a:schemeClr val="tx1"/>
+            </a:solidFill>
+            <a:effectLst/>
+            <a:latin typeface="Arial" panose="020B0604020202020204" pitchFamily="34" charset="0"/>
+          </a:defRPr>
+        </a:defPPr>
+      </a:lstStyle>
+    </a:lnDef>
+  </a:objectDefaults>
+  <a:extraClrSchemeLst>
+    <a:extraClrScheme>
+      <a:clrScheme name="默认设计模板 1">
+        <a:dk1>
+          <a:srgbClr val="000000"/>
+        </a:dk1>
+        <a:lt1>
+          <a:srgbClr val="FFFFFF"/>
+        </a:lt1>
+        <a:dk2>
+          <a:srgbClr val="000000"/>
+        </a:dk2>
+        <a:lt2>
+          <a:srgbClr val="808080"/>
+        </a:lt2>
+        <a:accent1>
+          <a:srgbClr val="BBE0E3"/>
+        </a:accent1>
+        <a:accent2>
+          <a:srgbClr val="333399"/>
+        </a:accent2>
+        <a:accent3>
+          <a:srgbClr val="FFFFFF"/>
+        </a:accent3>
+        <a:accent4>
+          <a:srgbClr val="000000"/>
+        </a:accent4>
+        <a:accent5>
+          <a:srgbClr val="DAEDEF"/>
+        </a:accent5>
+        <a:accent6>
+          <a:srgbClr val="2D2D8A"/>
+        </a:accent6>
+        <a:hlink>
+          <a:srgbClr val="009999"/>
+        </a:hlink>
+        <a:folHlink>
+          <a:srgbClr val="99CC00"/>
+        </a:folHlink>
+      </a:clrScheme>
+      <a:clrMap bg1="lt1" tx1="dk1" bg2="lt2" tx2="dk2" accent1="accent1" accent2="accent2" accent3="accent3" accent4="accent4" accent5="accent5" accent6="accent6" hlink="hlink" folHlink="folHlink"/>
+    </a:extraClrScheme>
+    <a:extraClrScheme>
+      <a:clrScheme name="默认设计模板 2">
+        <a:dk1>
+          <a:srgbClr val="000000"/>
+        </a:dk1>
+        <a:lt1>
+          <a:srgbClr val="FFFFFF"/>
+        </a:lt1>
+        <a:dk2>
+          <a:srgbClr val="000000"/>
+        </a:dk2>
+        <a:lt2>
+          <a:srgbClr val="969696"/>
+        </a:lt2>
+        <a:accent1>
+          <a:srgbClr val="FBDF53"/>
+        </a:accent1>
+        <a:accent2>
+          <a:srgbClr val="FF9966"/>
+        </a:accent2>
+        <a:accent3>
+          <a:srgbClr val="FFFFFF"/>
+        </a:accent3>
+        <a:accent4>
+          <a:srgbClr val="000000"/>
+        </a:accent4>
+        <a:accent5>
+          <a:srgbClr val="FDECB3"/>
+        </a:accent5>
+        <a:accent6>
+          <a:srgbClr val="E78A5C"/>
+        </a:accent6>
+        <a:hlink>
+          <a:srgbClr val="CC3300"/>
+        </a:hlink>
+        <a:folHlink>
+          <a:srgbClr val="996600"/>
+        </a:folHlink>
+      </a:clrScheme>
+      <a:clrMap bg1="lt1" tx1="dk1" bg2="lt2" tx2="dk2" accent1="accent1" accent2="accent2" accent3="accent3" accent4="accent4" accent5="accent5" accent6="accent6" hlink="hlink" folHlink="folHlink"/>
+    </a:extraClrScheme>
+    <a:extraClrScheme>
+      <a:clrScheme name="默认设计模板 3">
+        <a:dk1>
+          <a:srgbClr val="000000"/>
+        </a:dk1>
+        <a:lt1>
+          <a:srgbClr val="FFFFFF"/>
+        </a:lt1>
+        <a:dk2>
+          <a:srgbClr val="000000"/>
+        </a:dk2>
+        <a:lt2>
+          <a:srgbClr val="808080"/>
+        </a:lt2>
+        <a:accent1>
+          <a:srgbClr val="99CCFF"/>
+        </a:accent1>
+        <a:accent2>
+          <a:srgbClr val="CCCCFF"/>
+        </a:accent2>
+        <a:accent3>
+          <a:srgbClr val="FFFFFF"/>
+        </a:accent3>
+        <a:accent4>
+          <a:srgbClr val="000000"/>
+        </a:accent4>
+        <a:accent5>
+          <a:srgbClr val="CAE2FF"/>
+        </a:accent5>
+        <a:accent6>
+          <a:srgbClr val="B9B9E7"/>
+        </a:accent6>
+        <a:hlink>
+          <a:srgbClr val="3333CC"/>
+        </a:hlink>
+        <a:folHlink>
+          <a:srgbClr val="AF67FF"/>
+        </a:folHlink>
+      </a:clrScheme>
+      <a:clrMap bg1="lt1" tx1="dk1" bg2="lt2" tx2="dk2" accent1="accent1" accent2="accent2" accent3="accent3" accent4="accent4" accent5="accent5" accent6="accent6" hlink="hlink" folHlink="folHlink"/>
+    </a:extraClrScheme>
+    <a:extraClrScheme>
+      <a:clrScheme name="默认设计模板 4">
+        <a:dk1>
+          <a:srgbClr val="000000"/>
+        </a:dk1>
+        <a:lt1>
+          <a:srgbClr val="DEF6F1"/>
+        </a:lt1>
+        <a:dk2>
+          <a:srgbClr val="000000"/>
+        </a:dk2>
+        <a:lt2>
+          <a:srgbClr val="969696"/>
+        </a:lt2>
+        <a:accent1>
+          <a:srgbClr val="FFFFFF"/>
+        </a:accent1>
+        <a:accent2>
+          <a:srgbClr val="8DC6FF"/>
+        </a:accent2>
+        <a:accent3>
+          <a:srgbClr val="ECFAF7"/>
+        </a:accent3>
+        <a:accent4>
+          <a:srgbClr val="000000"/>
+        </a:accent4>
+        <a:accent5>
+          <a:srgbClr val="FFFFFF"/>
+        </a:accent5>
+        <a:accent6>
+          <a:srgbClr val="7FB3E7"/>
+        </a:accent6>
+        <a:hlink>
+          <a:srgbClr val="0066CC"/>
+        </a:hlink>
+        <a:folHlink>
+          <a:srgbClr val="00A800"/>
+        </a:folHlink>
+      </a:clrScheme>
+      <a:clrMap bg1="lt1" tx1="dk1" bg2="lt2" tx2="dk2" accent1="accent1" accent2="accent2" accent3="accent3" accent4="accent4" accent5="accent5" accent6="accent6" hlink="hlink" folHlink="folHlink"/>
+    </a:extraClrScheme>
+    <a:extraClrScheme>
+      <a:clrScheme name="默认设计模板 5">
+        <a:dk1>
+          <a:srgbClr val="000000"/>
+        </a:dk1>
+        <a:lt1>
+          <a:srgbClr val="FFFFD9"/>
+        </a:lt1>
+        <a:dk2>
+          <a:srgbClr val="000000"/>
+        </a:dk2>
+        <a:lt2>
+          <a:srgbClr val="777777"/>
+        </a:lt2>
+        <a:accent1>
+          <a:srgbClr val="FFFFF7"/>
+        </a:accent1>
+        <a:accent2>
+          <a:srgbClr val="33CCCC"/>
+        </a:accent2>
+        <a:accent3>
+          <a:srgbClr val="FFFFE9"/>
+        </a:accent3>
+        <a:accent4>
+          <a:srgbClr val="000000"/>
+        </a:accent4>
+        <a:accent5>
+          <a:srgbClr val="FFFFFA"/>
+        </a:accent5>
+        <a:accent6>
+          <a:srgbClr val="2DB9B9"/>
+        </a:accent6>
+        <a:hlink>
+          <a:srgbClr val="FF5050"/>
+        </a:hlink>
+        <a:folHlink>
+          <a:srgbClr val="FF9900"/>
+        </a:folHlink>
+      </a:clrScheme>
+      <a:clrMap bg1="lt1" tx1="dk1" bg2="lt2" tx2="dk2" accent1="accent1" accent2="accent2" accent3="accent3" accent4="accent4" accent5="accent5" accent6="accent6" hlink="hlink" folHlink="folHlink"/>
+    </a:extraClrScheme>
+    <a:extraClrScheme>
+      <a:clrScheme name="默认设计模板 6">
+        <a:dk1>
+          <a:srgbClr val="005A58"/>
+        </a:dk1>
+        <a:lt1>
+          <a:srgbClr val="FFFFFF"/>
+        </a:lt1>
+        <a:dk2>
+          <a:srgbClr val="008080"/>
+        </a:dk2>
+        <a:lt2>
+          <a:srgbClr val="FFFF99"/>
+        </a:lt2>
+        <a:accent1>
+          <a:srgbClr val="006462"/>
+        </a:accent1>
+        <a:accent2>
+          <a:srgbClr val="6D6FC7"/>
+        </a:accent2>
+        <a:accent3>
+          <a:srgbClr val="AAC0C0"/>
+        </a:accent3>
+        <a:accent4>
+          <a:srgbClr val="DADADA"/>
+        </a:accent4>
+        <a:accent5>
+          <a:srgbClr val="AAB8B7"/>
+        </a:accent5>
+        <a:accent6>
+          <a:srgbClr val="6264B4"/>
+        </a:accent6>
+        <a:hlink>
+          <a:srgbClr val="00FFFF"/>
+        </a:hlink>
+        <a:folHlink>
+          <a:srgbClr val="00FF00"/>
+        </a:folHlink>
+      </a:clrScheme>
+      <a:clrMap bg1="dk2" tx1="lt1" bg2="dk1" tx2="lt2" accent1="accent1" accent2="accent2" accent3="accent3" accent4="accent4" accent5="accent5" accent6="accent6" hlink="hlink" folHlink="folHlink"/>
+    </a:extraClrScheme>
+    <a:extraClrScheme>
+      <a:clrScheme name="默认设计模板 7">
+        <a:dk1>
+          <a:srgbClr val="5C1F00"/>
+        </a:dk1>
+        <a:lt1>
+          <a:srgbClr val="FFFFFF"/>
+        </a:lt1>
+        <a:dk2>
+          <a:srgbClr val="800000"/>
+        </a:dk2>
+        <a:lt2>
+          <a:srgbClr val="DFD293"/>
+        </a:lt2>
+        <a:accent1>
+          <a:srgbClr val="CC3300"/>
+        </a:accent1>
+        <a:accent2>
+          <a:srgbClr val="BE7960"/>
+        </a:accent2>
+        <a:accent3>
+          <a:srgbClr val="C0AAAA"/>
+        </a:accent3>
+        <a:accent4>
+          <a:srgbClr val="DADADA"/>
+        </a:accent4>
+        <a:accent5>
+          <a:srgbClr val="E2ADAA"/>
+        </a:accent5>
+        <a:accent6>
+          <a:srgbClr val="AC6D56"/>
+        </a:accent6>
+        <a:hlink>
+          <a:srgbClr val="FFFF99"/>
+        </a:hlink>
+        <a:folHlink>
+          <a:srgbClr val="D3A219"/>
+        </a:folHlink>
+      </a:clrScheme>
+      <a:clrMap bg1="dk2" tx1="lt1" bg2="dk1" tx2="lt2" accent1="accent1" accent2="accent2" accent3="accent3" accent4="accent4" accent5="accent5" accent6="accent6" hlink="hlink" folHlink="folHlink"/>
+    </a:extraClrScheme>
+    <a:extraClrScheme>
+      <a:clrScheme name="默认设计模板 8">
+        <a:dk1>
+          <a:srgbClr val="003366"/>
+        </a:dk1>
+        <a:lt1>
+          <a:srgbClr val="FFFFFF"/>
+        </a:lt1>
+        <a:dk2>
+          <a:srgbClr val="000099"/>
+        </a:dk2>
+        <a:lt2>
+          <a:srgbClr val="CCFFFF"/>
+        </a:lt2>
+        <a:accent1>
+          <a:srgbClr val="3366CC"/>
+        </a:accent1>
+        <a:accent2>
+          <a:srgbClr val="00B000"/>
+        </a:accent2>
+        <a:accent3>
+          <a:srgbClr val="AAAACA"/>
+        </a:accent3>
+        <a:accent4>
+          <a:srgbClr val="DADADA"/>
+        </a:accent4>
+        <a:accent5>
+          <a:srgbClr val="ADB8E2"/>
+        </a:accent5>
+        <a:accent6>
+          <a:srgbClr val="009F00"/>
+        </a:accent6>
+        <a:hlink>
+          <a:srgbClr val="66CCFF"/>
+        </a:hlink>
+        <a:folHlink>
+          <a:srgbClr val="FFE701"/>
+        </a:folHlink>
+      </a:clrScheme>
+      <a:clrMap bg1="dk2" tx1="lt1" bg2="dk1" tx2="lt2" accent1="accent1" accent2="accent2" accent3="accent3" accent4="accent4" accent5="accent5" accent6="accent6" hlink="hlink" folHlink="folHlink"/>
+    </a:extraClrScheme>
+    <a:extraClrScheme>
+      <a:clrScheme name="默认设计模板 9">
+        <a:dk1>
+          <a:srgbClr val="336699"/>
+        </a:dk1>
+        <a:lt1>
+          <a:srgbClr val="FFFFFF"/>
+        </a:lt1>
+        <a:dk2>
+          <a:srgbClr val="000000"/>
+        </a:dk2>
+        <a:lt2>
+          <a:srgbClr val="E3EBF1"/>
+        </a:lt2>
+        <a:accent1>
+          <a:srgbClr val="003399"/>
+        </a:accent1>
+        <a:accent2>
+          <a:srgbClr val="468A4B"/>
+        </a:accent2>
+        <a:accent3>
+          <a:srgbClr val="AAAAAA"/>
+        </a:accent3>
+        <a:accent4>
+          <a:srgbClr val="DADADA"/>
+        </a:accent4>
+        <a:accent5>
+          <a:srgbClr val="AAADCA"/>
+        </a:accent5>
+        <a:accent6>
+          <a:srgbClr val="3F7D43"/>
+        </a:accent6>
+        <a:hlink>
+          <a:srgbClr val="66CCFF"/>
+        </a:hlink>
+        <a:folHlink>
+          <a:srgbClr val="F0E500"/>
+        </a:folHlink>
+      </a:clrScheme>
+      <a:clrMap bg1="dk2" tx1="lt1" bg2="dk1" tx2="lt2" accent1="accent1" accent2="accent2" accent3="accent3" accent4="accent4" accent5="accent5" accent6="accent6" hlink="hlink" folHlink="folHlink"/>
+    </a:extraClrScheme>
+    <a:extraClrScheme>
+      <a:clrScheme name="默认设计模板 10">
+        <a:dk1>
+          <a:srgbClr val="777777"/>
+        </a:dk1>
+        <a:lt1>
+          <a:srgbClr val="FFFFFF"/>
+        </a:lt1>
+        <a:dk2>
+          <a:srgbClr val="686B5D"/>
+        </a:dk2>
+        <a:lt2>
+          <a:srgbClr val="D1D1CB"/>
+        </a:lt2>
+        <a:accent1>
+          <a:srgbClr val="909082"/>
+        </a:accent1>
+        <a:accent2>
+          <a:srgbClr val="809EA8"/>
+        </a:accent2>
+        <a:accent3>
+          <a:srgbClr val="B9BAB6"/>
+        </a:accent3>
+        <a:accent4>
+          <a:srgbClr val="DADADA"/>
+        </a:accent4>
+        <a:accent5>
+          <a:srgbClr val="C6C6C1"/>
+        </a:accent5>
+        <a:accent6>
+          <a:srgbClr val="738F98"/>
+        </a:accent6>
+        <a:hlink>
+          <a:srgbClr val="FFCC66"/>
+        </a:hlink>
+        <a:folHlink>
+          <a:srgbClr val="E9DCB9"/>
+        </a:folHlink>
+      </a:clrScheme>
+      <a:clrMap bg1="dk2" tx1="lt1" bg2="dk1" tx2="lt2" accent1="accent1" accent2="accent2" accent3="accent3" accent4="accent4" accent5="accent5" accent6="accent6" hlink="hlink" folHlink="folHlink"/>
+    </a:extraClrScheme>
+    <a:extraClrScheme>
+      <a:clrScheme name="默认设计模板 11">
+        <a:dk1>
+          <a:srgbClr val="3E3E5C"/>
+        </a:dk1>
+        <a:lt1>
+          <a:srgbClr val="FFFFFF"/>
+        </a:lt1>
+        <a:dk2>
+          <a:srgbClr val="666699"/>
+        </a:dk2>
+        <a:lt2>
+          <a:srgbClr val="FFFFFF"/>
+        </a:lt2>
+        <a:accent1>
+          <a:srgbClr val="60597B"/>
+        </a:accent1>
+        <a:accent2>
+          <a:srgbClr val="6666FF"/>
+        </a:accent2>
+        <a:accent3>
+          <a:srgbClr val="B8B8CA"/>
+        </a:accent3>
+        <a:accent4>
+          <a:srgbClr val="DADADA"/>
+        </a:accent4>
+        <a:accent5>
+          <a:srgbClr val="B6B5BF"/>
+        </a:accent5>
+        <a:accent6>
+          <a:srgbClr val="5C5CE7"/>
+        </a:accent6>
+        <a:hlink>
+          <a:srgbClr val="99CCFF"/>
+        </a:hlink>
+        <a:folHlink>
+          <a:srgbClr val="FFFF99"/>
+        </a:folHlink>
+      </a:clrScheme>
+      <a:clrMap bg1="dk2" tx1="lt1" bg2="dk1" tx2="lt2" accent1="accent1" accent2="accent2" accent3="accent3" accent4="accent4" accent5="accent5" accent6="accent6" hlink="hlink" folHlink="folHlink"/>
+    </a:extraClrScheme>
+    <a:extraClrScheme>
+      <a:clrScheme name="默认设计模板 12">
+        <a:dk1>
+          <a:srgbClr val="2D2015"/>
+        </a:dk1>
+        <a:lt1>
+          <a:srgbClr val="FFFFFF"/>
+        </a:lt1>
+        <a:dk2>
+          <a:srgbClr val="523E26"/>
+        </a:dk2>
+        <a:lt2>
+          <a:srgbClr val="DFC08D"/>
+        </a:lt2>
+        <a:accent1>
+          <a:srgbClr val="8C7B70"/>
+        </a:accent1>
+        <a:accent2>
+          <a:srgbClr val="8F5F2F"/>
+        </a:accent2>
+        <a:accent3>
+          <a:srgbClr val="B3AFAC"/>
+        </a:accent3>
+        <a:accent4>
+          <a:srgbClr val="DADADA"/>
+        </a:accent4>
+        <a:accent5>
+          <a:srgbClr val="C5BFBB"/>
+        </a:accent5>
+        <a:accent6>
+          <a:srgbClr val="81552A"/>
+        </a:accent6>
+        <a:hlink>
+          <a:srgbClr val="CCB400"/>
+        </a:hlink>
+        <a:folHlink>
+          <a:srgbClr val="8C9EA0"/>
+        </a:folHlink>
+      </a:clrScheme>
+      <a:clrMap bg1="dk2" tx1="lt1" bg2="dk1" tx2="lt2" accent1="accent1" accent2="accent2" accent3="accent3" accent4="accent4" accent5="accent5" accent6="accent6" hlink="hlink" folHlink="folHlink"/>
+    </a:extraClrScheme>
+  </a:extraClrSchemeLst>
+  <a:extLst>
+    <a:ext uri="{05A4C25C-085E-4340-85A3-A5531E510DB2}">
+      <thm15:themeFamily xmlns:thm15="http://schemas.microsoft.com/office/thememl/2012/main" name="Office Theme" id="{62F939B6-93AF-4DB8-9C6B-D6C7DFDC589F}" vid="{4A3C46E8-61CC-4603-A589-7422A47A8E4A}"/>
+    </a:ext>
+  </a:extLst>
+</a:theme>
+</file>
+
+<file path=ppt/theme/theme3.xml><?xml version="1.0" encoding="utf-8"?>
 <a:theme xmlns:a="http://schemas.openxmlformats.org/drawingml/2006/main" name="Office Theme">
   <a:themeElements>
     <a:clrScheme name="Office">

--- a/Document/slide/Database.pptx
+++ b/Document/slide/Database.pptx
@@ -119,6 +119,9 @@
     <p:ext uri="{EFAFB233-063F-42B5-8137-9DF3F51BA10A}">
       <p15:sldGuideLst xmlns:p15="http://schemas.microsoft.com/office/powerpoint/2012/main"/>
     </p:ext>
+    <p:ext uri="{2D200454-40CA-4A62-9FC3-DE9A4176ACB9}">
+      <p15:notesGuideLst xmlns:p15="http://schemas.microsoft.com/office/powerpoint/2012/main"/>
+    </p:ext>
   </p:extLst>
 </p:presentation>
 </file>
@@ -205,7 +208,7 @@
           <a:p>
             <a:fld id="{8775B81B-2B51-42B8-8BAF-600E938677EC}" type="datetimeFigureOut">
               <a:rPr lang="en-US" smtClean="0"/>
-              <a:t>02/10/2015</a:t>
+              <a:t>03/10/2015</a:t>
             </a:fld>
             <a:endParaRPr lang="en-US"/>
           </a:p>
@@ -506,7 +509,7 @@
         <p:nvSpPr>
           <p:cNvPr id="2050" name="Rectangle 2"/>
           <p:cNvSpPr>
-            <a:spLocks noChangeArrowheads="1"/>
+            <a:spLocks noGrp="1" noChangeArrowheads="1"/>
           </p:cNvSpPr>
           <p:nvPr>
             <p:ph type="ctrTitle"/>
@@ -541,7 +544,7 @@
         <p:nvSpPr>
           <p:cNvPr id="2051" name="Rectangle 3"/>
           <p:cNvSpPr>
-            <a:spLocks noChangeArrowheads="1"/>
+            <a:spLocks noGrp="1" noChangeArrowheads="1"/>
           </p:cNvSpPr>
           <p:nvPr>
             <p:ph type="subTitle" idx="1"/>
@@ -720,7 +723,7 @@
           <a:p>
             <a:fld id="{5F6ED6E0-D8FB-42FD-A3DC-22CC4FD63A42}" type="datetimeFigureOut">
               <a:rPr lang="en-US" smtClean="0"/>
-              <a:t>02/10/2015</a:t>
+              <a:t>03/10/2015</a:t>
             </a:fld>
             <a:endParaRPr lang="en-US"/>
           </a:p>
@@ -912,7 +915,7 @@
           <a:p>
             <a:fld id="{5F6ED6E0-D8FB-42FD-A3DC-22CC4FD63A42}" type="datetimeFigureOut">
               <a:rPr lang="en-US" smtClean="0"/>
-              <a:t>02/10/2015</a:t>
+              <a:t>03/10/2015</a:t>
             </a:fld>
             <a:endParaRPr lang="en-US"/>
           </a:p>
@@ -2809,7 +2812,7 @@
           <a:p>
             <a:fld id="{5F6ED6E0-D8FB-42FD-A3DC-22CC4FD63A42}" type="datetimeFigureOut">
               <a:rPr lang="en-US" smtClean="0"/>
-              <a:t>02/10/2015</a:t>
+              <a:t>03/10/2015</a:t>
             </a:fld>
             <a:endParaRPr lang="en-US"/>
           </a:p>
@@ -3647,7 +3650,7 @@
           <a:p>
             <a:fld id="{5F6ED6E0-D8FB-42FD-A3DC-22CC4FD63A42}" type="datetimeFigureOut">
               <a:rPr lang="en-US" smtClean="0"/>
-              <a:t>02/10/2015</a:t>
+              <a:t>03/10/2015</a:t>
             </a:fld>
             <a:endParaRPr lang="en-US"/>
           </a:p>
@@ -3891,7 +3894,7 @@
           <a:p>
             <a:fld id="{5F6ED6E0-D8FB-42FD-A3DC-22CC4FD63A42}" type="datetimeFigureOut">
               <a:rPr lang="en-US" smtClean="0"/>
-              <a:t>02/10/2015</a:t>
+              <a:t>03/10/2015</a:t>
             </a:fld>
             <a:endParaRPr lang="en-US"/>
           </a:p>
@@ -4270,7 +4273,7 @@
           <a:p>
             <a:fld id="{5F6ED6E0-D8FB-42FD-A3DC-22CC4FD63A42}" type="datetimeFigureOut">
               <a:rPr lang="en-US" smtClean="0"/>
-              <a:t>02/10/2015</a:t>
+              <a:t>03/10/2015</a:t>
             </a:fld>
             <a:endParaRPr lang="en-US"/>
           </a:p>
@@ -4400,7 +4403,7 @@
           <a:p>
             <a:fld id="{5F6ED6E0-D8FB-42FD-A3DC-22CC4FD63A42}" type="datetimeFigureOut">
               <a:rPr lang="en-US" smtClean="0"/>
-              <a:t>02/10/2015</a:t>
+              <a:t>03/10/2015</a:t>
             </a:fld>
             <a:endParaRPr lang="en-US"/>
           </a:p>
@@ -4507,7 +4510,7 @@
           <a:p>
             <a:fld id="{5F6ED6E0-D8FB-42FD-A3DC-22CC4FD63A42}" type="datetimeFigureOut">
               <a:rPr lang="en-US" smtClean="0"/>
-              <a:t>02/10/2015</a:t>
+              <a:t>03/10/2015</a:t>
             </a:fld>
             <a:endParaRPr lang="en-US"/>
           </a:p>
@@ -4796,7 +4799,7 @@
           <a:p>
             <a:fld id="{5F6ED6E0-D8FB-42FD-A3DC-22CC4FD63A42}" type="datetimeFigureOut">
               <a:rPr lang="en-US" smtClean="0"/>
-              <a:t>02/10/2015</a:t>
+              <a:t>03/10/2015</a:t>
             </a:fld>
             <a:endParaRPr lang="en-US"/>
           </a:p>
@@ -5065,7 +5068,7 @@
           <a:p>
             <a:fld id="{5F6ED6E0-D8FB-42FD-A3DC-22CC4FD63A42}" type="datetimeFigureOut">
               <a:rPr lang="en-US" smtClean="0"/>
-              <a:t>02/10/2015</a:t>
+              <a:t>03/10/2015</a:t>
             </a:fld>
             <a:endParaRPr lang="en-US"/>
           </a:p>
@@ -5380,7 +5383,7 @@
         <p:nvSpPr>
           <p:cNvPr id="1028" name="Rectangle 4"/>
           <p:cNvSpPr>
-            <a:spLocks noChangeArrowheads="1"/>
+            <a:spLocks noGrp="1" noChangeArrowheads="1"/>
           </p:cNvSpPr>
           <p:nvPr>
             <p:ph type="title"/>
@@ -5438,7 +5441,7 @@
         <p:nvSpPr>
           <p:cNvPr id="1029" name="Rectangle 5"/>
           <p:cNvSpPr>
-            <a:spLocks noChangeArrowheads="1"/>
+            <a:spLocks noGrp="1" noChangeArrowheads="1"/>
           </p:cNvSpPr>
           <p:nvPr>
             <p:ph type="body" idx="1"/>
@@ -5524,7 +5527,7 @@
         <p:nvSpPr>
           <p:cNvPr id="1030" name="Rectangle 6"/>
           <p:cNvSpPr>
-            <a:spLocks noChangeArrowheads="1"/>
+            <a:spLocks noGrp="1" noChangeArrowheads="1"/>
           </p:cNvSpPr>
           <p:nvPr>
             <p:ph type="dt" sz="half" idx="2"/>
@@ -5576,7 +5579,7 @@
           <a:p>
             <a:fld id="{5F6ED6E0-D8FB-42FD-A3DC-22CC4FD63A42}" type="datetimeFigureOut">
               <a:rPr lang="en-US" smtClean="0"/>
-              <a:t>02/10/2015</a:t>
+              <a:t>03/10/2015</a:t>
             </a:fld>
             <a:endParaRPr lang="en-US"/>
           </a:p>
@@ -5586,7 +5589,7 @@
         <p:nvSpPr>
           <p:cNvPr id="1031" name="Rectangle 7"/>
           <p:cNvSpPr>
-            <a:spLocks noChangeArrowheads="1"/>
+            <a:spLocks noGrp="1" noChangeArrowheads="1"/>
           </p:cNvSpPr>
           <p:nvPr>
             <p:ph type="sldNum" sz="quarter" idx="4"/>
@@ -7222,6 +7225,7 @@
               <a:rPr lang="en-US" dirty="0" smtClean="0"/>
               <a:t>Reference</a:t>
             </a:r>
+            <a:endParaRPr lang="en-US" dirty="0" smtClean="0"/>
           </a:p>
           <a:p>
             <a:endParaRPr lang="en-US" dirty="0"/>
@@ -7239,7 +7243,7 @@
         <p:spPr>
           <a:xfrm>
             <a:off x="6096000" y="1825625"/>
-            <a:ext cx="2866697" cy="4351338"/>
+            <a:ext cx="3820510" cy="4351338"/>
           </a:xfrm>
           <a:prstGeom prst="rect">
             <a:avLst/>
@@ -7247,7 +7251,7 @@
         </p:spPr>
         <p:txBody>
           <a:bodyPr vert="horz" lIns="91440" tIns="45720" rIns="91440" bIns="45720" rtlCol="0">
-            <a:normAutofit lnSpcReduction="10000"/>
+            <a:normAutofit/>
           </a:bodyPr>
           <a:lstStyle>
             <a:lvl1pPr marL="228600" indent="-228600" algn="l" defTabSz="914400" rtl="0" eaLnBrk="1" latinLnBrk="0" hangingPunct="1">
@@ -7415,59 +7419,53 @@
           </a:lstStyle>
           <a:p>
             <a:r>
-              <a:rPr lang="en-US" dirty="0" smtClean="0"/>
+              <a:rPr lang="en-US" sz="2400" dirty="0" smtClean="0"/>
               <a:t>Account</a:t>
             </a:r>
           </a:p>
           <a:p>
             <a:r>
-              <a:rPr lang="en-US" dirty="0" smtClean="0"/>
+              <a:rPr lang="en-US" sz="2400" dirty="0" smtClean="0"/>
               <a:t>Company</a:t>
             </a:r>
           </a:p>
           <a:p>
             <a:r>
-              <a:rPr lang="en-US" dirty="0" smtClean="0"/>
+              <a:rPr lang="en-US" sz="2400" dirty="0" smtClean="0"/>
               <a:t>Job</a:t>
             </a:r>
           </a:p>
           <a:p>
             <a:r>
-              <a:rPr lang="en-US" dirty="0" smtClean="0"/>
+              <a:rPr lang="en-US" sz="2400" dirty="0" smtClean="0"/>
               <a:t>Category</a:t>
             </a:r>
           </a:p>
           <a:p>
             <a:r>
-              <a:rPr lang="en-US" dirty="0" err="1" smtClean="0"/>
+              <a:rPr lang="en-US" sz="2400" dirty="0" err="1" smtClean="0"/>
               <a:t>Xpath</a:t>
             </a:r>
-            <a:endParaRPr lang="en-US" dirty="0" smtClean="0"/>
-          </a:p>
-          <a:p>
-            <a:r>
-              <a:rPr lang="en-US" dirty="0" smtClean="0"/>
+            <a:endParaRPr lang="en-US" sz="2400" dirty="0" smtClean="0"/>
+          </a:p>
+          <a:p>
+            <a:r>
+              <a:rPr lang="en-US" sz="2400" dirty="0" smtClean="0"/>
               <a:t>Care</a:t>
             </a:r>
           </a:p>
           <a:p>
             <a:r>
-              <a:rPr lang="en-US" dirty="0" err="1" smtClean="0"/>
+              <a:rPr lang="en-US" sz="2400" dirty="0" err="1" smtClean="0"/>
               <a:t>Job_Recommended</a:t>
             </a:r>
             <a:r>
-              <a:rPr lang="en-US" dirty="0" smtClean="0"/>
+              <a:rPr lang="en-US" sz="2400" dirty="0" smtClean="0"/>
               <a:t>.</a:t>
             </a:r>
           </a:p>
           <a:p>
-            <a:r>
-              <a:rPr lang="en-US" dirty="0" smtClean="0"/>
-              <a:t>Reference</a:t>
-            </a:r>
-          </a:p>
-          <a:p>
-            <a:endParaRPr lang="en-US" dirty="0"/>
+            <a:endParaRPr lang="en-US" sz="2400" dirty="0"/>
           </a:p>
         </p:txBody>
       </p:sp>
